--- a/T1D Beta diversity update_21_July2022.pptx
+++ b/T1D Beta diversity update_21_July2022.pptx
@@ -7,8 +7,11 @@
   <p:sldIdLst>
     <p:sldId id="256" r:id="rId2"/>
     <p:sldId id="257" r:id="rId3"/>
-    <p:sldId id="258" r:id="rId4"/>
-    <p:sldId id="259" r:id="rId5"/>
+    <p:sldId id="260" r:id="rId4"/>
+    <p:sldId id="258" r:id="rId5"/>
+    <p:sldId id="259" r:id="rId6"/>
+    <p:sldId id="261" r:id="rId7"/>
+    <p:sldId id="272" r:id="rId8"/>
   </p:sldIdLst>
   <p:sldSz cx="12192000" cy="6858000"/>
   <p:notesSz cx="6858000" cy="9144000"/>
@@ -107,6 +110,11 @@
       </a:defRPr>
     </a:lvl9pPr>
   </p:defaultTextStyle>
+  <p:extLst>
+    <p:ext uri="{EFAFB233-063F-42B5-8137-9DF3F51BA10A}">
+      <p15:sldGuideLst xmlns:p15="http://schemas.microsoft.com/office/powerpoint/2012/main"/>
+    </p:ext>
+  </p:extLst>
 </p:presentation>
 </file>
 
@@ -257,7 +265,7 @@
           <a:p>
             <a:fld id="{6BF516F6-F08C-4B4E-B77D-73F64E95C72B}" type="datetimeFigureOut">
               <a:rPr lang="en-US" smtClean="0"/>
-              <a:t>7/21/2022</a:t>
+              <a:t>7/29/2022</a:t>
             </a:fld>
             <a:endParaRPr lang="en-US"/>
           </a:p>
@@ -455,7 +463,7 @@
           <a:p>
             <a:fld id="{6BF516F6-F08C-4B4E-B77D-73F64E95C72B}" type="datetimeFigureOut">
               <a:rPr lang="en-US" smtClean="0"/>
-              <a:t>7/21/2022</a:t>
+              <a:t>7/29/2022</a:t>
             </a:fld>
             <a:endParaRPr lang="en-US"/>
           </a:p>
@@ -663,7 +671,7 @@
           <a:p>
             <a:fld id="{6BF516F6-F08C-4B4E-B77D-73F64E95C72B}" type="datetimeFigureOut">
               <a:rPr lang="en-US" smtClean="0"/>
-              <a:t>7/21/2022</a:t>
+              <a:t>7/29/2022</a:t>
             </a:fld>
             <a:endParaRPr lang="en-US"/>
           </a:p>
@@ -861,7 +869,7 @@
           <a:p>
             <a:fld id="{6BF516F6-F08C-4B4E-B77D-73F64E95C72B}" type="datetimeFigureOut">
               <a:rPr lang="en-US" smtClean="0"/>
-              <a:t>7/21/2022</a:t>
+              <a:t>7/29/2022</a:t>
             </a:fld>
             <a:endParaRPr lang="en-US"/>
           </a:p>
@@ -1136,7 +1144,7 @@
           <a:p>
             <a:fld id="{6BF516F6-F08C-4B4E-B77D-73F64E95C72B}" type="datetimeFigureOut">
               <a:rPr lang="en-US" smtClean="0"/>
-              <a:t>7/21/2022</a:t>
+              <a:t>7/29/2022</a:t>
             </a:fld>
             <a:endParaRPr lang="en-US"/>
           </a:p>
@@ -1401,7 +1409,7 @@
           <a:p>
             <a:fld id="{6BF516F6-F08C-4B4E-B77D-73F64E95C72B}" type="datetimeFigureOut">
               <a:rPr lang="en-US" smtClean="0"/>
-              <a:t>7/21/2022</a:t>
+              <a:t>7/29/2022</a:t>
             </a:fld>
             <a:endParaRPr lang="en-US"/>
           </a:p>
@@ -1813,7 +1821,7 @@
           <a:p>
             <a:fld id="{6BF516F6-F08C-4B4E-B77D-73F64E95C72B}" type="datetimeFigureOut">
               <a:rPr lang="en-US" smtClean="0"/>
-              <a:t>7/21/2022</a:t>
+              <a:t>7/29/2022</a:t>
             </a:fld>
             <a:endParaRPr lang="en-US"/>
           </a:p>
@@ -1954,7 +1962,7 @@
           <a:p>
             <a:fld id="{6BF516F6-F08C-4B4E-B77D-73F64E95C72B}" type="datetimeFigureOut">
               <a:rPr lang="en-US" smtClean="0"/>
-              <a:t>7/21/2022</a:t>
+              <a:t>7/29/2022</a:t>
             </a:fld>
             <a:endParaRPr lang="en-US"/>
           </a:p>
@@ -2067,7 +2075,7 @@
           <a:p>
             <a:fld id="{6BF516F6-F08C-4B4E-B77D-73F64E95C72B}" type="datetimeFigureOut">
               <a:rPr lang="en-US" smtClean="0"/>
-              <a:t>7/21/2022</a:t>
+              <a:t>7/29/2022</a:t>
             </a:fld>
             <a:endParaRPr lang="en-US"/>
           </a:p>
@@ -2378,7 +2386,7 @@
           <a:p>
             <a:fld id="{6BF516F6-F08C-4B4E-B77D-73F64E95C72B}" type="datetimeFigureOut">
               <a:rPr lang="en-US" smtClean="0"/>
-              <a:t>7/21/2022</a:t>
+              <a:t>7/29/2022</a:t>
             </a:fld>
             <a:endParaRPr lang="en-US"/>
           </a:p>
@@ -2666,7 +2674,7 @@
           <a:p>
             <a:fld id="{6BF516F6-F08C-4B4E-B77D-73F64E95C72B}" type="datetimeFigureOut">
               <a:rPr lang="en-US" smtClean="0"/>
-              <a:t>7/21/2022</a:t>
+              <a:t>7/29/2022</a:t>
             </a:fld>
             <a:endParaRPr lang="en-US"/>
           </a:p>
@@ -2907,7 +2915,7 @@
           <a:p>
             <a:fld id="{6BF516F6-F08C-4B4E-B77D-73F64E95C72B}" type="datetimeFigureOut">
               <a:rPr lang="en-US" smtClean="0"/>
-              <a:t>7/21/2022</a:t>
+              <a:t>7/29/2022</a:t>
             </a:fld>
             <a:endParaRPr lang="en-US"/>
           </a:p>
@@ -3433,7 +3441,7 @@
         </p:nvSpPr>
         <p:spPr>
           <a:xfrm>
-            <a:off x="9993088" y="6196264"/>
+            <a:off x="9993088" y="6340197"/>
             <a:ext cx="2087623" cy="369332"/>
           </a:xfrm>
           <a:prstGeom prst="rect">
@@ -3520,7 +3528,7 @@
             </a:r>
           </a:p>
           <a:p>
-            <a:pPr marL="914400" lvl="1" indent="-457200">
+            <a:pPr marL="971550" lvl="1" indent="-514350">
               <a:buFont typeface="+mj-lt"/>
               <a:buAutoNum type="alphaLcParenR"/>
             </a:pPr>
@@ -3750,6 +3758,36 @@
 </file>
 
 <file path=ppt/slides/slide3.xml><?xml version="1.0" encoding="utf-8"?>
+<p:sld xmlns:a="http://schemas.openxmlformats.org/drawingml/2006/main" xmlns:r="http://schemas.openxmlformats.org/officeDocument/2006/relationships" xmlns:p="http://schemas.openxmlformats.org/presentationml/2006/main">
+  <p:cSld>
+    <p:spTree>
+      <p:nvGrpSpPr>
+        <p:cNvPr id="1" name=""/>
+        <p:cNvGrpSpPr/>
+        <p:nvPr/>
+      </p:nvGrpSpPr>
+      <p:grpSpPr>
+        <a:xfrm>
+          <a:off x="0" y="0"/>
+          <a:ext cx="0" cy="0"/>
+          <a:chOff x="0" y="0"/>
+          <a:chExt cx="0" cy="0"/>
+        </a:xfrm>
+      </p:grpSpPr>
+    </p:spTree>
+    <p:extLst>
+      <p:ext uri="{BB962C8B-B14F-4D97-AF65-F5344CB8AC3E}">
+        <p14:creationId xmlns:p14="http://schemas.microsoft.com/office/powerpoint/2010/main" val="2698424869"/>
+      </p:ext>
+    </p:extLst>
+  </p:cSld>
+  <p:clrMapOvr>
+    <a:masterClrMapping/>
+  </p:clrMapOvr>
+</p:sld>
+</file>
+
+<file path=ppt/slides/slide4.xml><?xml version="1.0" encoding="utf-8"?>
 <p:sld xmlns:a="http://schemas.openxmlformats.org/drawingml/2006/main" xmlns:r="http://schemas.openxmlformats.org/officeDocument/2006/relationships" xmlns:p="http://schemas.openxmlformats.org/presentationml/2006/main">
   <p:cSld>
     <p:spTree>
@@ -3869,12 +3907,8 @@
           <a:lstStyle/>
           <a:p>
             <a:r>
-              <a:rPr lang="en-US" sz="1600" dirty="0" err="1"/>
-              <a:t>Ggtree</a:t>
-            </a:r>
-            <a:r>
               <a:rPr lang="en-US" sz="1600" dirty="0"/>
-              <a:t> overview of phylogenetic distances for all samples based on ASV </a:t>
+              <a:t>overview of phylogenetic distances for all samples based on ASV </a:t>
             </a:r>
             <a:r>
               <a:rPr lang="en-US" sz="1600" dirty="0" err="1"/>
@@ -3883,6 +3917,41 @@
             <a:r>
               <a:rPr lang="en-US" sz="1600" dirty="0"/>
               <a:t> sequence alignment optimal model fit</a:t>
+            </a:r>
+          </a:p>
+        </p:txBody>
+      </p:sp>
+      <p:sp>
+        <p:nvSpPr>
+          <p:cNvPr id="6" name="TextBox 5">
+            <a:extLst>
+              <a:ext uri="{FF2B5EF4-FFF2-40B4-BE49-F238E27FC236}">
+                <a16:creationId xmlns:a16="http://schemas.microsoft.com/office/drawing/2014/main" id="{7FB3C70D-F337-48F1-3EEC-34486F70874E}"/>
+              </a:ext>
+            </a:extLst>
+          </p:cNvPr>
+          <p:cNvSpPr txBox="1"/>
+          <p:nvPr/>
+        </p:nvSpPr>
+        <p:spPr>
+          <a:xfrm>
+            <a:off x="279734" y="2249780"/>
+            <a:ext cx="3444897" cy="369332"/>
+          </a:xfrm>
+          <a:prstGeom prst="rect">
+            <a:avLst/>
+          </a:prstGeom>
+          <a:noFill/>
+        </p:spPr>
+        <p:txBody>
+          <a:bodyPr wrap="square">
+            <a:spAutoFit/>
+          </a:bodyPr>
+          <a:lstStyle/>
+          <a:p>
+            <a:r>
+              <a:rPr lang="en-US" dirty="0"/>
+              <a:t>2683 tips and 2681 internal nodes</a:t>
             </a:r>
           </a:p>
         </p:txBody>
@@ -3900,7 +3969,7 @@
 </p:sld>
 </file>
 
-<file path=ppt/slides/slide4.xml><?xml version="1.0" encoding="utf-8"?>
+<file path=ppt/slides/slide5.xml><?xml version="1.0" encoding="utf-8"?>
 <p:sld xmlns:a="http://schemas.openxmlformats.org/drawingml/2006/main" xmlns:r="http://schemas.openxmlformats.org/officeDocument/2006/relationships" xmlns:p="http://schemas.openxmlformats.org/presentationml/2006/main">
   <p:cSld>
     <p:spTree>
@@ -3970,8 +4039,8 @@
         </p:nvSpPr>
         <p:spPr>
           <a:xfrm>
-            <a:off x="1239252" y="1004458"/>
-            <a:ext cx="2595813" cy="954107"/>
+            <a:off x="443884" y="923506"/>
+            <a:ext cx="4784400" cy="523220"/>
           </a:xfrm>
           <a:prstGeom prst="rect">
             <a:avLst/>
@@ -3987,7 +4056,7 @@
             <a:pPr lvl="1"/>
             <a:r>
               <a:rPr lang="en-US" sz="2800" dirty="0"/>
-              <a:t>Weighted UNIFRAC</a:t>
+              <a:t>Neonate Weighted UNIFRAC</a:t>
             </a:r>
           </a:p>
         </p:txBody>
@@ -4006,8 +4075,8 @@
         </p:nvSpPr>
         <p:spPr>
           <a:xfrm>
-            <a:off x="7038472" y="1004459"/>
-            <a:ext cx="2418349" cy="954107"/>
+            <a:off x="6096000" y="923506"/>
+            <a:ext cx="5462726" cy="523220"/>
           </a:xfrm>
           <a:prstGeom prst="rect">
             <a:avLst/>
@@ -4023,7 +4092,4175 @@
             <a:pPr lvl="1"/>
             <a:r>
               <a:rPr lang="en-US" sz="2800" dirty="0"/>
-              <a:t>Unweighted UNIFRAC</a:t>
+              <a:t>Neonate Unweighted UNIFRAC</a:t>
+            </a:r>
+          </a:p>
+        </p:txBody>
+      </p:sp>
+      <p:graphicFrame>
+        <p:nvGraphicFramePr>
+          <p:cNvPr id="3" name="Table 2">
+            <a:extLst>
+              <a:ext uri="{FF2B5EF4-FFF2-40B4-BE49-F238E27FC236}">
+                <a16:creationId xmlns:a16="http://schemas.microsoft.com/office/drawing/2014/main" id="{4A55BE18-2F12-04E9-5574-89B1F9B6040B}"/>
+              </a:ext>
+            </a:extLst>
+          </p:cNvPr>
+          <p:cNvGraphicFramePr>
+            <a:graphicFrameLocks noGrp="1"/>
+          </p:cNvGraphicFramePr>
+          <p:nvPr>
+            <p:extLst>
+              <p:ext uri="{D42A27DB-BD31-4B8C-83A1-F6EECF244321}">
+                <p14:modId xmlns:p14="http://schemas.microsoft.com/office/powerpoint/2010/main" val="310030054"/>
+              </p:ext>
+            </p:extLst>
+          </p:nvPr>
+        </p:nvGraphicFramePr>
+        <p:xfrm>
+          <a:off x="852648" y="1758496"/>
+          <a:ext cx="4310959" cy="1524000"/>
+        </p:xfrm>
+        <a:graphic>
+          <a:graphicData uri="http://schemas.openxmlformats.org/drawingml/2006/table">
+            <a:tbl>
+              <a:tblPr/>
+              <a:tblGrid>
+                <a:gridCol w="1046163">
+                  <a:extLst>
+                    <a:ext uri="{9D8B030D-6E8A-4147-A177-3AD203B41FA5}">
+                      <a16:colId xmlns:a16="http://schemas.microsoft.com/office/drawing/2014/main" val="3216972733"/>
+                    </a:ext>
+                  </a:extLst>
+                </a:gridCol>
+                <a:gridCol w="447363">
+                  <a:extLst>
+                    <a:ext uri="{9D8B030D-6E8A-4147-A177-3AD203B41FA5}">
+                      <a16:colId xmlns:a16="http://schemas.microsoft.com/office/drawing/2014/main" val="1026309152"/>
+                    </a:ext>
+                  </a:extLst>
+                </a:gridCol>
+                <a:gridCol w="672630">
+                  <a:extLst>
+                    <a:ext uri="{9D8B030D-6E8A-4147-A177-3AD203B41FA5}">
+                      <a16:colId xmlns:a16="http://schemas.microsoft.com/office/drawing/2014/main" val="1783431208"/>
+                    </a:ext>
+                  </a:extLst>
+                </a:gridCol>
+                <a:gridCol w="533028">
+                  <a:extLst>
+                    <a:ext uri="{9D8B030D-6E8A-4147-A177-3AD203B41FA5}">
+                      <a16:colId xmlns:a16="http://schemas.microsoft.com/office/drawing/2014/main" val="949792686"/>
+                    </a:ext>
+                  </a:extLst>
+                </a:gridCol>
+                <a:gridCol w="533028">
+                  <a:extLst>
+                    <a:ext uri="{9D8B030D-6E8A-4147-A177-3AD203B41FA5}">
+                      <a16:colId xmlns:a16="http://schemas.microsoft.com/office/drawing/2014/main" val="629049179"/>
+                    </a:ext>
+                  </a:extLst>
+                </a:gridCol>
+                <a:gridCol w="469572">
+                  <a:extLst>
+                    <a:ext uri="{9D8B030D-6E8A-4147-A177-3AD203B41FA5}">
+                      <a16:colId xmlns:a16="http://schemas.microsoft.com/office/drawing/2014/main" val="4102613261"/>
+                    </a:ext>
+                  </a:extLst>
+                </a:gridCol>
+                <a:gridCol w="609175">
+                  <a:extLst>
+                    <a:ext uri="{9D8B030D-6E8A-4147-A177-3AD203B41FA5}">
+                      <a16:colId xmlns:a16="http://schemas.microsoft.com/office/drawing/2014/main" val="1943090232"/>
+                    </a:ext>
+                  </a:extLst>
+                </a:gridCol>
+              </a:tblGrid>
+              <a:tr h="190500">
+                <a:tc>
+                  <a:txBody>
+                    <a:bodyPr/>
+                    <a:lstStyle/>
+                    <a:p>
+                      <a:pPr algn="l" fontAlgn="b"/>
+                      <a:r>
+                        <a:rPr lang="en-US" sz="1100" b="0" i="0" u="none" strike="noStrike" dirty="0">
+                          <a:solidFill>
+                            <a:srgbClr val="000000"/>
+                          </a:solidFill>
+                          <a:effectLst/>
+                          <a:latin typeface="Calibri" panose="020F0502020204030204" pitchFamily="34" charset="0"/>
+                        </a:rPr>
+                        <a:t>Weighted </a:t>
+                      </a:r>
+                      <a:r>
+                        <a:rPr lang="en-US" sz="1100" b="0" i="0" u="none" strike="noStrike" dirty="0" err="1">
+                          <a:solidFill>
+                            <a:srgbClr val="000000"/>
+                          </a:solidFill>
+                          <a:effectLst/>
+                          <a:latin typeface="Calibri" panose="020F0502020204030204" pitchFamily="34" charset="0"/>
+                        </a:rPr>
+                        <a:t>Unifrac</a:t>
+                      </a:r>
+                      <a:endParaRPr lang="en-US" sz="1100" b="0" i="0" u="none" strike="noStrike" dirty="0">
+                        <a:solidFill>
+                          <a:srgbClr val="000000"/>
+                        </a:solidFill>
+                        <a:effectLst/>
+                        <a:latin typeface="Calibri" panose="020F0502020204030204" pitchFamily="34" charset="0"/>
+                      </a:endParaRPr>
+                    </a:p>
+                  </a:txBody>
+                  <a:tcPr marL="9525" marR="9525" marT="9525" marB="0" anchor="b">
+                    <a:lnL>
+                      <a:noFill/>
+                    </a:lnL>
+                    <a:lnR>
+                      <a:noFill/>
+                    </a:lnR>
+                    <a:lnT>
+                      <a:noFill/>
+                    </a:lnT>
+                    <a:lnB w="6350" cap="flat" cmpd="sng" algn="ctr">
+                      <a:solidFill>
+                        <a:srgbClr val="000000"/>
+                      </a:solidFill>
+                      <a:prstDash val="solid"/>
+                      <a:round/>
+                      <a:headEnd type="none" w="med" len="med"/>
+                      <a:tailEnd type="none" w="med" len="med"/>
+                    </a:lnB>
+                  </a:tcPr>
+                </a:tc>
+                <a:tc>
+                  <a:txBody>
+                    <a:bodyPr/>
+                    <a:lstStyle/>
+                    <a:p>
+                      <a:pPr algn="ctr" fontAlgn="b"/>
+                      <a:r>
+                        <a:rPr lang="en-US" sz="1100" b="0" i="0" u="none" strike="noStrike" dirty="0" err="1">
+                          <a:solidFill>
+                            <a:srgbClr val="000000"/>
+                          </a:solidFill>
+                          <a:effectLst/>
+                          <a:latin typeface="Calibri" panose="020F0502020204030204" pitchFamily="34" charset="0"/>
+                        </a:rPr>
+                        <a:t>Df</a:t>
+                      </a:r>
+                      <a:endParaRPr lang="en-US" sz="1100" b="0" i="0" u="none" strike="noStrike" dirty="0">
+                        <a:solidFill>
+                          <a:srgbClr val="000000"/>
+                        </a:solidFill>
+                        <a:effectLst/>
+                        <a:latin typeface="Calibri" panose="020F0502020204030204" pitchFamily="34" charset="0"/>
+                      </a:endParaRPr>
+                    </a:p>
+                  </a:txBody>
+                  <a:tcPr marL="9525" marR="9525" marT="9525" marB="0" anchor="b">
+                    <a:lnL>
+                      <a:noFill/>
+                    </a:lnL>
+                    <a:lnR>
+                      <a:noFill/>
+                    </a:lnR>
+                    <a:lnT>
+                      <a:noFill/>
+                    </a:lnT>
+                    <a:lnB w="6350" cap="flat" cmpd="sng" algn="ctr">
+                      <a:solidFill>
+                        <a:srgbClr val="000000"/>
+                      </a:solidFill>
+                      <a:prstDash val="solid"/>
+                      <a:round/>
+                      <a:headEnd type="none" w="med" len="med"/>
+                      <a:tailEnd type="none" w="med" len="med"/>
+                    </a:lnB>
+                  </a:tcPr>
+                </a:tc>
+                <a:tc>
+                  <a:txBody>
+                    <a:bodyPr/>
+                    <a:lstStyle/>
+                    <a:p>
+                      <a:pPr algn="ctr" fontAlgn="b"/>
+                      <a:r>
+                        <a:rPr lang="en-US" sz="1100" b="0" i="0" u="none" strike="noStrike" dirty="0" err="1">
+                          <a:solidFill>
+                            <a:srgbClr val="000000"/>
+                          </a:solidFill>
+                          <a:effectLst/>
+                          <a:latin typeface="Calibri" panose="020F0502020204030204" pitchFamily="34" charset="0"/>
+                        </a:rPr>
+                        <a:t>SumOfSqs</a:t>
+                      </a:r>
+                      <a:endParaRPr lang="en-US" sz="1100" b="0" i="0" u="none" strike="noStrike" dirty="0">
+                        <a:solidFill>
+                          <a:srgbClr val="000000"/>
+                        </a:solidFill>
+                        <a:effectLst/>
+                        <a:latin typeface="Calibri" panose="020F0502020204030204" pitchFamily="34" charset="0"/>
+                      </a:endParaRPr>
+                    </a:p>
+                  </a:txBody>
+                  <a:tcPr marL="9525" marR="9525" marT="9525" marB="0" anchor="b">
+                    <a:lnL>
+                      <a:noFill/>
+                    </a:lnL>
+                    <a:lnR>
+                      <a:noFill/>
+                    </a:lnR>
+                    <a:lnT>
+                      <a:noFill/>
+                    </a:lnT>
+                    <a:lnB w="6350" cap="flat" cmpd="sng" algn="ctr">
+                      <a:solidFill>
+                        <a:srgbClr val="000000"/>
+                      </a:solidFill>
+                      <a:prstDash val="solid"/>
+                      <a:round/>
+                      <a:headEnd type="none" w="med" len="med"/>
+                      <a:tailEnd type="none" w="med" len="med"/>
+                    </a:lnB>
+                  </a:tcPr>
+                </a:tc>
+                <a:tc>
+                  <a:txBody>
+                    <a:bodyPr/>
+                    <a:lstStyle/>
+                    <a:p>
+                      <a:pPr algn="ctr" fontAlgn="b"/>
+                      <a:r>
+                        <a:rPr lang="en-US" sz="1100" b="0" i="0" u="none" strike="noStrike" dirty="0">
+                          <a:solidFill>
+                            <a:srgbClr val="000000"/>
+                          </a:solidFill>
+                          <a:effectLst/>
+                          <a:latin typeface="Calibri" panose="020F0502020204030204" pitchFamily="34" charset="0"/>
+                        </a:rPr>
+                        <a:t>R2</a:t>
+                      </a:r>
+                    </a:p>
+                  </a:txBody>
+                  <a:tcPr marL="9525" marR="9525" marT="9525" marB="0" anchor="b">
+                    <a:lnL>
+                      <a:noFill/>
+                    </a:lnL>
+                    <a:lnR>
+                      <a:noFill/>
+                    </a:lnR>
+                    <a:lnT>
+                      <a:noFill/>
+                    </a:lnT>
+                    <a:lnB w="6350" cap="flat" cmpd="sng" algn="ctr">
+                      <a:solidFill>
+                        <a:srgbClr val="000000"/>
+                      </a:solidFill>
+                      <a:prstDash val="solid"/>
+                      <a:round/>
+                      <a:headEnd type="none" w="med" len="med"/>
+                      <a:tailEnd type="none" w="med" len="med"/>
+                    </a:lnB>
+                  </a:tcPr>
+                </a:tc>
+                <a:tc>
+                  <a:txBody>
+                    <a:bodyPr/>
+                    <a:lstStyle/>
+                    <a:p>
+                      <a:pPr algn="ctr" fontAlgn="b"/>
+                      <a:r>
+                        <a:rPr lang="en-US" sz="1100" b="0" i="0" u="none" strike="noStrike" dirty="0">
+                          <a:solidFill>
+                            <a:srgbClr val="000000"/>
+                          </a:solidFill>
+                          <a:effectLst/>
+                          <a:latin typeface="Calibri" panose="020F0502020204030204" pitchFamily="34" charset="0"/>
+                        </a:rPr>
+                        <a:t>F</a:t>
+                      </a:r>
+                    </a:p>
+                  </a:txBody>
+                  <a:tcPr marL="9525" marR="9525" marT="9525" marB="0" anchor="b">
+                    <a:lnL>
+                      <a:noFill/>
+                    </a:lnL>
+                    <a:lnR>
+                      <a:noFill/>
+                    </a:lnR>
+                    <a:lnT>
+                      <a:noFill/>
+                    </a:lnT>
+                    <a:lnB w="6350" cap="flat" cmpd="sng" algn="ctr">
+                      <a:solidFill>
+                        <a:srgbClr val="000000"/>
+                      </a:solidFill>
+                      <a:prstDash val="solid"/>
+                      <a:round/>
+                      <a:headEnd type="none" w="med" len="med"/>
+                      <a:tailEnd type="none" w="med" len="med"/>
+                    </a:lnB>
+                  </a:tcPr>
+                </a:tc>
+                <a:tc>
+                  <a:txBody>
+                    <a:bodyPr/>
+                    <a:lstStyle/>
+                    <a:p>
+                      <a:pPr algn="ctr" fontAlgn="b"/>
+                      <a:r>
+                        <a:rPr lang="en-US" sz="1100" b="0" i="0" u="none" strike="noStrike" dirty="0" err="1">
+                          <a:solidFill>
+                            <a:srgbClr val="000000"/>
+                          </a:solidFill>
+                          <a:effectLst/>
+                          <a:latin typeface="Calibri" panose="020F0502020204030204" pitchFamily="34" charset="0"/>
+                        </a:rPr>
+                        <a:t>Pr</a:t>
+                      </a:r>
+                      <a:r>
+                        <a:rPr lang="en-US" sz="1100" b="0" i="0" u="none" strike="noStrike" dirty="0">
+                          <a:solidFill>
+                            <a:srgbClr val="000000"/>
+                          </a:solidFill>
+                          <a:effectLst/>
+                          <a:latin typeface="Calibri" panose="020F0502020204030204" pitchFamily="34" charset="0"/>
+                        </a:rPr>
+                        <a:t>(&gt;F)</a:t>
+                      </a:r>
+                    </a:p>
+                  </a:txBody>
+                  <a:tcPr marL="9525" marR="9525" marT="9525" marB="0" anchor="b">
+                    <a:lnL>
+                      <a:noFill/>
+                    </a:lnL>
+                    <a:lnR>
+                      <a:noFill/>
+                    </a:lnR>
+                    <a:lnT>
+                      <a:noFill/>
+                    </a:lnT>
+                    <a:lnB w="6350" cap="flat" cmpd="sng" algn="ctr">
+                      <a:solidFill>
+                        <a:srgbClr val="000000"/>
+                      </a:solidFill>
+                      <a:prstDash val="solid"/>
+                      <a:round/>
+                      <a:headEnd type="none" w="med" len="med"/>
+                      <a:tailEnd type="none" w="med" len="med"/>
+                    </a:lnB>
+                  </a:tcPr>
+                </a:tc>
+                <a:tc>
+                  <a:txBody>
+                    <a:bodyPr/>
+                    <a:lstStyle/>
+                    <a:p>
+                      <a:pPr algn="ctr" fontAlgn="b"/>
+                      <a:endParaRPr lang="en-US" sz="1100" b="0" i="0" u="none" strike="noStrike" dirty="0">
+                        <a:solidFill>
+                          <a:srgbClr val="000000"/>
+                        </a:solidFill>
+                        <a:effectLst/>
+                        <a:latin typeface="Calibri" panose="020F0502020204030204" pitchFamily="34" charset="0"/>
+                      </a:endParaRPr>
+                    </a:p>
+                  </a:txBody>
+                  <a:tcPr marL="9525" marR="9525" marT="9525" marB="0" anchor="b">
+                    <a:lnL>
+                      <a:noFill/>
+                    </a:lnL>
+                    <a:lnR>
+                      <a:noFill/>
+                    </a:lnR>
+                    <a:lnT>
+                      <a:noFill/>
+                    </a:lnT>
+                    <a:lnB>
+                      <a:noFill/>
+                    </a:lnB>
+                  </a:tcPr>
+                </a:tc>
+                <a:extLst>
+                  <a:ext uri="{0D108BD9-81ED-4DB2-BD59-A6C34878D82A}">
+                    <a16:rowId xmlns:a16="http://schemas.microsoft.com/office/drawing/2014/main" val="4049107127"/>
+                  </a:ext>
+                </a:extLst>
+              </a:tr>
+              <a:tr h="190500">
+                <a:tc>
+                  <a:txBody>
+                    <a:bodyPr/>
+                    <a:lstStyle/>
+                    <a:p>
+                      <a:pPr algn="r" fontAlgn="b"/>
+                      <a:r>
+                        <a:rPr lang="en-US" sz="1100" b="0" i="0" u="none" strike="noStrike" dirty="0">
+                          <a:solidFill>
+                            <a:srgbClr val="000000"/>
+                          </a:solidFill>
+                          <a:effectLst/>
+                          <a:latin typeface="Calibri" panose="020F0502020204030204" pitchFamily="34" charset="0"/>
+                        </a:rPr>
+                        <a:t>patient</a:t>
+                      </a:r>
+                    </a:p>
+                  </a:txBody>
+                  <a:tcPr marL="9525" marR="9525" marT="9525" marB="0" anchor="b">
+                    <a:lnL>
+                      <a:noFill/>
+                    </a:lnL>
+                    <a:lnR>
+                      <a:noFill/>
+                    </a:lnR>
+                    <a:lnT w="6350" cap="flat" cmpd="sng" algn="ctr">
+                      <a:solidFill>
+                        <a:srgbClr val="000000"/>
+                      </a:solidFill>
+                      <a:prstDash val="solid"/>
+                      <a:round/>
+                      <a:headEnd type="none" w="med" len="med"/>
+                      <a:tailEnd type="none" w="med" len="med"/>
+                    </a:lnT>
+                    <a:lnB>
+                      <a:noFill/>
+                    </a:lnB>
+                  </a:tcPr>
+                </a:tc>
+                <a:tc>
+                  <a:txBody>
+                    <a:bodyPr/>
+                    <a:lstStyle/>
+                    <a:p>
+                      <a:pPr algn="ctr" fontAlgn="b"/>
+                      <a:r>
+                        <a:rPr lang="en-US" sz="1100" b="0" i="0" u="none" strike="noStrike">
+                          <a:solidFill>
+                            <a:srgbClr val="000000"/>
+                          </a:solidFill>
+                          <a:effectLst/>
+                          <a:latin typeface="Calibri" panose="020F0502020204030204" pitchFamily="34" charset="0"/>
+                        </a:rPr>
+                        <a:t>1</a:t>
+                      </a:r>
+                    </a:p>
+                  </a:txBody>
+                  <a:tcPr marL="9525" marR="9525" marT="9525" marB="0" anchor="b">
+                    <a:lnL>
+                      <a:noFill/>
+                    </a:lnL>
+                    <a:lnR>
+                      <a:noFill/>
+                    </a:lnR>
+                    <a:lnT w="6350" cap="flat" cmpd="sng" algn="ctr">
+                      <a:solidFill>
+                        <a:srgbClr val="000000"/>
+                      </a:solidFill>
+                      <a:prstDash val="solid"/>
+                      <a:round/>
+                      <a:headEnd type="none" w="med" len="med"/>
+                      <a:tailEnd type="none" w="med" len="med"/>
+                    </a:lnT>
+                    <a:lnB>
+                      <a:noFill/>
+                    </a:lnB>
+                  </a:tcPr>
+                </a:tc>
+                <a:tc>
+                  <a:txBody>
+                    <a:bodyPr/>
+                    <a:lstStyle/>
+                    <a:p>
+                      <a:pPr algn="ctr" fontAlgn="b"/>
+                      <a:r>
+                        <a:rPr lang="en-US" sz="1100" b="0" i="0" u="none" strike="noStrike">
+                          <a:solidFill>
+                            <a:srgbClr val="000000"/>
+                          </a:solidFill>
+                          <a:effectLst/>
+                          <a:latin typeface="Calibri" panose="020F0502020204030204" pitchFamily="34" charset="0"/>
+                        </a:rPr>
+                        <a:t>0.0002256</a:t>
+                      </a:r>
+                    </a:p>
+                  </a:txBody>
+                  <a:tcPr marL="9525" marR="9525" marT="9525" marB="0" anchor="b">
+                    <a:lnL>
+                      <a:noFill/>
+                    </a:lnL>
+                    <a:lnR>
+                      <a:noFill/>
+                    </a:lnR>
+                    <a:lnT w="6350" cap="flat" cmpd="sng" algn="ctr">
+                      <a:solidFill>
+                        <a:srgbClr val="000000"/>
+                      </a:solidFill>
+                      <a:prstDash val="solid"/>
+                      <a:round/>
+                      <a:headEnd type="none" w="med" len="med"/>
+                      <a:tailEnd type="none" w="med" len="med"/>
+                    </a:lnT>
+                    <a:lnB>
+                      <a:noFill/>
+                    </a:lnB>
+                  </a:tcPr>
+                </a:tc>
+                <a:tc>
+                  <a:txBody>
+                    <a:bodyPr/>
+                    <a:lstStyle/>
+                    <a:p>
+                      <a:pPr algn="ctr" fontAlgn="b"/>
+                      <a:r>
+                        <a:rPr lang="en-US" sz="1100" b="0" i="0" u="none" strike="noStrike">
+                          <a:solidFill>
+                            <a:srgbClr val="000000"/>
+                          </a:solidFill>
+                          <a:effectLst/>
+                          <a:latin typeface="Calibri" panose="020F0502020204030204" pitchFamily="34" charset="0"/>
+                        </a:rPr>
+                        <a:t>0.00811</a:t>
+                      </a:r>
+                    </a:p>
+                  </a:txBody>
+                  <a:tcPr marL="9525" marR="9525" marT="9525" marB="0" anchor="b">
+                    <a:lnL>
+                      <a:noFill/>
+                    </a:lnL>
+                    <a:lnR>
+                      <a:noFill/>
+                    </a:lnR>
+                    <a:lnT w="6350" cap="flat" cmpd="sng" algn="ctr">
+                      <a:solidFill>
+                        <a:srgbClr val="000000"/>
+                      </a:solidFill>
+                      <a:prstDash val="solid"/>
+                      <a:round/>
+                      <a:headEnd type="none" w="med" len="med"/>
+                      <a:tailEnd type="none" w="med" len="med"/>
+                    </a:lnT>
+                    <a:lnB>
+                      <a:noFill/>
+                    </a:lnB>
+                  </a:tcPr>
+                </a:tc>
+                <a:tc>
+                  <a:txBody>
+                    <a:bodyPr/>
+                    <a:lstStyle/>
+                    <a:p>
+                      <a:pPr algn="ctr" fontAlgn="b"/>
+                      <a:r>
+                        <a:rPr lang="en-US" sz="1100" b="0" i="0" u="none" strike="noStrike">
+                          <a:solidFill>
+                            <a:srgbClr val="000000"/>
+                          </a:solidFill>
+                          <a:effectLst/>
+                          <a:latin typeface="Calibri" panose="020F0502020204030204" pitchFamily="34" charset="0"/>
+                        </a:rPr>
+                        <a:t>1.4972</a:t>
+                      </a:r>
+                    </a:p>
+                  </a:txBody>
+                  <a:tcPr marL="9525" marR="9525" marT="9525" marB="0" anchor="b">
+                    <a:lnL>
+                      <a:noFill/>
+                    </a:lnL>
+                    <a:lnR>
+                      <a:noFill/>
+                    </a:lnR>
+                    <a:lnT w="6350" cap="flat" cmpd="sng" algn="ctr">
+                      <a:solidFill>
+                        <a:srgbClr val="000000"/>
+                      </a:solidFill>
+                      <a:prstDash val="solid"/>
+                      <a:round/>
+                      <a:headEnd type="none" w="med" len="med"/>
+                      <a:tailEnd type="none" w="med" len="med"/>
+                    </a:lnT>
+                    <a:lnB>
+                      <a:noFill/>
+                    </a:lnB>
+                  </a:tcPr>
+                </a:tc>
+                <a:tc>
+                  <a:txBody>
+                    <a:bodyPr/>
+                    <a:lstStyle/>
+                    <a:p>
+                      <a:pPr algn="ctr" fontAlgn="b"/>
+                      <a:r>
+                        <a:rPr lang="en-US" sz="1100" b="0" i="0" u="none" strike="noStrike" dirty="0">
+                          <a:solidFill>
+                            <a:srgbClr val="000000"/>
+                          </a:solidFill>
+                          <a:effectLst/>
+                          <a:latin typeface="Calibri" panose="020F0502020204030204" pitchFamily="34" charset="0"/>
+                        </a:rPr>
+                        <a:t>0.1425</a:t>
+                      </a:r>
+                    </a:p>
+                  </a:txBody>
+                  <a:tcPr marL="9525" marR="9525" marT="9525" marB="0" anchor="b">
+                    <a:lnL>
+                      <a:noFill/>
+                    </a:lnL>
+                    <a:lnR>
+                      <a:noFill/>
+                    </a:lnR>
+                    <a:lnT w="6350" cap="flat" cmpd="sng" algn="ctr">
+                      <a:solidFill>
+                        <a:srgbClr val="000000"/>
+                      </a:solidFill>
+                      <a:prstDash val="solid"/>
+                      <a:round/>
+                      <a:headEnd type="none" w="med" len="med"/>
+                      <a:tailEnd type="none" w="med" len="med"/>
+                    </a:lnT>
+                    <a:lnB>
+                      <a:noFill/>
+                    </a:lnB>
+                  </a:tcPr>
+                </a:tc>
+                <a:tc>
+                  <a:txBody>
+                    <a:bodyPr/>
+                    <a:lstStyle/>
+                    <a:p>
+                      <a:pPr algn="ctr" fontAlgn="b"/>
+                      <a:endParaRPr lang="en-US" sz="1100" b="0" i="0" u="none" strike="noStrike">
+                        <a:solidFill>
+                          <a:srgbClr val="000000"/>
+                        </a:solidFill>
+                        <a:effectLst/>
+                        <a:latin typeface="Calibri" panose="020F0502020204030204" pitchFamily="34" charset="0"/>
+                      </a:endParaRPr>
+                    </a:p>
+                  </a:txBody>
+                  <a:tcPr marL="9525" marR="9525" marT="9525" marB="0" anchor="b">
+                    <a:lnL>
+                      <a:noFill/>
+                    </a:lnL>
+                    <a:lnR>
+                      <a:noFill/>
+                    </a:lnR>
+                    <a:lnT>
+                      <a:noFill/>
+                    </a:lnT>
+                    <a:lnB>
+                      <a:noFill/>
+                    </a:lnB>
+                  </a:tcPr>
+                </a:tc>
+                <a:extLst>
+                  <a:ext uri="{0D108BD9-81ED-4DB2-BD59-A6C34878D82A}">
+                    <a16:rowId xmlns:a16="http://schemas.microsoft.com/office/drawing/2014/main" val="76978446"/>
+                  </a:ext>
+                </a:extLst>
+              </a:tr>
+              <a:tr h="190500">
+                <a:tc>
+                  <a:txBody>
+                    <a:bodyPr/>
+                    <a:lstStyle/>
+                    <a:p>
+                      <a:pPr algn="r" fontAlgn="b"/>
+                      <a:r>
+                        <a:rPr lang="en-US" sz="1100" b="0" i="0" u="none" strike="noStrike">
+                          <a:solidFill>
+                            <a:srgbClr val="000000"/>
+                          </a:solidFill>
+                          <a:effectLst/>
+                          <a:latin typeface="Calibri" panose="020F0502020204030204" pitchFamily="34" charset="0"/>
+                        </a:rPr>
+                        <a:t>disease</a:t>
+                      </a:r>
+                    </a:p>
+                  </a:txBody>
+                  <a:tcPr marL="9525" marR="9525" marT="9525" marB="0" anchor="b">
+                    <a:lnL>
+                      <a:noFill/>
+                    </a:lnL>
+                    <a:lnR>
+                      <a:noFill/>
+                    </a:lnR>
+                    <a:lnT>
+                      <a:noFill/>
+                    </a:lnT>
+                    <a:lnB>
+                      <a:noFill/>
+                    </a:lnB>
+                  </a:tcPr>
+                </a:tc>
+                <a:tc>
+                  <a:txBody>
+                    <a:bodyPr/>
+                    <a:lstStyle/>
+                    <a:p>
+                      <a:pPr algn="ctr" fontAlgn="b"/>
+                      <a:r>
+                        <a:rPr lang="en-US" sz="1100" b="0" i="0" u="none" strike="noStrike">
+                          <a:solidFill>
+                            <a:srgbClr val="000000"/>
+                          </a:solidFill>
+                          <a:effectLst/>
+                          <a:latin typeface="Calibri" panose="020F0502020204030204" pitchFamily="34" charset="0"/>
+                        </a:rPr>
+                        <a:t>1</a:t>
+                      </a:r>
+                    </a:p>
+                  </a:txBody>
+                  <a:tcPr marL="9525" marR="9525" marT="9525" marB="0" anchor="b">
+                    <a:lnL>
+                      <a:noFill/>
+                    </a:lnL>
+                    <a:lnR>
+                      <a:noFill/>
+                    </a:lnR>
+                    <a:lnT>
+                      <a:noFill/>
+                    </a:lnT>
+                    <a:lnB>
+                      <a:noFill/>
+                    </a:lnB>
+                  </a:tcPr>
+                </a:tc>
+                <a:tc>
+                  <a:txBody>
+                    <a:bodyPr/>
+                    <a:lstStyle/>
+                    <a:p>
+                      <a:pPr algn="ctr" fontAlgn="b"/>
+                      <a:r>
+                        <a:rPr lang="en-US" sz="1100" b="0" i="0" u="none" strike="noStrike">
+                          <a:solidFill>
+                            <a:srgbClr val="000000"/>
+                          </a:solidFill>
+                          <a:effectLst/>
+                          <a:latin typeface="Calibri" panose="020F0502020204030204" pitchFamily="34" charset="0"/>
+                        </a:rPr>
+                        <a:t>0.0001719</a:t>
+                      </a:r>
+                    </a:p>
+                  </a:txBody>
+                  <a:tcPr marL="9525" marR="9525" marT="9525" marB="0" anchor="b">
+                    <a:lnL>
+                      <a:noFill/>
+                    </a:lnL>
+                    <a:lnR>
+                      <a:noFill/>
+                    </a:lnR>
+                    <a:lnT>
+                      <a:noFill/>
+                    </a:lnT>
+                    <a:lnB>
+                      <a:noFill/>
+                    </a:lnB>
+                  </a:tcPr>
+                </a:tc>
+                <a:tc>
+                  <a:txBody>
+                    <a:bodyPr/>
+                    <a:lstStyle/>
+                    <a:p>
+                      <a:pPr algn="ctr" fontAlgn="b"/>
+                      <a:r>
+                        <a:rPr lang="en-US" sz="1100" b="0" i="0" u="none" strike="noStrike">
+                          <a:solidFill>
+                            <a:srgbClr val="000000"/>
+                          </a:solidFill>
+                          <a:effectLst/>
+                          <a:latin typeface="Calibri" panose="020F0502020204030204" pitchFamily="34" charset="0"/>
+                        </a:rPr>
+                        <a:t>0.00618</a:t>
+                      </a:r>
+                    </a:p>
+                  </a:txBody>
+                  <a:tcPr marL="9525" marR="9525" marT="9525" marB="0" anchor="b">
+                    <a:lnL>
+                      <a:noFill/>
+                    </a:lnL>
+                    <a:lnR>
+                      <a:noFill/>
+                    </a:lnR>
+                    <a:lnT>
+                      <a:noFill/>
+                    </a:lnT>
+                    <a:lnB>
+                      <a:noFill/>
+                    </a:lnB>
+                  </a:tcPr>
+                </a:tc>
+                <a:tc>
+                  <a:txBody>
+                    <a:bodyPr/>
+                    <a:lstStyle/>
+                    <a:p>
+                      <a:pPr algn="ctr" fontAlgn="b"/>
+                      <a:r>
+                        <a:rPr lang="en-US" sz="1100" b="0" i="0" u="none" strike="noStrike">
+                          <a:solidFill>
+                            <a:srgbClr val="000000"/>
+                          </a:solidFill>
+                          <a:effectLst/>
+                          <a:latin typeface="Calibri" panose="020F0502020204030204" pitchFamily="34" charset="0"/>
+                        </a:rPr>
+                        <a:t>1.1408</a:t>
+                      </a:r>
+                    </a:p>
+                  </a:txBody>
+                  <a:tcPr marL="9525" marR="9525" marT="9525" marB="0" anchor="b">
+                    <a:lnL>
+                      <a:noFill/>
+                    </a:lnL>
+                    <a:lnR>
+                      <a:noFill/>
+                    </a:lnR>
+                    <a:lnT>
+                      <a:noFill/>
+                    </a:lnT>
+                    <a:lnB>
+                      <a:noFill/>
+                    </a:lnB>
+                  </a:tcPr>
+                </a:tc>
+                <a:tc>
+                  <a:txBody>
+                    <a:bodyPr/>
+                    <a:lstStyle/>
+                    <a:p>
+                      <a:pPr algn="ctr" fontAlgn="b"/>
+                      <a:r>
+                        <a:rPr lang="en-US" sz="1100" b="0" i="0" u="none" strike="noStrike" dirty="0">
+                          <a:solidFill>
+                            <a:srgbClr val="000000"/>
+                          </a:solidFill>
+                          <a:effectLst/>
+                          <a:latin typeface="Calibri" panose="020F0502020204030204" pitchFamily="34" charset="0"/>
+                        </a:rPr>
+                        <a:t>0.2991</a:t>
+                      </a:r>
+                    </a:p>
+                  </a:txBody>
+                  <a:tcPr marL="9525" marR="9525" marT="9525" marB="0" anchor="b">
+                    <a:lnL>
+                      <a:noFill/>
+                    </a:lnL>
+                    <a:lnR>
+                      <a:noFill/>
+                    </a:lnR>
+                    <a:lnT>
+                      <a:noFill/>
+                    </a:lnT>
+                    <a:lnB>
+                      <a:noFill/>
+                    </a:lnB>
+                  </a:tcPr>
+                </a:tc>
+                <a:tc>
+                  <a:txBody>
+                    <a:bodyPr/>
+                    <a:lstStyle/>
+                    <a:p>
+                      <a:pPr algn="ctr" fontAlgn="b"/>
+                      <a:endParaRPr lang="en-US" sz="1100" b="0" i="0" u="none" strike="noStrike">
+                        <a:solidFill>
+                          <a:srgbClr val="000000"/>
+                        </a:solidFill>
+                        <a:effectLst/>
+                        <a:latin typeface="Calibri" panose="020F0502020204030204" pitchFamily="34" charset="0"/>
+                      </a:endParaRPr>
+                    </a:p>
+                  </a:txBody>
+                  <a:tcPr marL="9525" marR="9525" marT="9525" marB="0" anchor="b">
+                    <a:lnL>
+                      <a:noFill/>
+                    </a:lnL>
+                    <a:lnR>
+                      <a:noFill/>
+                    </a:lnR>
+                    <a:lnT>
+                      <a:noFill/>
+                    </a:lnT>
+                    <a:lnB>
+                      <a:noFill/>
+                    </a:lnB>
+                  </a:tcPr>
+                </a:tc>
+                <a:extLst>
+                  <a:ext uri="{0D108BD9-81ED-4DB2-BD59-A6C34878D82A}">
+                    <a16:rowId xmlns:a16="http://schemas.microsoft.com/office/drawing/2014/main" val="3090409959"/>
+                  </a:ext>
+                </a:extLst>
+              </a:tr>
+              <a:tr h="190500">
+                <a:tc>
+                  <a:txBody>
+                    <a:bodyPr/>
+                    <a:lstStyle/>
+                    <a:p>
+                      <a:pPr algn="r" fontAlgn="b"/>
+                      <a:r>
+                        <a:rPr lang="en-US" sz="1100" b="0" i="0" u="none" strike="noStrike">
+                          <a:solidFill>
+                            <a:srgbClr val="000000"/>
+                          </a:solidFill>
+                          <a:effectLst/>
+                          <a:latin typeface="Calibri" panose="020F0502020204030204" pitchFamily="34" charset="0"/>
+                        </a:rPr>
+                        <a:t>SampleType</a:t>
+                      </a:r>
+                    </a:p>
+                  </a:txBody>
+                  <a:tcPr marL="9525" marR="9525" marT="9525" marB="0" anchor="b">
+                    <a:lnL>
+                      <a:noFill/>
+                    </a:lnL>
+                    <a:lnR>
+                      <a:noFill/>
+                    </a:lnR>
+                    <a:lnT>
+                      <a:noFill/>
+                    </a:lnT>
+                    <a:lnB>
+                      <a:noFill/>
+                    </a:lnB>
+                  </a:tcPr>
+                </a:tc>
+                <a:tc>
+                  <a:txBody>
+                    <a:bodyPr/>
+                    <a:lstStyle/>
+                    <a:p>
+                      <a:pPr algn="ctr" fontAlgn="b"/>
+                      <a:r>
+                        <a:rPr lang="en-US" sz="1100" b="0" i="0" u="none" strike="noStrike">
+                          <a:solidFill>
+                            <a:srgbClr val="000000"/>
+                          </a:solidFill>
+                          <a:effectLst/>
+                          <a:latin typeface="Calibri" panose="020F0502020204030204" pitchFamily="34" charset="0"/>
+                        </a:rPr>
+                        <a:t>1</a:t>
+                      </a:r>
+                    </a:p>
+                  </a:txBody>
+                  <a:tcPr marL="9525" marR="9525" marT="9525" marB="0" anchor="b">
+                    <a:lnL>
+                      <a:noFill/>
+                    </a:lnL>
+                    <a:lnR>
+                      <a:noFill/>
+                    </a:lnR>
+                    <a:lnT>
+                      <a:noFill/>
+                    </a:lnT>
+                    <a:lnB>
+                      <a:noFill/>
+                    </a:lnB>
+                  </a:tcPr>
+                </a:tc>
+                <a:tc>
+                  <a:txBody>
+                    <a:bodyPr/>
+                    <a:lstStyle/>
+                    <a:p>
+                      <a:pPr algn="ctr" fontAlgn="b"/>
+                      <a:r>
+                        <a:rPr lang="en-US" sz="1100" b="0" i="0" u="none" strike="noStrike">
+                          <a:solidFill>
+                            <a:srgbClr val="000000"/>
+                          </a:solidFill>
+                          <a:effectLst/>
+                          <a:latin typeface="Calibri" panose="020F0502020204030204" pitchFamily="34" charset="0"/>
+                        </a:rPr>
+                        <a:t>0.0035876</a:t>
+                      </a:r>
+                    </a:p>
+                  </a:txBody>
+                  <a:tcPr marL="9525" marR="9525" marT="9525" marB="0" anchor="b">
+                    <a:lnL>
+                      <a:noFill/>
+                    </a:lnL>
+                    <a:lnR>
+                      <a:noFill/>
+                    </a:lnR>
+                    <a:lnT>
+                      <a:noFill/>
+                    </a:lnT>
+                    <a:lnB>
+                      <a:noFill/>
+                    </a:lnB>
+                  </a:tcPr>
+                </a:tc>
+                <a:tc>
+                  <a:txBody>
+                    <a:bodyPr/>
+                    <a:lstStyle/>
+                    <a:p>
+                      <a:pPr algn="ctr" fontAlgn="b"/>
+                      <a:r>
+                        <a:rPr lang="en-US" sz="1100" b="0" i="0" u="none" strike="noStrike">
+                          <a:solidFill>
+                            <a:srgbClr val="000000"/>
+                          </a:solidFill>
+                          <a:effectLst/>
+                          <a:latin typeface="Calibri" panose="020F0502020204030204" pitchFamily="34" charset="0"/>
+                        </a:rPr>
+                        <a:t>0.12897</a:t>
+                      </a:r>
+                    </a:p>
+                  </a:txBody>
+                  <a:tcPr marL="9525" marR="9525" marT="9525" marB="0" anchor="b">
+                    <a:lnL>
+                      <a:noFill/>
+                    </a:lnL>
+                    <a:lnR>
+                      <a:noFill/>
+                    </a:lnR>
+                    <a:lnT>
+                      <a:noFill/>
+                    </a:lnT>
+                    <a:lnB>
+                      <a:noFill/>
+                    </a:lnB>
+                  </a:tcPr>
+                </a:tc>
+                <a:tc>
+                  <a:txBody>
+                    <a:bodyPr/>
+                    <a:lstStyle/>
+                    <a:p>
+                      <a:pPr algn="ctr" fontAlgn="b"/>
+                      <a:r>
+                        <a:rPr lang="en-US" sz="1100" b="0" i="0" u="none" strike="noStrike">
+                          <a:solidFill>
+                            <a:srgbClr val="000000"/>
+                          </a:solidFill>
+                          <a:effectLst/>
+                          <a:latin typeface="Calibri" panose="020F0502020204030204" pitchFamily="34" charset="0"/>
+                        </a:rPr>
+                        <a:t>23.8148</a:t>
+                      </a:r>
+                    </a:p>
+                  </a:txBody>
+                  <a:tcPr marL="9525" marR="9525" marT="9525" marB="0" anchor="b">
+                    <a:lnL>
+                      <a:noFill/>
+                    </a:lnL>
+                    <a:lnR>
+                      <a:noFill/>
+                    </a:lnR>
+                    <a:lnT>
+                      <a:noFill/>
+                    </a:lnT>
+                    <a:lnB>
+                      <a:noFill/>
+                    </a:lnB>
+                  </a:tcPr>
+                </a:tc>
+                <a:tc>
+                  <a:txBody>
+                    <a:bodyPr/>
+                    <a:lstStyle/>
+                    <a:p>
+                      <a:pPr algn="ctr" fontAlgn="b"/>
+                      <a:r>
+                        <a:rPr lang="en-US" sz="1100" b="0" i="0" u="none" strike="noStrike">
+                          <a:solidFill>
+                            <a:srgbClr val="000000"/>
+                          </a:solidFill>
+                          <a:effectLst/>
+                          <a:latin typeface="Calibri" panose="020F0502020204030204" pitchFamily="34" charset="0"/>
+                        </a:rPr>
+                        <a:t>0.0001</a:t>
+                      </a:r>
+                    </a:p>
+                  </a:txBody>
+                  <a:tcPr marL="9525" marR="9525" marT="9525" marB="0" anchor="b">
+                    <a:lnL>
+                      <a:noFill/>
+                    </a:lnL>
+                    <a:lnR>
+                      <a:noFill/>
+                    </a:lnR>
+                    <a:lnT>
+                      <a:noFill/>
+                    </a:lnT>
+                    <a:lnB>
+                      <a:noFill/>
+                    </a:lnB>
+                  </a:tcPr>
+                </a:tc>
+                <a:tc>
+                  <a:txBody>
+                    <a:bodyPr/>
+                    <a:lstStyle/>
+                    <a:p>
+                      <a:pPr algn="ctr" fontAlgn="b"/>
+                      <a:r>
+                        <a:rPr lang="en-US" sz="1100" b="0" i="0" u="none" strike="noStrike">
+                          <a:solidFill>
+                            <a:srgbClr val="000000"/>
+                          </a:solidFill>
+                          <a:effectLst/>
+                          <a:latin typeface="Calibri" panose="020F0502020204030204" pitchFamily="34" charset="0"/>
+                        </a:rPr>
+                        <a:t>***</a:t>
+                      </a:r>
+                    </a:p>
+                  </a:txBody>
+                  <a:tcPr marL="9525" marR="9525" marT="9525" marB="0" anchor="b">
+                    <a:lnL>
+                      <a:noFill/>
+                    </a:lnL>
+                    <a:lnR>
+                      <a:noFill/>
+                    </a:lnR>
+                    <a:lnT>
+                      <a:noFill/>
+                    </a:lnT>
+                    <a:lnB>
+                      <a:noFill/>
+                    </a:lnB>
+                  </a:tcPr>
+                </a:tc>
+                <a:extLst>
+                  <a:ext uri="{0D108BD9-81ED-4DB2-BD59-A6C34878D82A}">
+                    <a16:rowId xmlns:a16="http://schemas.microsoft.com/office/drawing/2014/main" val="158813045"/>
+                  </a:ext>
+                </a:extLst>
+              </a:tr>
+              <a:tr h="190500">
+                <a:tc>
+                  <a:txBody>
+                    <a:bodyPr/>
+                    <a:lstStyle/>
+                    <a:p>
+                      <a:pPr algn="r" fontAlgn="b"/>
+                      <a:r>
+                        <a:rPr lang="en-US" sz="1100" b="0" i="0" u="none" strike="noStrike">
+                          <a:solidFill>
+                            <a:srgbClr val="000000"/>
+                          </a:solidFill>
+                          <a:effectLst/>
+                          <a:latin typeface="Calibri" panose="020F0502020204030204" pitchFamily="34" charset="0"/>
+                        </a:rPr>
+                        <a:t>Delivery</a:t>
+                      </a:r>
+                    </a:p>
+                  </a:txBody>
+                  <a:tcPr marL="9525" marR="9525" marT="9525" marB="0" anchor="b">
+                    <a:lnL>
+                      <a:noFill/>
+                    </a:lnL>
+                    <a:lnR>
+                      <a:noFill/>
+                    </a:lnR>
+                    <a:lnT>
+                      <a:noFill/>
+                    </a:lnT>
+                    <a:lnB>
+                      <a:noFill/>
+                    </a:lnB>
+                  </a:tcPr>
+                </a:tc>
+                <a:tc>
+                  <a:txBody>
+                    <a:bodyPr/>
+                    <a:lstStyle/>
+                    <a:p>
+                      <a:pPr algn="ctr" fontAlgn="b"/>
+                      <a:r>
+                        <a:rPr lang="en-US" sz="1100" b="0" i="0" u="none" strike="noStrike">
+                          <a:solidFill>
+                            <a:srgbClr val="000000"/>
+                          </a:solidFill>
+                          <a:effectLst/>
+                          <a:latin typeface="Calibri" panose="020F0502020204030204" pitchFamily="34" charset="0"/>
+                        </a:rPr>
+                        <a:t>1</a:t>
+                      </a:r>
+                    </a:p>
+                  </a:txBody>
+                  <a:tcPr marL="9525" marR="9525" marT="9525" marB="0" anchor="b">
+                    <a:lnL>
+                      <a:noFill/>
+                    </a:lnL>
+                    <a:lnR>
+                      <a:noFill/>
+                    </a:lnR>
+                    <a:lnT>
+                      <a:noFill/>
+                    </a:lnT>
+                    <a:lnB>
+                      <a:noFill/>
+                    </a:lnB>
+                  </a:tcPr>
+                </a:tc>
+                <a:tc>
+                  <a:txBody>
+                    <a:bodyPr/>
+                    <a:lstStyle/>
+                    <a:p>
+                      <a:pPr algn="ctr" fontAlgn="b"/>
+                      <a:r>
+                        <a:rPr lang="en-US" sz="1100" b="0" i="0" u="none" strike="noStrike">
+                          <a:solidFill>
+                            <a:srgbClr val="000000"/>
+                          </a:solidFill>
+                          <a:effectLst/>
+                          <a:latin typeface="Calibri" panose="020F0502020204030204" pitchFamily="34" charset="0"/>
+                        </a:rPr>
+                        <a:t>0.0004311</a:t>
+                      </a:r>
+                    </a:p>
+                  </a:txBody>
+                  <a:tcPr marL="9525" marR="9525" marT="9525" marB="0" anchor="b">
+                    <a:lnL>
+                      <a:noFill/>
+                    </a:lnL>
+                    <a:lnR>
+                      <a:noFill/>
+                    </a:lnR>
+                    <a:lnT>
+                      <a:noFill/>
+                    </a:lnT>
+                    <a:lnB>
+                      <a:noFill/>
+                    </a:lnB>
+                  </a:tcPr>
+                </a:tc>
+                <a:tc>
+                  <a:txBody>
+                    <a:bodyPr/>
+                    <a:lstStyle/>
+                    <a:p>
+                      <a:pPr algn="ctr" fontAlgn="b"/>
+                      <a:r>
+                        <a:rPr lang="en-US" sz="1100" b="0" i="0" u="none" strike="noStrike">
+                          <a:solidFill>
+                            <a:srgbClr val="000000"/>
+                          </a:solidFill>
+                          <a:effectLst/>
+                          <a:latin typeface="Calibri" panose="020F0502020204030204" pitchFamily="34" charset="0"/>
+                        </a:rPr>
+                        <a:t>0.0155</a:t>
+                      </a:r>
+                    </a:p>
+                  </a:txBody>
+                  <a:tcPr marL="9525" marR="9525" marT="9525" marB="0" anchor="b">
+                    <a:lnL>
+                      <a:noFill/>
+                    </a:lnL>
+                    <a:lnR>
+                      <a:noFill/>
+                    </a:lnR>
+                    <a:lnT>
+                      <a:noFill/>
+                    </a:lnT>
+                    <a:lnB>
+                      <a:noFill/>
+                    </a:lnB>
+                  </a:tcPr>
+                </a:tc>
+                <a:tc>
+                  <a:txBody>
+                    <a:bodyPr/>
+                    <a:lstStyle/>
+                    <a:p>
+                      <a:pPr algn="ctr" fontAlgn="b"/>
+                      <a:r>
+                        <a:rPr lang="en-US" sz="1100" b="0" i="0" u="none" strike="noStrike">
+                          <a:solidFill>
+                            <a:srgbClr val="000000"/>
+                          </a:solidFill>
+                          <a:effectLst/>
+                          <a:latin typeface="Calibri" panose="020F0502020204030204" pitchFamily="34" charset="0"/>
+                        </a:rPr>
+                        <a:t>2.8616</a:t>
+                      </a:r>
+                    </a:p>
+                  </a:txBody>
+                  <a:tcPr marL="9525" marR="9525" marT="9525" marB="0" anchor="b">
+                    <a:lnL>
+                      <a:noFill/>
+                    </a:lnL>
+                    <a:lnR>
+                      <a:noFill/>
+                    </a:lnR>
+                    <a:lnT>
+                      <a:noFill/>
+                    </a:lnT>
+                    <a:lnB>
+                      <a:noFill/>
+                    </a:lnB>
+                  </a:tcPr>
+                </a:tc>
+                <a:tc>
+                  <a:txBody>
+                    <a:bodyPr/>
+                    <a:lstStyle/>
+                    <a:p>
+                      <a:pPr algn="ctr" fontAlgn="b"/>
+                      <a:r>
+                        <a:rPr lang="en-US" sz="1100" b="0" i="0" u="none" strike="noStrike" dirty="0">
+                          <a:solidFill>
+                            <a:srgbClr val="000000"/>
+                          </a:solidFill>
+                          <a:effectLst/>
+                          <a:latin typeface="Calibri" panose="020F0502020204030204" pitchFamily="34" charset="0"/>
+                        </a:rPr>
+                        <a:t>0.007</a:t>
+                      </a:r>
+                    </a:p>
+                  </a:txBody>
+                  <a:tcPr marL="9525" marR="9525" marT="9525" marB="0" anchor="b">
+                    <a:lnL>
+                      <a:noFill/>
+                    </a:lnL>
+                    <a:lnR>
+                      <a:noFill/>
+                    </a:lnR>
+                    <a:lnT>
+                      <a:noFill/>
+                    </a:lnT>
+                    <a:lnB>
+                      <a:noFill/>
+                    </a:lnB>
+                  </a:tcPr>
+                </a:tc>
+                <a:tc>
+                  <a:txBody>
+                    <a:bodyPr/>
+                    <a:lstStyle/>
+                    <a:p>
+                      <a:pPr algn="ctr" fontAlgn="b"/>
+                      <a:r>
+                        <a:rPr lang="en-US" sz="1100" b="0" i="0" u="none" strike="noStrike">
+                          <a:solidFill>
+                            <a:srgbClr val="000000"/>
+                          </a:solidFill>
+                          <a:effectLst/>
+                          <a:latin typeface="Calibri" panose="020F0502020204030204" pitchFamily="34" charset="0"/>
+                        </a:rPr>
+                        <a:t>**</a:t>
+                      </a:r>
+                    </a:p>
+                  </a:txBody>
+                  <a:tcPr marL="9525" marR="9525" marT="9525" marB="0" anchor="b">
+                    <a:lnL>
+                      <a:noFill/>
+                    </a:lnL>
+                    <a:lnR>
+                      <a:noFill/>
+                    </a:lnR>
+                    <a:lnT>
+                      <a:noFill/>
+                    </a:lnT>
+                    <a:lnB>
+                      <a:noFill/>
+                    </a:lnB>
+                  </a:tcPr>
+                </a:tc>
+                <a:extLst>
+                  <a:ext uri="{0D108BD9-81ED-4DB2-BD59-A6C34878D82A}">
+                    <a16:rowId xmlns:a16="http://schemas.microsoft.com/office/drawing/2014/main" val="1219005112"/>
+                  </a:ext>
+                </a:extLst>
+              </a:tr>
+              <a:tr h="190500">
+                <a:tc>
+                  <a:txBody>
+                    <a:bodyPr/>
+                    <a:lstStyle/>
+                    <a:p>
+                      <a:pPr algn="r" fontAlgn="b"/>
+                      <a:r>
+                        <a:rPr lang="en-US" sz="1100" b="0" i="0" u="none" strike="noStrike">
+                          <a:solidFill>
+                            <a:srgbClr val="000000"/>
+                          </a:solidFill>
+                          <a:effectLst/>
+                          <a:latin typeface="Calibri" panose="020F0502020204030204" pitchFamily="34" charset="0"/>
+                        </a:rPr>
+                        <a:t>HbA1C_1trym_2</a:t>
+                      </a:r>
+                    </a:p>
+                  </a:txBody>
+                  <a:tcPr marL="9525" marR="9525" marT="9525" marB="0" anchor="b">
+                    <a:lnL>
+                      <a:noFill/>
+                    </a:lnL>
+                    <a:lnR>
+                      <a:noFill/>
+                    </a:lnR>
+                    <a:lnT>
+                      <a:noFill/>
+                    </a:lnT>
+                    <a:lnB>
+                      <a:noFill/>
+                    </a:lnB>
+                  </a:tcPr>
+                </a:tc>
+                <a:tc>
+                  <a:txBody>
+                    <a:bodyPr/>
+                    <a:lstStyle/>
+                    <a:p>
+                      <a:pPr algn="ctr" fontAlgn="b"/>
+                      <a:r>
+                        <a:rPr lang="en-US" sz="1100" b="0" i="0" u="none" strike="noStrike">
+                          <a:solidFill>
+                            <a:srgbClr val="000000"/>
+                          </a:solidFill>
+                          <a:effectLst/>
+                          <a:latin typeface="Calibri" panose="020F0502020204030204" pitchFamily="34" charset="0"/>
+                        </a:rPr>
+                        <a:t>1</a:t>
+                      </a:r>
+                    </a:p>
+                  </a:txBody>
+                  <a:tcPr marL="9525" marR="9525" marT="9525" marB="0" anchor="b">
+                    <a:lnL>
+                      <a:noFill/>
+                    </a:lnL>
+                    <a:lnR>
+                      <a:noFill/>
+                    </a:lnR>
+                    <a:lnT>
+                      <a:noFill/>
+                    </a:lnT>
+                    <a:lnB>
+                      <a:noFill/>
+                    </a:lnB>
+                  </a:tcPr>
+                </a:tc>
+                <a:tc>
+                  <a:txBody>
+                    <a:bodyPr/>
+                    <a:lstStyle/>
+                    <a:p>
+                      <a:pPr algn="ctr" fontAlgn="b"/>
+                      <a:r>
+                        <a:rPr lang="en-US" sz="1100" b="0" i="0" u="none" strike="noStrike">
+                          <a:solidFill>
+                            <a:srgbClr val="000000"/>
+                          </a:solidFill>
+                          <a:effectLst/>
+                          <a:latin typeface="Calibri" panose="020F0502020204030204" pitchFamily="34" charset="0"/>
+                        </a:rPr>
+                        <a:t>0.0003518</a:t>
+                      </a:r>
+                    </a:p>
+                  </a:txBody>
+                  <a:tcPr marL="9525" marR="9525" marT="9525" marB="0" anchor="b">
+                    <a:lnL>
+                      <a:noFill/>
+                    </a:lnL>
+                    <a:lnR>
+                      <a:noFill/>
+                    </a:lnR>
+                    <a:lnT>
+                      <a:noFill/>
+                    </a:lnT>
+                    <a:lnB>
+                      <a:noFill/>
+                    </a:lnB>
+                  </a:tcPr>
+                </a:tc>
+                <a:tc>
+                  <a:txBody>
+                    <a:bodyPr/>
+                    <a:lstStyle/>
+                    <a:p>
+                      <a:pPr algn="ctr" fontAlgn="b"/>
+                      <a:r>
+                        <a:rPr lang="en-US" sz="1100" b="0" i="0" u="none" strike="noStrike">
+                          <a:solidFill>
+                            <a:srgbClr val="000000"/>
+                          </a:solidFill>
+                          <a:effectLst/>
+                          <a:latin typeface="Calibri" panose="020F0502020204030204" pitchFamily="34" charset="0"/>
+                        </a:rPr>
+                        <a:t>0.01265</a:t>
+                      </a:r>
+                    </a:p>
+                  </a:txBody>
+                  <a:tcPr marL="9525" marR="9525" marT="9525" marB="0" anchor="b">
+                    <a:lnL>
+                      <a:noFill/>
+                    </a:lnL>
+                    <a:lnR>
+                      <a:noFill/>
+                    </a:lnR>
+                    <a:lnT>
+                      <a:noFill/>
+                    </a:lnT>
+                    <a:lnB>
+                      <a:noFill/>
+                    </a:lnB>
+                  </a:tcPr>
+                </a:tc>
+                <a:tc>
+                  <a:txBody>
+                    <a:bodyPr/>
+                    <a:lstStyle/>
+                    <a:p>
+                      <a:pPr algn="ctr" fontAlgn="b"/>
+                      <a:r>
+                        <a:rPr lang="en-US" sz="1100" b="0" i="0" u="none" strike="noStrike">
+                          <a:solidFill>
+                            <a:srgbClr val="000000"/>
+                          </a:solidFill>
+                          <a:effectLst/>
+                          <a:latin typeface="Calibri" panose="020F0502020204030204" pitchFamily="34" charset="0"/>
+                        </a:rPr>
+                        <a:t>2.335</a:t>
+                      </a:r>
+                    </a:p>
+                  </a:txBody>
+                  <a:tcPr marL="9525" marR="9525" marT="9525" marB="0" anchor="b">
+                    <a:lnL>
+                      <a:noFill/>
+                    </a:lnL>
+                    <a:lnR>
+                      <a:noFill/>
+                    </a:lnR>
+                    <a:lnT>
+                      <a:noFill/>
+                    </a:lnT>
+                    <a:lnB>
+                      <a:noFill/>
+                    </a:lnB>
+                  </a:tcPr>
+                </a:tc>
+                <a:tc>
+                  <a:txBody>
+                    <a:bodyPr/>
+                    <a:lstStyle/>
+                    <a:p>
+                      <a:pPr algn="ctr" fontAlgn="b"/>
+                      <a:r>
+                        <a:rPr lang="en-US" sz="1100" b="0" i="0" u="none" strike="noStrike">
+                          <a:solidFill>
+                            <a:srgbClr val="000000"/>
+                          </a:solidFill>
+                          <a:effectLst/>
+                          <a:latin typeface="Calibri" panose="020F0502020204030204" pitchFamily="34" charset="0"/>
+                        </a:rPr>
+                        <a:t>0.035</a:t>
+                      </a:r>
+                    </a:p>
+                  </a:txBody>
+                  <a:tcPr marL="9525" marR="9525" marT="9525" marB="0" anchor="b">
+                    <a:lnL>
+                      <a:noFill/>
+                    </a:lnL>
+                    <a:lnR>
+                      <a:noFill/>
+                    </a:lnR>
+                    <a:lnT>
+                      <a:noFill/>
+                    </a:lnT>
+                    <a:lnB>
+                      <a:noFill/>
+                    </a:lnB>
+                  </a:tcPr>
+                </a:tc>
+                <a:tc>
+                  <a:txBody>
+                    <a:bodyPr/>
+                    <a:lstStyle/>
+                    <a:p>
+                      <a:pPr algn="ctr" fontAlgn="b"/>
+                      <a:r>
+                        <a:rPr lang="en-US" sz="1100" b="0" i="0" u="none" strike="noStrike">
+                          <a:solidFill>
+                            <a:srgbClr val="000000"/>
+                          </a:solidFill>
+                          <a:effectLst/>
+                          <a:latin typeface="Calibri" panose="020F0502020204030204" pitchFamily="34" charset="0"/>
+                        </a:rPr>
+                        <a:t>*</a:t>
+                      </a:r>
+                    </a:p>
+                  </a:txBody>
+                  <a:tcPr marL="9525" marR="9525" marT="9525" marB="0" anchor="b">
+                    <a:lnL>
+                      <a:noFill/>
+                    </a:lnL>
+                    <a:lnR>
+                      <a:noFill/>
+                    </a:lnR>
+                    <a:lnT>
+                      <a:noFill/>
+                    </a:lnT>
+                    <a:lnB>
+                      <a:noFill/>
+                    </a:lnB>
+                  </a:tcPr>
+                </a:tc>
+                <a:extLst>
+                  <a:ext uri="{0D108BD9-81ED-4DB2-BD59-A6C34878D82A}">
+                    <a16:rowId xmlns:a16="http://schemas.microsoft.com/office/drawing/2014/main" val="2916395689"/>
+                  </a:ext>
+                </a:extLst>
+              </a:tr>
+              <a:tr h="190500">
+                <a:tc>
+                  <a:txBody>
+                    <a:bodyPr/>
+                    <a:lstStyle/>
+                    <a:p>
+                      <a:pPr algn="r" fontAlgn="b"/>
+                      <a:r>
+                        <a:rPr lang="en-US" sz="1100" b="0" i="0" u="none" strike="noStrike">
+                          <a:solidFill>
+                            <a:srgbClr val="000000"/>
+                          </a:solidFill>
+                          <a:effectLst/>
+                          <a:latin typeface="Calibri" panose="020F0502020204030204" pitchFamily="34" charset="0"/>
+                        </a:rPr>
+                        <a:t>Residual</a:t>
+                      </a:r>
+                    </a:p>
+                  </a:txBody>
+                  <a:tcPr marL="9525" marR="9525" marT="9525" marB="0" anchor="b">
+                    <a:lnL>
+                      <a:noFill/>
+                    </a:lnL>
+                    <a:lnR>
+                      <a:noFill/>
+                    </a:lnR>
+                    <a:lnT>
+                      <a:noFill/>
+                    </a:lnT>
+                    <a:lnB>
+                      <a:noFill/>
+                    </a:lnB>
+                  </a:tcPr>
+                </a:tc>
+                <a:tc>
+                  <a:txBody>
+                    <a:bodyPr/>
+                    <a:lstStyle/>
+                    <a:p>
+                      <a:pPr algn="ctr" fontAlgn="b"/>
+                      <a:r>
+                        <a:rPr lang="en-US" sz="1100" b="0" i="0" u="none" strike="noStrike">
+                          <a:solidFill>
+                            <a:srgbClr val="000000"/>
+                          </a:solidFill>
+                          <a:effectLst/>
+                          <a:latin typeface="Calibri" panose="020F0502020204030204" pitchFamily="34" charset="0"/>
+                        </a:rPr>
+                        <a:t>153</a:t>
+                      </a:r>
+                    </a:p>
+                  </a:txBody>
+                  <a:tcPr marL="9525" marR="9525" marT="9525" marB="0" anchor="b">
+                    <a:lnL>
+                      <a:noFill/>
+                    </a:lnL>
+                    <a:lnR>
+                      <a:noFill/>
+                    </a:lnR>
+                    <a:lnT>
+                      <a:noFill/>
+                    </a:lnT>
+                    <a:lnB>
+                      <a:noFill/>
+                    </a:lnB>
+                  </a:tcPr>
+                </a:tc>
+                <a:tc>
+                  <a:txBody>
+                    <a:bodyPr/>
+                    <a:lstStyle/>
+                    <a:p>
+                      <a:pPr algn="ctr" fontAlgn="b"/>
+                      <a:r>
+                        <a:rPr lang="en-US" sz="1100" b="0" i="0" u="none" strike="noStrike">
+                          <a:solidFill>
+                            <a:srgbClr val="000000"/>
+                          </a:solidFill>
+                          <a:effectLst/>
+                          <a:latin typeface="Calibri" panose="020F0502020204030204" pitchFamily="34" charset="0"/>
+                        </a:rPr>
+                        <a:t>0.023049</a:t>
+                      </a:r>
+                    </a:p>
+                  </a:txBody>
+                  <a:tcPr marL="9525" marR="9525" marT="9525" marB="0" anchor="b">
+                    <a:lnL>
+                      <a:noFill/>
+                    </a:lnL>
+                    <a:lnR>
+                      <a:noFill/>
+                    </a:lnR>
+                    <a:lnT>
+                      <a:noFill/>
+                    </a:lnT>
+                    <a:lnB>
+                      <a:noFill/>
+                    </a:lnB>
+                  </a:tcPr>
+                </a:tc>
+                <a:tc>
+                  <a:txBody>
+                    <a:bodyPr/>
+                    <a:lstStyle/>
+                    <a:p>
+                      <a:pPr algn="ctr" fontAlgn="b"/>
+                      <a:r>
+                        <a:rPr lang="en-US" sz="1100" b="0" i="0" u="none" strike="noStrike">
+                          <a:solidFill>
+                            <a:srgbClr val="000000"/>
+                          </a:solidFill>
+                          <a:effectLst/>
+                          <a:latin typeface="Calibri" panose="020F0502020204030204" pitchFamily="34" charset="0"/>
+                        </a:rPr>
+                        <a:t>0.8286</a:t>
+                      </a:r>
+                    </a:p>
+                  </a:txBody>
+                  <a:tcPr marL="9525" marR="9525" marT="9525" marB="0" anchor="b">
+                    <a:lnL>
+                      <a:noFill/>
+                    </a:lnL>
+                    <a:lnR>
+                      <a:noFill/>
+                    </a:lnR>
+                    <a:lnT>
+                      <a:noFill/>
+                    </a:lnT>
+                    <a:lnB>
+                      <a:noFill/>
+                    </a:lnB>
+                  </a:tcPr>
+                </a:tc>
+                <a:tc>
+                  <a:txBody>
+                    <a:bodyPr/>
+                    <a:lstStyle/>
+                    <a:p>
+                      <a:pPr algn="ctr" fontAlgn="b"/>
+                      <a:endParaRPr lang="en-US" sz="1100" b="0" i="0" u="none" strike="noStrike">
+                        <a:solidFill>
+                          <a:srgbClr val="000000"/>
+                        </a:solidFill>
+                        <a:effectLst/>
+                        <a:latin typeface="Calibri" panose="020F0502020204030204" pitchFamily="34" charset="0"/>
+                      </a:endParaRPr>
+                    </a:p>
+                  </a:txBody>
+                  <a:tcPr marL="9525" marR="9525" marT="9525" marB="0" anchor="b">
+                    <a:lnL>
+                      <a:noFill/>
+                    </a:lnL>
+                    <a:lnR>
+                      <a:noFill/>
+                    </a:lnR>
+                    <a:lnT>
+                      <a:noFill/>
+                    </a:lnT>
+                    <a:lnB>
+                      <a:noFill/>
+                    </a:lnB>
+                  </a:tcPr>
+                </a:tc>
+                <a:tc>
+                  <a:txBody>
+                    <a:bodyPr/>
+                    <a:lstStyle/>
+                    <a:p>
+                      <a:pPr algn="ctr" fontAlgn="b"/>
+                      <a:endParaRPr lang="en-US" sz="1100" b="0" i="0" u="none" strike="noStrike">
+                        <a:solidFill>
+                          <a:srgbClr val="000000"/>
+                        </a:solidFill>
+                        <a:effectLst/>
+                        <a:latin typeface="Calibri" panose="020F0502020204030204" pitchFamily="34" charset="0"/>
+                      </a:endParaRPr>
+                    </a:p>
+                  </a:txBody>
+                  <a:tcPr marL="9525" marR="9525" marT="9525" marB="0" anchor="b">
+                    <a:lnL>
+                      <a:noFill/>
+                    </a:lnL>
+                    <a:lnR>
+                      <a:noFill/>
+                    </a:lnR>
+                    <a:lnT>
+                      <a:noFill/>
+                    </a:lnT>
+                    <a:lnB>
+                      <a:noFill/>
+                    </a:lnB>
+                  </a:tcPr>
+                </a:tc>
+                <a:tc>
+                  <a:txBody>
+                    <a:bodyPr/>
+                    <a:lstStyle/>
+                    <a:p>
+                      <a:pPr algn="ctr" fontAlgn="b"/>
+                      <a:endParaRPr lang="en-US" sz="1100" b="0" i="0" u="none" strike="noStrike" dirty="0">
+                        <a:solidFill>
+                          <a:srgbClr val="000000"/>
+                        </a:solidFill>
+                        <a:effectLst/>
+                        <a:latin typeface="Calibri" panose="020F0502020204030204" pitchFamily="34" charset="0"/>
+                      </a:endParaRPr>
+                    </a:p>
+                  </a:txBody>
+                  <a:tcPr marL="9525" marR="9525" marT="9525" marB="0" anchor="b">
+                    <a:lnL>
+                      <a:noFill/>
+                    </a:lnL>
+                    <a:lnR>
+                      <a:noFill/>
+                    </a:lnR>
+                    <a:lnT>
+                      <a:noFill/>
+                    </a:lnT>
+                    <a:lnB>
+                      <a:noFill/>
+                    </a:lnB>
+                  </a:tcPr>
+                </a:tc>
+                <a:extLst>
+                  <a:ext uri="{0D108BD9-81ED-4DB2-BD59-A6C34878D82A}">
+                    <a16:rowId xmlns:a16="http://schemas.microsoft.com/office/drawing/2014/main" val="1237140684"/>
+                  </a:ext>
+                </a:extLst>
+              </a:tr>
+              <a:tr h="190500">
+                <a:tc>
+                  <a:txBody>
+                    <a:bodyPr/>
+                    <a:lstStyle/>
+                    <a:p>
+                      <a:pPr algn="r" fontAlgn="b"/>
+                      <a:r>
+                        <a:rPr lang="en-US" sz="1100" b="0" i="0" u="none" strike="noStrike" dirty="0">
+                          <a:solidFill>
+                            <a:srgbClr val="000000"/>
+                          </a:solidFill>
+                          <a:effectLst/>
+                          <a:latin typeface="Calibri" panose="020F0502020204030204" pitchFamily="34" charset="0"/>
+                        </a:rPr>
+                        <a:t>Total</a:t>
+                      </a:r>
+                    </a:p>
+                  </a:txBody>
+                  <a:tcPr marL="9525" marR="9525" marT="9525" marB="0" anchor="b">
+                    <a:lnL>
+                      <a:noFill/>
+                    </a:lnL>
+                    <a:lnR>
+                      <a:noFill/>
+                    </a:lnR>
+                    <a:lnT>
+                      <a:noFill/>
+                    </a:lnT>
+                    <a:lnB>
+                      <a:noFill/>
+                    </a:lnB>
+                  </a:tcPr>
+                </a:tc>
+                <a:tc>
+                  <a:txBody>
+                    <a:bodyPr/>
+                    <a:lstStyle/>
+                    <a:p>
+                      <a:pPr algn="ctr" fontAlgn="b"/>
+                      <a:r>
+                        <a:rPr lang="en-US" sz="1100" b="0" i="0" u="none" strike="noStrike">
+                          <a:solidFill>
+                            <a:srgbClr val="000000"/>
+                          </a:solidFill>
+                          <a:effectLst/>
+                          <a:latin typeface="Calibri" panose="020F0502020204030204" pitchFamily="34" charset="0"/>
+                        </a:rPr>
+                        <a:t>158</a:t>
+                      </a:r>
+                    </a:p>
+                  </a:txBody>
+                  <a:tcPr marL="9525" marR="9525" marT="9525" marB="0" anchor="b">
+                    <a:lnL>
+                      <a:noFill/>
+                    </a:lnL>
+                    <a:lnR>
+                      <a:noFill/>
+                    </a:lnR>
+                    <a:lnT>
+                      <a:noFill/>
+                    </a:lnT>
+                    <a:lnB>
+                      <a:noFill/>
+                    </a:lnB>
+                  </a:tcPr>
+                </a:tc>
+                <a:tc>
+                  <a:txBody>
+                    <a:bodyPr/>
+                    <a:lstStyle/>
+                    <a:p>
+                      <a:pPr algn="ctr" fontAlgn="b"/>
+                      <a:r>
+                        <a:rPr lang="en-US" sz="1100" b="0" i="0" u="none" strike="noStrike">
+                          <a:solidFill>
+                            <a:srgbClr val="000000"/>
+                          </a:solidFill>
+                          <a:effectLst/>
+                          <a:latin typeface="Calibri" panose="020F0502020204030204" pitchFamily="34" charset="0"/>
+                        </a:rPr>
+                        <a:t>0.0278168</a:t>
+                      </a:r>
+                    </a:p>
+                  </a:txBody>
+                  <a:tcPr marL="9525" marR="9525" marT="9525" marB="0" anchor="b">
+                    <a:lnL>
+                      <a:noFill/>
+                    </a:lnL>
+                    <a:lnR>
+                      <a:noFill/>
+                    </a:lnR>
+                    <a:lnT>
+                      <a:noFill/>
+                    </a:lnT>
+                    <a:lnB>
+                      <a:noFill/>
+                    </a:lnB>
+                  </a:tcPr>
+                </a:tc>
+                <a:tc>
+                  <a:txBody>
+                    <a:bodyPr/>
+                    <a:lstStyle/>
+                    <a:p>
+                      <a:pPr algn="ctr" fontAlgn="b"/>
+                      <a:r>
+                        <a:rPr lang="en-US" sz="1100" b="0" i="0" u="none" strike="noStrike">
+                          <a:solidFill>
+                            <a:srgbClr val="000000"/>
+                          </a:solidFill>
+                          <a:effectLst/>
+                          <a:latin typeface="Calibri" panose="020F0502020204030204" pitchFamily="34" charset="0"/>
+                        </a:rPr>
+                        <a:t>1</a:t>
+                      </a:r>
+                    </a:p>
+                  </a:txBody>
+                  <a:tcPr marL="9525" marR="9525" marT="9525" marB="0" anchor="b">
+                    <a:lnL>
+                      <a:noFill/>
+                    </a:lnL>
+                    <a:lnR>
+                      <a:noFill/>
+                    </a:lnR>
+                    <a:lnT>
+                      <a:noFill/>
+                    </a:lnT>
+                    <a:lnB>
+                      <a:noFill/>
+                    </a:lnB>
+                  </a:tcPr>
+                </a:tc>
+                <a:tc>
+                  <a:txBody>
+                    <a:bodyPr/>
+                    <a:lstStyle/>
+                    <a:p>
+                      <a:pPr algn="ctr" fontAlgn="b"/>
+                      <a:endParaRPr lang="en-US" sz="1100" b="0" i="0" u="none" strike="noStrike">
+                        <a:solidFill>
+                          <a:srgbClr val="000000"/>
+                        </a:solidFill>
+                        <a:effectLst/>
+                        <a:latin typeface="Calibri" panose="020F0502020204030204" pitchFamily="34" charset="0"/>
+                      </a:endParaRPr>
+                    </a:p>
+                  </a:txBody>
+                  <a:tcPr marL="9525" marR="9525" marT="9525" marB="0" anchor="b">
+                    <a:lnL>
+                      <a:noFill/>
+                    </a:lnL>
+                    <a:lnR>
+                      <a:noFill/>
+                    </a:lnR>
+                    <a:lnT>
+                      <a:noFill/>
+                    </a:lnT>
+                    <a:lnB>
+                      <a:noFill/>
+                    </a:lnB>
+                  </a:tcPr>
+                </a:tc>
+                <a:tc>
+                  <a:txBody>
+                    <a:bodyPr/>
+                    <a:lstStyle/>
+                    <a:p>
+                      <a:pPr algn="ctr" fontAlgn="b"/>
+                      <a:endParaRPr lang="en-US" sz="1100" b="0" i="0" u="none" strike="noStrike">
+                        <a:solidFill>
+                          <a:srgbClr val="000000"/>
+                        </a:solidFill>
+                        <a:effectLst/>
+                        <a:latin typeface="Calibri" panose="020F0502020204030204" pitchFamily="34" charset="0"/>
+                      </a:endParaRPr>
+                    </a:p>
+                  </a:txBody>
+                  <a:tcPr marL="9525" marR="9525" marT="9525" marB="0" anchor="b">
+                    <a:lnL>
+                      <a:noFill/>
+                    </a:lnL>
+                    <a:lnR>
+                      <a:noFill/>
+                    </a:lnR>
+                    <a:lnT>
+                      <a:noFill/>
+                    </a:lnT>
+                    <a:lnB>
+                      <a:noFill/>
+                    </a:lnB>
+                  </a:tcPr>
+                </a:tc>
+                <a:tc>
+                  <a:txBody>
+                    <a:bodyPr/>
+                    <a:lstStyle/>
+                    <a:p>
+                      <a:pPr algn="ctr" fontAlgn="b"/>
+                      <a:endParaRPr lang="en-US" sz="1100" b="0" i="0" u="none" strike="noStrike" dirty="0">
+                        <a:solidFill>
+                          <a:srgbClr val="000000"/>
+                        </a:solidFill>
+                        <a:effectLst/>
+                        <a:latin typeface="Calibri" panose="020F0502020204030204" pitchFamily="34" charset="0"/>
+                      </a:endParaRPr>
+                    </a:p>
+                  </a:txBody>
+                  <a:tcPr marL="9525" marR="9525" marT="9525" marB="0" anchor="b">
+                    <a:lnL>
+                      <a:noFill/>
+                    </a:lnL>
+                    <a:lnR>
+                      <a:noFill/>
+                    </a:lnR>
+                    <a:lnT>
+                      <a:noFill/>
+                    </a:lnT>
+                    <a:lnB>
+                      <a:noFill/>
+                    </a:lnB>
+                  </a:tcPr>
+                </a:tc>
+                <a:extLst>
+                  <a:ext uri="{0D108BD9-81ED-4DB2-BD59-A6C34878D82A}">
+                    <a16:rowId xmlns:a16="http://schemas.microsoft.com/office/drawing/2014/main" val="716843763"/>
+                  </a:ext>
+                </a:extLst>
+              </a:tr>
+            </a:tbl>
+          </a:graphicData>
+        </a:graphic>
+      </p:graphicFrame>
+      <p:graphicFrame>
+        <p:nvGraphicFramePr>
+          <p:cNvPr id="4" name="Table 3">
+            <a:extLst>
+              <a:ext uri="{FF2B5EF4-FFF2-40B4-BE49-F238E27FC236}">
+                <a16:creationId xmlns:a16="http://schemas.microsoft.com/office/drawing/2014/main" id="{14A6F606-9DF4-2BEC-BE1B-64C9378A6CFB}"/>
+              </a:ext>
+            </a:extLst>
+          </p:cNvPr>
+          <p:cNvGraphicFramePr>
+            <a:graphicFrameLocks noGrp="1"/>
+          </p:cNvGraphicFramePr>
+          <p:nvPr>
+            <p:extLst>
+              <p:ext uri="{D42A27DB-BD31-4B8C-83A1-F6EECF244321}">
+                <p14:modId xmlns:p14="http://schemas.microsoft.com/office/powerpoint/2010/main" val="567279908"/>
+              </p:ext>
+            </p:extLst>
+          </p:nvPr>
+        </p:nvGraphicFramePr>
+        <p:xfrm>
+          <a:off x="6551720" y="1758496"/>
+          <a:ext cx="4546601" cy="1524000"/>
+        </p:xfrm>
+        <a:graphic>
+          <a:graphicData uri="http://schemas.openxmlformats.org/drawingml/2006/table">
+            <a:tbl>
+              <a:tblPr/>
+              <a:tblGrid>
+                <a:gridCol w="1281805">
+                  <a:extLst>
+                    <a:ext uri="{9D8B030D-6E8A-4147-A177-3AD203B41FA5}">
+                      <a16:colId xmlns:a16="http://schemas.microsoft.com/office/drawing/2014/main" val="192343798"/>
+                    </a:ext>
+                  </a:extLst>
+                </a:gridCol>
+                <a:gridCol w="447363">
+                  <a:extLst>
+                    <a:ext uri="{9D8B030D-6E8A-4147-A177-3AD203B41FA5}">
+                      <a16:colId xmlns:a16="http://schemas.microsoft.com/office/drawing/2014/main" val="3046509667"/>
+                    </a:ext>
+                  </a:extLst>
+                </a:gridCol>
+                <a:gridCol w="672630">
+                  <a:extLst>
+                    <a:ext uri="{9D8B030D-6E8A-4147-A177-3AD203B41FA5}">
+                      <a16:colId xmlns:a16="http://schemas.microsoft.com/office/drawing/2014/main" val="3493837896"/>
+                    </a:ext>
+                  </a:extLst>
+                </a:gridCol>
+                <a:gridCol w="533028">
+                  <a:extLst>
+                    <a:ext uri="{9D8B030D-6E8A-4147-A177-3AD203B41FA5}">
+                      <a16:colId xmlns:a16="http://schemas.microsoft.com/office/drawing/2014/main" val="129933684"/>
+                    </a:ext>
+                  </a:extLst>
+                </a:gridCol>
+                <a:gridCol w="533028">
+                  <a:extLst>
+                    <a:ext uri="{9D8B030D-6E8A-4147-A177-3AD203B41FA5}">
+                      <a16:colId xmlns:a16="http://schemas.microsoft.com/office/drawing/2014/main" val="3436471502"/>
+                    </a:ext>
+                  </a:extLst>
+                </a:gridCol>
+                <a:gridCol w="469572">
+                  <a:extLst>
+                    <a:ext uri="{9D8B030D-6E8A-4147-A177-3AD203B41FA5}">
+                      <a16:colId xmlns:a16="http://schemas.microsoft.com/office/drawing/2014/main" val="1197127666"/>
+                    </a:ext>
+                  </a:extLst>
+                </a:gridCol>
+                <a:gridCol w="609175">
+                  <a:extLst>
+                    <a:ext uri="{9D8B030D-6E8A-4147-A177-3AD203B41FA5}">
+                      <a16:colId xmlns:a16="http://schemas.microsoft.com/office/drawing/2014/main" val="545636895"/>
+                    </a:ext>
+                  </a:extLst>
+                </a:gridCol>
+              </a:tblGrid>
+              <a:tr h="190500">
+                <a:tc>
+                  <a:txBody>
+                    <a:bodyPr/>
+                    <a:lstStyle/>
+                    <a:p>
+                      <a:pPr algn="ctr" fontAlgn="b"/>
+                      <a:r>
+                        <a:rPr lang="en-US" sz="1100" b="0" i="0" u="none" strike="noStrike" dirty="0">
+                          <a:solidFill>
+                            <a:srgbClr val="000000"/>
+                          </a:solidFill>
+                          <a:effectLst/>
+                          <a:latin typeface="Calibri" panose="020F0502020204030204" pitchFamily="34" charset="0"/>
+                        </a:rPr>
+                        <a:t>Unweighted </a:t>
+                      </a:r>
+                      <a:r>
+                        <a:rPr lang="en-US" sz="1100" b="0" i="0" u="none" strike="noStrike" dirty="0" err="1">
+                          <a:solidFill>
+                            <a:srgbClr val="000000"/>
+                          </a:solidFill>
+                          <a:effectLst/>
+                          <a:latin typeface="Calibri" panose="020F0502020204030204" pitchFamily="34" charset="0"/>
+                        </a:rPr>
+                        <a:t>UniFrac</a:t>
+                      </a:r>
+                      <a:endParaRPr lang="en-US" sz="1100" b="0" i="0" u="none" strike="noStrike" dirty="0">
+                        <a:solidFill>
+                          <a:srgbClr val="000000"/>
+                        </a:solidFill>
+                        <a:effectLst/>
+                        <a:latin typeface="Calibri" panose="020F0502020204030204" pitchFamily="34" charset="0"/>
+                      </a:endParaRPr>
+                    </a:p>
+                  </a:txBody>
+                  <a:tcPr marL="9525" marR="9525" marT="9525" marB="0" anchor="b">
+                    <a:lnL>
+                      <a:noFill/>
+                    </a:lnL>
+                    <a:lnR>
+                      <a:noFill/>
+                    </a:lnR>
+                    <a:lnT>
+                      <a:noFill/>
+                    </a:lnT>
+                    <a:lnB w="6350" cap="flat" cmpd="sng" algn="ctr">
+                      <a:solidFill>
+                        <a:srgbClr val="000000"/>
+                      </a:solidFill>
+                      <a:prstDash val="solid"/>
+                      <a:round/>
+                      <a:headEnd type="none" w="med" len="med"/>
+                      <a:tailEnd type="none" w="med" len="med"/>
+                    </a:lnB>
+                  </a:tcPr>
+                </a:tc>
+                <a:tc>
+                  <a:txBody>
+                    <a:bodyPr/>
+                    <a:lstStyle/>
+                    <a:p>
+                      <a:pPr algn="ctr" fontAlgn="b"/>
+                      <a:r>
+                        <a:rPr lang="en-US" sz="1100" b="0" i="0" u="none" strike="noStrike">
+                          <a:solidFill>
+                            <a:srgbClr val="000000"/>
+                          </a:solidFill>
+                          <a:effectLst/>
+                          <a:latin typeface="Calibri" panose="020F0502020204030204" pitchFamily="34" charset="0"/>
+                        </a:rPr>
+                        <a:t>Df</a:t>
+                      </a:r>
+                    </a:p>
+                  </a:txBody>
+                  <a:tcPr marL="9525" marR="9525" marT="9525" marB="0" anchor="b">
+                    <a:lnL>
+                      <a:noFill/>
+                    </a:lnL>
+                    <a:lnR>
+                      <a:noFill/>
+                    </a:lnR>
+                    <a:lnT>
+                      <a:noFill/>
+                    </a:lnT>
+                    <a:lnB w="6350" cap="flat" cmpd="sng" algn="ctr">
+                      <a:solidFill>
+                        <a:srgbClr val="000000"/>
+                      </a:solidFill>
+                      <a:prstDash val="solid"/>
+                      <a:round/>
+                      <a:headEnd type="none" w="med" len="med"/>
+                      <a:tailEnd type="none" w="med" len="med"/>
+                    </a:lnB>
+                  </a:tcPr>
+                </a:tc>
+                <a:tc>
+                  <a:txBody>
+                    <a:bodyPr/>
+                    <a:lstStyle/>
+                    <a:p>
+                      <a:pPr algn="ctr" fontAlgn="b"/>
+                      <a:r>
+                        <a:rPr lang="en-US" sz="1100" b="0" i="0" u="none" strike="noStrike">
+                          <a:solidFill>
+                            <a:srgbClr val="000000"/>
+                          </a:solidFill>
+                          <a:effectLst/>
+                          <a:latin typeface="Calibri" panose="020F0502020204030204" pitchFamily="34" charset="0"/>
+                        </a:rPr>
+                        <a:t>SumOfSqs</a:t>
+                      </a:r>
+                    </a:p>
+                  </a:txBody>
+                  <a:tcPr marL="9525" marR="9525" marT="9525" marB="0" anchor="b">
+                    <a:lnL>
+                      <a:noFill/>
+                    </a:lnL>
+                    <a:lnR>
+                      <a:noFill/>
+                    </a:lnR>
+                    <a:lnT>
+                      <a:noFill/>
+                    </a:lnT>
+                    <a:lnB w="6350" cap="flat" cmpd="sng" algn="ctr">
+                      <a:solidFill>
+                        <a:srgbClr val="000000"/>
+                      </a:solidFill>
+                      <a:prstDash val="solid"/>
+                      <a:round/>
+                      <a:headEnd type="none" w="med" len="med"/>
+                      <a:tailEnd type="none" w="med" len="med"/>
+                    </a:lnB>
+                  </a:tcPr>
+                </a:tc>
+                <a:tc>
+                  <a:txBody>
+                    <a:bodyPr/>
+                    <a:lstStyle/>
+                    <a:p>
+                      <a:pPr algn="ctr" fontAlgn="b"/>
+                      <a:r>
+                        <a:rPr lang="en-US" sz="1100" b="0" i="0" u="none" strike="noStrike">
+                          <a:solidFill>
+                            <a:srgbClr val="000000"/>
+                          </a:solidFill>
+                          <a:effectLst/>
+                          <a:latin typeface="Calibri" panose="020F0502020204030204" pitchFamily="34" charset="0"/>
+                        </a:rPr>
+                        <a:t>R2</a:t>
+                      </a:r>
+                    </a:p>
+                  </a:txBody>
+                  <a:tcPr marL="9525" marR="9525" marT="9525" marB="0" anchor="b">
+                    <a:lnL>
+                      <a:noFill/>
+                    </a:lnL>
+                    <a:lnR>
+                      <a:noFill/>
+                    </a:lnR>
+                    <a:lnT>
+                      <a:noFill/>
+                    </a:lnT>
+                    <a:lnB w="6350" cap="flat" cmpd="sng" algn="ctr">
+                      <a:solidFill>
+                        <a:srgbClr val="000000"/>
+                      </a:solidFill>
+                      <a:prstDash val="solid"/>
+                      <a:round/>
+                      <a:headEnd type="none" w="med" len="med"/>
+                      <a:tailEnd type="none" w="med" len="med"/>
+                    </a:lnB>
+                  </a:tcPr>
+                </a:tc>
+                <a:tc>
+                  <a:txBody>
+                    <a:bodyPr/>
+                    <a:lstStyle/>
+                    <a:p>
+                      <a:pPr algn="ctr" fontAlgn="b"/>
+                      <a:r>
+                        <a:rPr lang="en-US" sz="1100" b="0" i="0" u="none" strike="noStrike">
+                          <a:solidFill>
+                            <a:srgbClr val="000000"/>
+                          </a:solidFill>
+                          <a:effectLst/>
+                          <a:latin typeface="Calibri" panose="020F0502020204030204" pitchFamily="34" charset="0"/>
+                        </a:rPr>
+                        <a:t>F</a:t>
+                      </a:r>
+                    </a:p>
+                  </a:txBody>
+                  <a:tcPr marL="9525" marR="9525" marT="9525" marB="0" anchor="b">
+                    <a:lnL>
+                      <a:noFill/>
+                    </a:lnL>
+                    <a:lnR>
+                      <a:noFill/>
+                    </a:lnR>
+                    <a:lnT>
+                      <a:noFill/>
+                    </a:lnT>
+                    <a:lnB w="6350" cap="flat" cmpd="sng" algn="ctr">
+                      <a:solidFill>
+                        <a:srgbClr val="000000"/>
+                      </a:solidFill>
+                      <a:prstDash val="solid"/>
+                      <a:round/>
+                      <a:headEnd type="none" w="med" len="med"/>
+                      <a:tailEnd type="none" w="med" len="med"/>
+                    </a:lnB>
+                  </a:tcPr>
+                </a:tc>
+                <a:tc>
+                  <a:txBody>
+                    <a:bodyPr/>
+                    <a:lstStyle/>
+                    <a:p>
+                      <a:pPr algn="ctr" fontAlgn="b"/>
+                      <a:r>
+                        <a:rPr lang="en-US" sz="1100" b="0" i="0" u="none" strike="noStrike">
+                          <a:solidFill>
+                            <a:srgbClr val="000000"/>
+                          </a:solidFill>
+                          <a:effectLst/>
+                          <a:latin typeface="Calibri" panose="020F0502020204030204" pitchFamily="34" charset="0"/>
+                        </a:rPr>
+                        <a:t>Pr(&gt;F)</a:t>
+                      </a:r>
+                    </a:p>
+                  </a:txBody>
+                  <a:tcPr marL="9525" marR="9525" marT="9525" marB="0" anchor="b">
+                    <a:lnL>
+                      <a:noFill/>
+                    </a:lnL>
+                    <a:lnR>
+                      <a:noFill/>
+                    </a:lnR>
+                    <a:lnT>
+                      <a:noFill/>
+                    </a:lnT>
+                    <a:lnB w="6350" cap="flat" cmpd="sng" algn="ctr">
+                      <a:solidFill>
+                        <a:srgbClr val="000000"/>
+                      </a:solidFill>
+                      <a:prstDash val="solid"/>
+                      <a:round/>
+                      <a:headEnd type="none" w="med" len="med"/>
+                      <a:tailEnd type="none" w="med" len="med"/>
+                    </a:lnB>
+                  </a:tcPr>
+                </a:tc>
+                <a:tc>
+                  <a:txBody>
+                    <a:bodyPr/>
+                    <a:lstStyle/>
+                    <a:p>
+                      <a:pPr algn="ctr" fontAlgn="b"/>
+                      <a:endParaRPr lang="en-US" sz="1100" b="0" i="0" u="none" strike="noStrike">
+                        <a:solidFill>
+                          <a:srgbClr val="000000"/>
+                        </a:solidFill>
+                        <a:effectLst/>
+                        <a:latin typeface="Calibri" panose="020F0502020204030204" pitchFamily="34" charset="0"/>
+                      </a:endParaRPr>
+                    </a:p>
+                  </a:txBody>
+                  <a:tcPr marL="9525" marR="9525" marT="9525" marB="0" anchor="b">
+                    <a:lnL>
+                      <a:noFill/>
+                    </a:lnL>
+                    <a:lnR>
+                      <a:noFill/>
+                    </a:lnR>
+                    <a:lnT>
+                      <a:noFill/>
+                    </a:lnT>
+                    <a:lnB>
+                      <a:noFill/>
+                    </a:lnB>
+                  </a:tcPr>
+                </a:tc>
+                <a:extLst>
+                  <a:ext uri="{0D108BD9-81ED-4DB2-BD59-A6C34878D82A}">
+                    <a16:rowId xmlns:a16="http://schemas.microsoft.com/office/drawing/2014/main" val="48678054"/>
+                  </a:ext>
+                </a:extLst>
+              </a:tr>
+              <a:tr h="190500">
+                <a:tc>
+                  <a:txBody>
+                    <a:bodyPr/>
+                    <a:lstStyle/>
+                    <a:p>
+                      <a:pPr algn="r" fontAlgn="b"/>
+                      <a:r>
+                        <a:rPr lang="en-US" sz="1100" b="0" i="0" u="none" strike="noStrike" dirty="0">
+                          <a:solidFill>
+                            <a:srgbClr val="000000"/>
+                          </a:solidFill>
+                          <a:effectLst/>
+                          <a:latin typeface="Calibri" panose="020F0502020204030204" pitchFamily="34" charset="0"/>
+                        </a:rPr>
+                        <a:t>patient</a:t>
+                      </a:r>
+                    </a:p>
+                  </a:txBody>
+                  <a:tcPr marL="9525" marR="9525" marT="9525" marB="0" anchor="b">
+                    <a:lnL>
+                      <a:noFill/>
+                    </a:lnL>
+                    <a:lnR>
+                      <a:noFill/>
+                    </a:lnR>
+                    <a:lnT w="6350" cap="flat" cmpd="sng" algn="ctr">
+                      <a:solidFill>
+                        <a:srgbClr val="000000"/>
+                      </a:solidFill>
+                      <a:prstDash val="solid"/>
+                      <a:round/>
+                      <a:headEnd type="none" w="med" len="med"/>
+                      <a:tailEnd type="none" w="med" len="med"/>
+                    </a:lnT>
+                    <a:lnB>
+                      <a:noFill/>
+                    </a:lnB>
+                  </a:tcPr>
+                </a:tc>
+                <a:tc>
+                  <a:txBody>
+                    <a:bodyPr/>
+                    <a:lstStyle/>
+                    <a:p>
+                      <a:pPr algn="ctr" fontAlgn="b"/>
+                      <a:r>
+                        <a:rPr lang="en-US" sz="1100" b="0" i="0" u="none" strike="noStrike" dirty="0">
+                          <a:solidFill>
+                            <a:srgbClr val="000000"/>
+                          </a:solidFill>
+                          <a:effectLst/>
+                          <a:latin typeface="Calibri" panose="020F0502020204030204" pitchFamily="34" charset="0"/>
+                        </a:rPr>
+                        <a:t>1</a:t>
+                      </a:r>
+                    </a:p>
+                  </a:txBody>
+                  <a:tcPr marL="9525" marR="9525" marT="9525" marB="0" anchor="b">
+                    <a:lnL>
+                      <a:noFill/>
+                    </a:lnL>
+                    <a:lnR>
+                      <a:noFill/>
+                    </a:lnR>
+                    <a:lnT w="6350" cap="flat" cmpd="sng" algn="ctr">
+                      <a:solidFill>
+                        <a:srgbClr val="000000"/>
+                      </a:solidFill>
+                      <a:prstDash val="solid"/>
+                      <a:round/>
+                      <a:headEnd type="none" w="med" len="med"/>
+                      <a:tailEnd type="none" w="med" len="med"/>
+                    </a:lnT>
+                    <a:lnB>
+                      <a:noFill/>
+                    </a:lnB>
+                  </a:tcPr>
+                </a:tc>
+                <a:tc>
+                  <a:txBody>
+                    <a:bodyPr/>
+                    <a:lstStyle/>
+                    <a:p>
+                      <a:pPr algn="ctr" fontAlgn="b"/>
+                      <a:r>
+                        <a:rPr lang="en-US" sz="1100" b="0" i="0" u="none" strike="noStrike">
+                          <a:solidFill>
+                            <a:srgbClr val="000000"/>
+                          </a:solidFill>
+                          <a:effectLst/>
+                          <a:latin typeface="Calibri" panose="020F0502020204030204" pitchFamily="34" charset="0"/>
+                        </a:rPr>
+                        <a:t>0.758</a:t>
+                      </a:r>
+                    </a:p>
+                  </a:txBody>
+                  <a:tcPr marL="9525" marR="9525" marT="9525" marB="0" anchor="b">
+                    <a:lnL>
+                      <a:noFill/>
+                    </a:lnL>
+                    <a:lnR>
+                      <a:noFill/>
+                    </a:lnR>
+                    <a:lnT w="6350" cap="flat" cmpd="sng" algn="ctr">
+                      <a:solidFill>
+                        <a:srgbClr val="000000"/>
+                      </a:solidFill>
+                      <a:prstDash val="solid"/>
+                      <a:round/>
+                      <a:headEnd type="none" w="med" len="med"/>
+                      <a:tailEnd type="none" w="med" len="med"/>
+                    </a:lnT>
+                    <a:lnB>
+                      <a:noFill/>
+                    </a:lnB>
+                  </a:tcPr>
+                </a:tc>
+                <a:tc>
+                  <a:txBody>
+                    <a:bodyPr/>
+                    <a:lstStyle/>
+                    <a:p>
+                      <a:pPr algn="ctr" fontAlgn="b"/>
+                      <a:r>
+                        <a:rPr lang="en-US" sz="1100" b="0" i="0" u="none" strike="noStrike">
+                          <a:solidFill>
+                            <a:srgbClr val="000000"/>
+                          </a:solidFill>
+                          <a:effectLst/>
+                          <a:latin typeface="Calibri" panose="020F0502020204030204" pitchFamily="34" charset="0"/>
+                        </a:rPr>
+                        <a:t>0.00997</a:t>
+                      </a:r>
+                    </a:p>
+                  </a:txBody>
+                  <a:tcPr marL="9525" marR="9525" marT="9525" marB="0" anchor="b">
+                    <a:lnL>
+                      <a:noFill/>
+                    </a:lnL>
+                    <a:lnR>
+                      <a:noFill/>
+                    </a:lnR>
+                    <a:lnT w="6350" cap="flat" cmpd="sng" algn="ctr">
+                      <a:solidFill>
+                        <a:srgbClr val="000000"/>
+                      </a:solidFill>
+                      <a:prstDash val="solid"/>
+                      <a:round/>
+                      <a:headEnd type="none" w="med" len="med"/>
+                      <a:tailEnd type="none" w="med" len="med"/>
+                    </a:lnT>
+                    <a:lnB>
+                      <a:noFill/>
+                    </a:lnB>
+                  </a:tcPr>
+                </a:tc>
+                <a:tc>
+                  <a:txBody>
+                    <a:bodyPr/>
+                    <a:lstStyle/>
+                    <a:p>
+                      <a:pPr algn="ctr" fontAlgn="b"/>
+                      <a:r>
+                        <a:rPr lang="en-US" sz="1100" b="0" i="0" u="none" strike="noStrike">
+                          <a:solidFill>
+                            <a:srgbClr val="000000"/>
+                          </a:solidFill>
+                          <a:effectLst/>
+                          <a:latin typeface="Calibri" panose="020F0502020204030204" pitchFamily="34" charset="0"/>
+                        </a:rPr>
+                        <a:t>1.6284</a:t>
+                      </a:r>
+                    </a:p>
+                  </a:txBody>
+                  <a:tcPr marL="9525" marR="9525" marT="9525" marB="0" anchor="b">
+                    <a:lnL>
+                      <a:noFill/>
+                    </a:lnL>
+                    <a:lnR>
+                      <a:noFill/>
+                    </a:lnR>
+                    <a:lnT w="6350" cap="flat" cmpd="sng" algn="ctr">
+                      <a:solidFill>
+                        <a:srgbClr val="000000"/>
+                      </a:solidFill>
+                      <a:prstDash val="solid"/>
+                      <a:round/>
+                      <a:headEnd type="none" w="med" len="med"/>
+                      <a:tailEnd type="none" w="med" len="med"/>
+                    </a:lnT>
+                    <a:lnB>
+                      <a:noFill/>
+                    </a:lnB>
+                  </a:tcPr>
+                </a:tc>
+                <a:tc>
+                  <a:txBody>
+                    <a:bodyPr/>
+                    <a:lstStyle/>
+                    <a:p>
+                      <a:pPr algn="ctr" fontAlgn="b"/>
+                      <a:r>
+                        <a:rPr lang="en-US" sz="1100" b="0" i="0" u="none" strike="noStrike">
+                          <a:solidFill>
+                            <a:srgbClr val="000000"/>
+                          </a:solidFill>
+                          <a:effectLst/>
+                          <a:latin typeface="Calibri" panose="020F0502020204030204" pitchFamily="34" charset="0"/>
+                        </a:rPr>
+                        <a:t>0.001</a:t>
+                      </a:r>
+                    </a:p>
+                  </a:txBody>
+                  <a:tcPr marL="9525" marR="9525" marT="9525" marB="0" anchor="b">
+                    <a:lnL>
+                      <a:noFill/>
+                    </a:lnL>
+                    <a:lnR>
+                      <a:noFill/>
+                    </a:lnR>
+                    <a:lnT w="6350" cap="flat" cmpd="sng" algn="ctr">
+                      <a:solidFill>
+                        <a:srgbClr val="000000"/>
+                      </a:solidFill>
+                      <a:prstDash val="solid"/>
+                      <a:round/>
+                      <a:headEnd type="none" w="med" len="med"/>
+                      <a:tailEnd type="none" w="med" len="med"/>
+                    </a:lnT>
+                    <a:lnB>
+                      <a:noFill/>
+                    </a:lnB>
+                  </a:tcPr>
+                </a:tc>
+                <a:tc>
+                  <a:txBody>
+                    <a:bodyPr/>
+                    <a:lstStyle/>
+                    <a:p>
+                      <a:pPr algn="ctr" fontAlgn="b"/>
+                      <a:r>
+                        <a:rPr lang="en-US" sz="1100" b="0" i="0" u="none" strike="noStrike">
+                          <a:solidFill>
+                            <a:srgbClr val="000000"/>
+                          </a:solidFill>
+                          <a:effectLst/>
+                          <a:latin typeface="Calibri" panose="020F0502020204030204" pitchFamily="34" charset="0"/>
+                        </a:rPr>
+                        <a:t>***</a:t>
+                      </a:r>
+                    </a:p>
+                  </a:txBody>
+                  <a:tcPr marL="9525" marR="9525" marT="9525" marB="0" anchor="b">
+                    <a:lnL>
+                      <a:noFill/>
+                    </a:lnL>
+                    <a:lnR>
+                      <a:noFill/>
+                    </a:lnR>
+                    <a:lnT>
+                      <a:noFill/>
+                    </a:lnT>
+                    <a:lnB>
+                      <a:noFill/>
+                    </a:lnB>
+                  </a:tcPr>
+                </a:tc>
+                <a:extLst>
+                  <a:ext uri="{0D108BD9-81ED-4DB2-BD59-A6C34878D82A}">
+                    <a16:rowId xmlns:a16="http://schemas.microsoft.com/office/drawing/2014/main" val="3952955279"/>
+                  </a:ext>
+                </a:extLst>
+              </a:tr>
+              <a:tr h="190500">
+                <a:tc>
+                  <a:txBody>
+                    <a:bodyPr/>
+                    <a:lstStyle/>
+                    <a:p>
+                      <a:pPr algn="r" fontAlgn="b"/>
+                      <a:r>
+                        <a:rPr lang="en-US" sz="1100" b="0" i="0" u="none" strike="noStrike">
+                          <a:solidFill>
+                            <a:srgbClr val="000000"/>
+                          </a:solidFill>
+                          <a:effectLst/>
+                          <a:latin typeface="Calibri" panose="020F0502020204030204" pitchFamily="34" charset="0"/>
+                        </a:rPr>
+                        <a:t>disease</a:t>
+                      </a:r>
+                    </a:p>
+                  </a:txBody>
+                  <a:tcPr marL="9525" marR="9525" marT="9525" marB="0" anchor="b">
+                    <a:lnL>
+                      <a:noFill/>
+                    </a:lnL>
+                    <a:lnR>
+                      <a:noFill/>
+                    </a:lnR>
+                    <a:lnT>
+                      <a:noFill/>
+                    </a:lnT>
+                    <a:lnB>
+                      <a:noFill/>
+                    </a:lnB>
+                  </a:tcPr>
+                </a:tc>
+                <a:tc>
+                  <a:txBody>
+                    <a:bodyPr/>
+                    <a:lstStyle/>
+                    <a:p>
+                      <a:pPr algn="ctr" fontAlgn="b"/>
+                      <a:r>
+                        <a:rPr lang="en-US" sz="1100" b="0" i="0" u="none" strike="noStrike">
+                          <a:solidFill>
+                            <a:srgbClr val="000000"/>
+                          </a:solidFill>
+                          <a:effectLst/>
+                          <a:latin typeface="Calibri" panose="020F0502020204030204" pitchFamily="34" charset="0"/>
+                        </a:rPr>
+                        <a:t>1</a:t>
+                      </a:r>
+                    </a:p>
+                  </a:txBody>
+                  <a:tcPr marL="9525" marR="9525" marT="9525" marB="0" anchor="b">
+                    <a:lnL>
+                      <a:noFill/>
+                    </a:lnL>
+                    <a:lnR>
+                      <a:noFill/>
+                    </a:lnR>
+                    <a:lnT>
+                      <a:noFill/>
+                    </a:lnT>
+                    <a:lnB>
+                      <a:noFill/>
+                    </a:lnB>
+                  </a:tcPr>
+                </a:tc>
+                <a:tc>
+                  <a:txBody>
+                    <a:bodyPr/>
+                    <a:lstStyle/>
+                    <a:p>
+                      <a:pPr algn="ctr" fontAlgn="b"/>
+                      <a:r>
+                        <a:rPr lang="en-US" sz="1100" b="0" i="0" u="none" strike="noStrike">
+                          <a:solidFill>
+                            <a:srgbClr val="000000"/>
+                          </a:solidFill>
+                          <a:effectLst/>
+                          <a:latin typeface="Calibri" panose="020F0502020204030204" pitchFamily="34" charset="0"/>
+                        </a:rPr>
+                        <a:t>0.643</a:t>
+                      </a:r>
+                    </a:p>
+                  </a:txBody>
+                  <a:tcPr marL="9525" marR="9525" marT="9525" marB="0" anchor="b">
+                    <a:lnL>
+                      <a:noFill/>
+                    </a:lnL>
+                    <a:lnR>
+                      <a:noFill/>
+                    </a:lnR>
+                    <a:lnT>
+                      <a:noFill/>
+                    </a:lnT>
+                    <a:lnB>
+                      <a:noFill/>
+                    </a:lnB>
+                  </a:tcPr>
+                </a:tc>
+                <a:tc>
+                  <a:txBody>
+                    <a:bodyPr/>
+                    <a:lstStyle/>
+                    <a:p>
+                      <a:pPr algn="ctr" fontAlgn="b"/>
+                      <a:r>
+                        <a:rPr lang="en-US" sz="1100" b="0" i="0" u="none" strike="noStrike">
+                          <a:solidFill>
+                            <a:srgbClr val="000000"/>
+                          </a:solidFill>
+                          <a:effectLst/>
+                          <a:latin typeface="Calibri" panose="020F0502020204030204" pitchFamily="34" charset="0"/>
+                        </a:rPr>
+                        <a:t>0.00846</a:t>
+                      </a:r>
+                    </a:p>
+                  </a:txBody>
+                  <a:tcPr marL="9525" marR="9525" marT="9525" marB="0" anchor="b">
+                    <a:lnL>
+                      <a:noFill/>
+                    </a:lnL>
+                    <a:lnR>
+                      <a:noFill/>
+                    </a:lnR>
+                    <a:lnT>
+                      <a:noFill/>
+                    </a:lnT>
+                    <a:lnB>
+                      <a:noFill/>
+                    </a:lnB>
+                  </a:tcPr>
+                </a:tc>
+                <a:tc>
+                  <a:txBody>
+                    <a:bodyPr/>
+                    <a:lstStyle/>
+                    <a:p>
+                      <a:pPr algn="ctr" fontAlgn="b"/>
+                      <a:r>
+                        <a:rPr lang="en-US" sz="1100" b="0" i="0" u="none" strike="noStrike">
+                          <a:solidFill>
+                            <a:srgbClr val="000000"/>
+                          </a:solidFill>
+                          <a:effectLst/>
+                          <a:latin typeface="Calibri" panose="020F0502020204030204" pitchFamily="34" charset="0"/>
+                        </a:rPr>
+                        <a:t>1.3816</a:t>
+                      </a:r>
+                    </a:p>
+                  </a:txBody>
+                  <a:tcPr marL="9525" marR="9525" marT="9525" marB="0" anchor="b">
+                    <a:lnL>
+                      <a:noFill/>
+                    </a:lnL>
+                    <a:lnR>
+                      <a:noFill/>
+                    </a:lnR>
+                    <a:lnT>
+                      <a:noFill/>
+                    </a:lnT>
+                    <a:lnB>
+                      <a:noFill/>
+                    </a:lnB>
+                  </a:tcPr>
+                </a:tc>
+                <a:tc>
+                  <a:txBody>
+                    <a:bodyPr/>
+                    <a:lstStyle/>
+                    <a:p>
+                      <a:pPr algn="ctr" fontAlgn="b"/>
+                      <a:r>
+                        <a:rPr lang="en-US" sz="1100" b="0" i="0" u="none" strike="noStrike">
+                          <a:solidFill>
+                            <a:srgbClr val="000000"/>
+                          </a:solidFill>
+                          <a:effectLst/>
+                          <a:latin typeface="Calibri" panose="020F0502020204030204" pitchFamily="34" charset="0"/>
+                        </a:rPr>
+                        <a:t>0.0076</a:t>
+                      </a:r>
+                    </a:p>
+                  </a:txBody>
+                  <a:tcPr marL="9525" marR="9525" marT="9525" marB="0" anchor="b">
+                    <a:lnL>
+                      <a:noFill/>
+                    </a:lnL>
+                    <a:lnR>
+                      <a:noFill/>
+                    </a:lnR>
+                    <a:lnT>
+                      <a:noFill/>
+                    </a:lnT>
+                    <a:lnB>
+                      <a:noFill/>
+                    </a:lnB>
+                  </a:tcPr>
+                </a:tc>
+                <a:tc>
+                  <a:txBody>
+                    <a:bodyPr/>
+                    <a:lstStyle/>
+                    <a:p>
+                      <a:pPr algn="ctr" fontAlgn="b"/>
+                      <a:r>
+                        <a:rPr lang="en-US" sz="1100" b="0" i="0" u="none" strike="noStrike">
+                          <a:solidFill>
+                            <a:srgbClr val="000000"/>
+                          </a:solidFill>
+                          <a:effectLst/>
+                          <a:latin typeface="Calibri" panose="020F0502020204030204" pitchFamily="34" charset="0"/>
+                        </a:rPr>
+                        <a:t>**</a:t>
+                      </a:r>
+                    </a:p>
+                  </a:txBody>
+                  <a:tcPr marL="9525" marR="9525" marT="9525" marB="0" anchor="b">
+                    <a:lnL>
+                      <a:noFill/>
+                    </a:lnL>
+                    <a:lnR>
+                      <a:noFill/>
+                    </a:lnR>
+                    <a:lnT>
+                      <a:noFill/>
+                    </a:lnT>
+                    <a:lnB>
+                      <a:noFill/>
+                    </a:lnB>
+                  </a:tcPr>
+                </a:tc>
+                <a:extLst>
+                  <a:ext uri="{0D108BD9-81ED-4DB2-BD59-A6C34878D82A}">
+                    <a16:rowId xmlns:a16="http://schemas.microsoft.com/office/drawing/2014/main" val="1319303559"/>
+                  </a:ext>
+                </a:extLst>
+              </a:tr>
+              <a:tr h="190500">
+                <a:tc>
+                  <a:txBody>
+                    <a:bodyPr/>
+                    <a:lstStyle/>
+                    <a:p>
+                      <a:pPr algn="r" fontAlgn="b"/>
+                      <a:r>
+                        <a:rPr lang="en-US" sz="1100" b="0" i="0" u="none" strike="noStrike" dirty="0" err="1">
+                          <a:solidFill>
+                            <a:srgbClr val="000000"/>
+                          </a:solidFill>
+                          <a:effectLst/>
+                          <a:latin typeface="Calibri" panose="020F0502020204030204" pitchFamily="34" charset="0"/>
+                        </a:rPr>
+                        <a:t>SampleType</a:t>
+                      </a:r>
+                      <a:endParaRPr lang="en-US" sz="1100" b="0" i="0" u="none" strike="noStrike" dirty="0">
+                        <a:solidFill>
+                          <a:srgbClr val="000000"/>
+                        </a:solidFill>
+                        <a:effectLst/>
+                        <a:latin typeface="Calibri" panose="020F0502020204030204" pitchFamily="34" charset="0"/>
+                      </a:endParaRPr>
+                    </a:p>
+                  </a:txBody>
+                  <a:tcPr marL="9525" marR="9525" marT="9525" marB="0" anchor="b">
+                    <a:lnL>
+                      <a:noFill/>
+                    </a:lnL>
+                    <a:lnR>
+                      <a:noFill/>
+                    </a:lnR>
+                    <a:lnT>
+                      <a:noFill/>
+                    </a:lnT>
+                    <a:lnB>
+                      <a:noFill/>
+                    </a:lnB>
+                  </a:tcPr>
+                </a:tc>
+                <a:tc>
+                  <a:txBody>
+                    <a:bodyPr/>
+                    <a:lstStyle/>
+                    <a:p>
+                      <a:pPr algn="ctr" fontAlgn="b"/>
+                      <a:r>
+                        <a:rPr lang="en-US" sz="1100" b="0" i="0" u="none" strike="noStrike">
+                          <a:solidFill>
+                            <a:srgbClr val="000000"/>
+                          </a:solidFill>
+                          <a:effectLst/>
+                          <a:latin typeface="Calibri" panose="020F0502020204030204" pitchFamily="34" charset="0"/>
+                        </a:rPr>
+                        <a:t>1</a:t>
+                      </a:r>
+                    </a:p>
+                  </a:txBody>
+                  <a:tcPr marL="9525" marR="9525" marT="9525" marB="0" anchor="b">
+                    <a:lnL>
+                      <a:noFill/>
+                    </a:lnL>
+                    <a:lnR>
+                      <a:noFill/>
+                    </a:lnR>
+                    <a:lnT>
+                      <a:noFill/>
+                    </a:lnT>
+                    <a:lnB>
+                      <a:noFill/>
+                    </a:lnB>
+                  </a:tcPr>
+                </a:tc>
+                <a:tc>
+                  <a:txBody>
+                    <a:bodyPr/>
+                    <a:lstStyle/>
+                    <a:p>
+                      <a:pPr algn="ctr" fontAlgn="b"/>
+                      <a:r>
+                        <a:rPr lang="en-US" sz="1100" b="0" i="0" u="none" strike="noStrike" dirty="0">
+                          <a:solidFill>
+                            <a:srgbClr val="000000"/>
+                          </a:solidFill>
+                          <a:effectLst/>
+                          <a:latin typeface="Calibri" panose="020F0502020204030204" pitchFamily="34" charset="0"/>
+                        </a:rPr>
+                        <a:t>1.955</a:t>
+                      </a:r>
+                    </a:p>
+                  </a:txBody>
+                  <a:tcPr marL="9525" marR="9525" marT="9525" marB="0" anchor="b">
+                    <a:lnL>
+                      <a:noFill/>
+                    </a:lnL>
+                    <a:lnR>
+                      <a:noFill/>
+                    </a:lnR>
+                    <a:lnT>
+                      <a:noFill/>
+                    </a:lnT>
+                    <a:lnB>
+                      <a:noFill/>
+                    </a:lnB>
+                  </a:tcPr>
+                </a:tc>
+                <a:tc>
+                  <a:txBody>
+                    <a:bodyPr/>
+                    <a:lstStyle/>
+                    <a:p>
+                      <a:pPr algn="ctr" fontAlgn="b"/>
+                      <a:r>
+                        <a:rPr lang="en-US" sz="1100" b="0" i="0" u="none" strike="noStrike">
+                          <a:solidFill>
+                            <a:srgbClr val="000000"/>
+                          </a:solidFill>
+                          <a:effectLst/>
+                          <a:latin typeface="Calibri" panose="020F0502020204030204" pitchFamily="34" charset="0"/>
+                        </a:rPr>
+                        <a:t>0.02572</a:t>
+                      </a:r>
+                    </a:p>
+                  </a:txBody>
+                  <a:tcPr marL="9525" marR="9525" marT="9525" marB="0" anchor="b">
+                    <a:lnL>
+                      <a:noFill/>
+                    </a:lnL>
+                    <a:lnR>
+                      <a:noFill/>
+                    </a:lnR>
+                    <a:lnT>
+                      <a:noFill/>
+                    </a:lnT>
+                    <a:lnB>
+                      <a:noFill/>
+                    </a:lnB>
+                  </a:tcPr>
+                </a:tc>
+                <a:tc>
+                  <a:txBody>
+                    <a:bodyPr/>
+                    <a:lstStyle/>
+                    <a:p>
+                      <a:pPr algn="ctr" fontAlgn="b"/>
+                      <a:r>
+                        <a:rPr lang="en-US" sz="1100" b="0" i="0" u="none" strike="noStrike">
+                          <a:solidFill>
+                            <a:srgbClr val="000000"/>
+                          </a:solidFill>
+                          <a:effectLst/>
+                          <a:latin typeface="Calibri" panose="020F0502020204030204" pitchFamily="34" charset="0"/>
+                        </a:rPr>
+                        <a:t>4.2013</a:t>
+                      </a:r>
+                    </a:p>
+                  </a:txBody>
+                  <a:tcPr marL="9525" marR="9525" marT="9525" marB="0" anchor="b">
+                    <a:lnL>
+                      <a:noFill/>
+                    </a:lnL>
+                    <a:lnR>
+                      <a:noFill/>
+                    </a:lnR>
+                    <a:lnT>
+                      <a:noFill/>
+                    </a:lnT>
+                    <a:lnB>
+                      <a:noFill/>
+                    </a:lnB>
+                  </a:tcPr>
+                </a:tc>
+                <a:tc>
+                  <a:txBody>
+                    <a:bodyPr/>
+                    <a:lstStyle/>
+                    <a:p>
+                      <a:pPr algn="ctr" fontAlgn="b"/>
+                      <a:r>
+                        <a:rPr lang="en-US" sz="1100" b="0" i="0" u="none" strike="noStrike">
+                          <a:solidFill>
+                            <a:srgbClr val="000000"/>
+                          </a:solidFill>
+                          <a:effectLst/>
+                          <a:latin typeface="Calibri" panose="020F0502020204030204" pitchFamily="34" charset="0"/>
+                        </a:rPr>
+                        <a:t>0.0001</a:t>
+                      </a:r>
+                    </a:p>
+                  </a:txBody>
+                  <a:tcPr marL="9525" marR="9525" marT="9525" marB="0" anchor="b">
+                    <a:lnL>
+                      <a:noFill/>
+                    </a:lnL>
+                    <a:lnR>
+                      <a:noFill/>
+                    </a:lnR>
+                    <a:lnT>
+                      <a:noFill/>
+                    </a:lnT>
+                    <a:lnB>
+                      <a:noFill/>
+                    </a:lnB>
+                  </a:tcPr>
+                </a:tc>
+                <a:tc>
+                  <a:txBody>
+                    <a:bodyPr/>
+                    <a:lstStyle/>
+                    <a:p>
+                      <a:pPr algn="ctr" fontAlgn="b"/>
+                      <a:r>
+                        <a:rPr lang="en-US" sz="1100" b="0" i="0" u="none" strike="noStrike">
+                          <a:solidFill>
+                            <a:srgbClr val="000000"/>
+                          </a:solidFill>
+                          <a:effectLst/>
+                          <a:latin typeface="Calibri" panose="020F0502020204030204" pitchFamily="34" charset="0"/>
+                        </a:rPr>
+                        <a:t>***</a:t>
+                      </a:r>
+                    </a:p>
+                  </a:txBody>
+                  <a:tcPr marL="9525" marR="9525" marT="9525" marB="0" anchor="b">
+                    <a:lnL>
+                      <a:noFill/>
+                    </a:lnL>
+                    <a:lnR>
+                      <a:noFill/>
+                    </a:lnR>
+                    <a:lnT>
+                      <a:noFill/>
+                    </a:lnT>
+                    <a:lnB>
+                      <a:noFill/>
+                    </a:lnB>
+                  </a:tcPr>
+                </a:tc>
+                <a:extLst>
+                  <a:ext uri="{0D108BD9-81ED-4DB2-BD59-A6C34878D82A}">
+                    <a16:rowId xmlns:a16="http://schemas.microsoft.com/office/drawing/2014/main" val="2243398740"/>
+                  </a:ext>
+                </a:extLst>
+              </a:tr>
+              <a:tr h="190500">
+                <a:tc>
+                  <a:txBody>
+                    <a:bodyPr/>
+                    <a:lstStyle/>
+                    <a:p>
+                      <a:pPr algn="r" fontAlgn="b"/>
+                      <a:r>
+                        <a:rPr lang="en-US" sz="1100" b="0" i="0" u="none" strike="noStrike">
+                          <a:solidFill>
+                            <a:srgbClr val="000000"/>
+                          </a:solidFill>
+                          <a:effectLst/>
+                          <a:latin typeface="Calibri" panose="020F0502020204030204" pitchFamily="34" charset="0"/>
+                        </a:rPr>
+                        <a:t>Delivery</a:t>
+                      </a:r>
+                    </a:p>
+                  </a:txBody>
+                  <a:tcPr marL="9525" marR="9525" marT="9525" marB="0" anchor="b">
+                    <a:lnL>
+                      <a:noFill/>
+                    </a:lnL>
+                    <a:lnR>
+                      <a:noFill/>
+                    </a:lnR>
+                    <a:lnT>
+                      <a:noFill/>
+                    </a:lnT>
+                    <a:lnB>
+                      <a:noFill/>
+                    </a:lnB>
+                  </a:tcPr>
+                </a:tc>
+                <a:tc>
+                  <a:txBody>
+                    <a:bodyPr/>
+                    <a:lstStyle/>
+                    <a:p>
+                      <a:pPr algn="ctr" fontAlgn="b"/>
+                      <a:r>
+                        <a:rPr lang="en-US" sz="1100" b="0" i="0" u="none" strike="noStrike" dirty="0">
+                          <a:solidFill>
+                            <a:srgbClr val="000000"/>
+                          </a:solidFill>
+                          <a:effectLst/>
+                          <a:latin typeface="Calibri" panose="020F0502020204030204" pitchFamily="34" charset="0"/>
+                        </a:rPr>
+                        <a:t>1</a:t>
+                      </a:r>
+                    </a:p>
+                  </a:txBody>
+                  <a:tcPr marL="9525" marR="9525" marT="9525" marB="0" anchor="b">
+                    <a:lnL>
+                      <a:noFill/>
+                    </a:lnL>
+                    <a:lnR>
+                      <a:noFill/>
+                    </a:lnR>
+                    <a:lnT>
+                      <a:noFill/>
+                    </a:lnT>
+                    <a:lnB>
+                      <a:noFill/>
+                    </a:lnB>
+                  </a:tcPr>
+                </a:tc>
+                <a:tc>
+                  <a:txBody>
+                    <a:bodyPr/>
+                    <a:lstStyle/>
+                    <a:p>
+                      <a:pPr algn="ctr" fontAlgn="b"/>
+                      <a:r>
+                        <a:rPr lang="en-US" sz="1100" b="0" i="0" u="none" strike="noStrike">
+                          <a:solidFill>
+                            <a:srgbClr val="000000"/>
+                          </a:solidFill>
+                          <a:effectLst/>
+                          <a:latin typeface="Calibri" panose="020F0502020204030204" pitchFamily="34" charset="0"/>
+                        </a:rPr>
+                        <a:t>0.971</a:t>
+                      </a:r>
+                    </a:p>
+                  </a:txBody>
+                  <a:tcPr marL="9525" marR="9525" marT="9525" marB="0" anchor="b">
+                    <a:lnL>
+                      <a:noFill/>
+                    </a:lnL>
+                    <a:lnR>
+                      <a:noFill/>
+                    </a:lnR>
+                    <a:lnT>
+                      <a:noFill/>
+                    </a:lnT>
+                    <a:lnB>
+                      <a:noFill/>
+                    </a:lnB>
+                  </a:tcPr>
+                </a:tc>
+                <a:tc>
+                  <a:txBody>
+                    <a:bodyPr/>
+                    <a:lstStyle/>
+                    <a:p>
+                      <a:pPr algn="ctr" fontAlgn="b"/>
+                      <a:r>
+                        <a:rPr lang="en-US" sz="1100" b="0" i="0" u="none" strike="noStrike">
+                          <a:solidFill>
+                            <a:srgbClr val="000000"/>
+                          </a:solidFill>
+                          <a:effectLst/>
+                          <a:latin typeface="Calibri" panose="020F0502020204030204" pitchFamily="34" charset="0"/>
+                        </a:rPr>
+                        <a:t>0.01277</a:t>
+                      </a:r>
+                    </a:p>
+                  </a:txBody>
+                  <a:tcPr marL="9525" marR="9525" marT="9525" marB="0" anchor="b">
+                    <a:lnL>
+                      <a:noFill/>
+                    </a:lnL>
+                    <a:lnR>
+                      <a:noFill/>
+                    </a:lnR>
+                    <a:lnT>
+                      <a:noFill/>
+                    </a:lnT>
+                    <a:lnB>
+                      <a:noFill/>
+                    </a:lnB>
+                  </a:tcPr>
+                </a:tc>
+                <a:tc>
+                  <a:txBody>
+                    <a:bodyPr/>
+                    <a:lstStyle/>
+                    <a:p>
+                      <a:pPr algn="ctr" fontAlgn="b"/>
+                      <a:r>
+                        <a:rPr lang="en-US" sz="1100" b="0" i="0" u="none" strike="noStrike" dirty="0">
+                          <a:solidFill>
+                            <a:srgbClr val="000000"/>
+                          </a:solidFill>
+                          <a:effectLst/>
+                          <a:latin typeface="Calibri" panose="020F0502020204030204" pitchFamily="34" charset="0"/>
+                        </a:rPr>
+                        <a:t>2.0858</a:t>
+                      </a:r>
+                    </a:p>
+                  </a:txBody>
+                  <a:tcPr marL="9525" marR="9525" marT="9525" marB="0" anchor="b">
+                    <a:lnL>
+                      <a:noFill/>
+                    </a:lnL>
+                    <a:lnR>
+                      <a:noFill/>
+                    </a:lnR>
+                    <a:lnT>
+                      <a:noFill/>
+                    </a:lnT>
+                    <a:lnB>
+                      <a:noFill/>
+                    </a:lnB>
+                  </a:tcPr>
+                </a:tc>
+                <a:tc>
+                  <a:txBody>
+                    <a:bodyPr/>
+                    <a:lstStyle/>
+                    <a:p>
+                      <a:pPr algn="ctr" fontAlgn="b"/>
+                      <a:r>
+                        <a:rPr lang="en-US" sz="1100" b="0" i="0" u="none" strike="noStrike">
+                          <a:solidFill>
+                            <a:srgbClr val="000000"/>
+                          </a:solidFill>
+                          <a:effectLst/>
+                          <a:latin typeface="Calibri" panose="020F0502020204030204" pitchFamily="34" charset="0"/>
+                        </a:rPr>
+                        <a:t>0.0001</a:t>
+                      </a:r>
+                    </a:p>
+                  </a:txBody>
+                  <a:tcPr marL="9525" marR="9525" marT="9525" marB="0" anchor="b">
+                    <a:lnL>
+                      <a:noFill/>
+                    </a:lnL>
+                    <a:lnR>
+                      <a:noFill/>
+                    </a:lnR>
+                    <a:lnT>
+                      <a:noFill/>
+                    </a:lnT>
+                    <a:lnB>
+                      <a:noFill/>
+                    </a:lnB>
+                  </a:tcPr>
+                </a:tc>
+                <a:tc>
+                  <a:txBody>
+                    <a:bodyPr/>
+                    <a:lstStyle/>
+                    <a:p>
+                      <a:pPr algn="ctr" fontAlgn="b"/>
+                      <a:r>
+                        <a:rPr lang="en-US" sz="1100" b="0" i="0" u="none" strike="noStrike">
+                          <a:solidFill>
+                            <a:srgbClr val="000000"/>
+                          </a:solidFill>
+                          <a:effectLst/>
+                          <a:latin typeface="Calibri" panose="020F0502020204030204" pitchFamily="34" charset="0"/>
+                        </a:rPr>
+                        <a:t>***</a:t>
+                      </a:r>
+                    </a:p>
+                  </a:txBody>
+                  <a:tcPr marL="9525" marR="9525" marT="9525" marB="0" anchor="b">
+                    <a:lnL>
+                      <a:noFill/>
+                    </a:lnL>
+                    <a:lnR>
+                      <a:noFill/>
+                    </a:lnR>
+                    <a:lnT>
+                      <a:noFill/>
+                    </a:lnT>
+                    <a:lnB>
+                      <a:noFill/>
+                    </a:lnB>
+                  </a:tcPr>
+                </a:tc>
+                <a:extLst>
+                  <a:ext uri="{0D108BD9-81ED-4DB2-BD59-A6C34878D82A}">
+                    <a16:rowId xmlns:a16="http://schemas.microsoft.com/office/drawing/2014/main" val="1638019361"/>
+                  </a:ext>
+                </a:extLst>
+              </a:tr>
+              <a:tr h="190500">
+                <a:tc>
+                  <a:txBody>
+                    <a:bodyPr/>
+                    <a:lstStyle/>
+                    <a:p>
+                      <a:pPr algn="r" fontAlgn="b"/>
+                      <a:r>
+                        <a:rPr lang="en-US" sz="1100" b="0" i="0" u="none" strike="noStrike" dirty="0">
+                          <a:solidFill>
+                            <a:srgbClr val="000000"/>
+                          </a:solidFill>
+                          <a:effectLst/>
+                          <a:latin typeface="Calibri" panose="020F0502020204030204" pitchFamily="34" charset="0"/>
+                        </a:rPr>
+                        <a:t>HbA1C_1trym_2</a:t>
+                      </a:r>
+                    </a:p>
+                  </a:txBody>
+                  <a:tcPr marL="9525" marR="9525" marT="9525" marB="0" anchor="b">
+                    <a:lnL>
+                      <a:noFill/>
+                    </a:lnL>
+                    <a:lnR>
+                      <a:noFill/>
+                    </a:lnR>
+                    <a:lnT>
+                      <a:noFill/>
+                    </a:lnT>
+                    <a:lnB>
+                      <a:noFill/>
+                    </a:lnB>
+                  </a:tcPr>
+                </a:tc>
+                <a:tc>
+                  <a:txBody>
+                    <a:bodyPr/>
+                    <a:lstStyle/>
+                    <a:p>
+                      <a:pPr algn="ctr" fontAlgn="b"/>
+                      <a:r>
+                        <a:rPr lang="en-US" sz="1100" b="0" i="0" u="none" strike="noStrike">
+                          <a:solidFill>
+                            <a:srgbClr val="000000"/>
+                          </a:solidFill>
+                          <a:effectLst/>
+                          <a:latin typeface="Calibri" panose="020F0502020204030204" pitchFamily="34" charset="0"/>
+                        </a:rPr>
+                        <a:t>1</a:t>
+                      </a:r>
+                    </a:p>
+                  </a:txBody>
+                  <a:tcPr marL="9525" marR="9525" marT="9525" marB="0" anchor="b">
+                    <a:lnL>
+                      <a:noFill/>
+                    </a:lnL>
+                    <a:lnR>
+                      <a:noFill/>
+                    </a:lnR>
+                    <a:lnT>
+                      <a:noFill/>
+                    </a:lnT>
+                    <a:lnB>
+                      <a:noFill/>
+                    </a:lnB>
+                  </a:tcPr>
+                </a:tc>
+                <a:tc>
+                  <a:txBody>
+                    <a:bodyPr/>
+                    <a:lstStyle/>
+                    <a:p>
+                      <a:pPr algn="ctr" fontAlgn="b"/>
+                      <a:r>
+                        <a:rPr lang="en-US" sz="1100" b="0" i="0" u="none" strike="noStrike" dirty="0">
+                          <a:solidFill>
+                            <a:srgbClr val="000000"/>
+                          </a:solidFill>
+                          <a:effectLst/>
+                          <a:latin typeface="Calibri" panose="020F0502020204030204" pitchFamily="34" charset="0"/>
+                        </a:rPr>
+                        <a:t>0.476</a:t>
+                      </a:r>
+                    </a:p>
+                  </a:txBody>
+                  <a:tcPr marL="9525" marR="9525" marT="9525" marB="0" anchor="b">
+                    <a:lnL>
+                      <a:noFill/>
+                    </a:lnL>
+                    <a:lnR>
+                      <a:noFill/>
+                    </a:lnR>
+                    <a:lnT>
+                      <a:noFill/>
+                    </a:lnT>
+                    <a:lnB>
+                      <a:noFill/>
+                    </a:lnB>
+                  </a:tcPr>
+                </a:tc>
+                <a:tc>
+                  <a:txBody>
+                    <a:bodyPr/>
+                    <a:lstStyle/>
+                    <a:p>
+                      <a:pPr algn="ctr" fontAlgn="b"/>
+                      <a:r>
+                        <a:rPr lang="en-US" sz="1100" b="0" i="0" u="none" strike="noStrike">
+                          <a:solidFill>
+                            <a:srgbClr val="000000"/>
+                          </a:solidFill>
+                          <a:effectLst/>
+                          <a:latin typeface="Calibri" panose="020F0502020204030204" pitchFamily="34" charset="0"/>
+                        </a:rPr>
+                        <a:t>0.00626</a:t>
+                      </a:r>
+                    </a:p>
+                  </a:txBody>
+                  <a:tcPr marL="9525" marR="9525" marT="9525" marB="0" anchor="b">
+                    <a:lnL>
+                      <a:noFill/>
+                    </a:lnL>
+                    <a:lnR>
+                      <a:noFill/>
+                    </a:lnR>
+                    <a:lnT>
+                      <a:noFill/>
+                    </a:lnT>
+                    <a:lnB>
+                      <a:noFill/>
+                    </a:lnB>
+                  </a:tcPr>
+                </a:tc>
+                <a:tc>
+                  <a:txBody>
+                    <a:bodyPr/>
+                    <a:lstStyle/>
+                    <a:p>
+                      <a:pPr algn="ctr" fontAlgn="b"/>
+                      <a:r>
+                        <a:rPr lang="en-US" sz="1100" b="0" i="0" u="none" strike="noStrike">
+                          <a:solidFill>
+                            <a:srgbClr val="000000"/>
+                          </a:solidFill>
+                          <a:effectLst/>
+                          <a:latin typeface="Calibri" panose="020F0502020204030204" pitchFamily="34" charset="0"/>
+                        </a:rPr>
+                        <a:t>1.0225</a:t>
+                      </a:r>
+                    </a:p>
+                  </a:txBody>
+                  <a:tcPr marL="9525" marR="9525" marT="9525" marB="0" anchor="b">
+                    <a:lnL>
+                      <a:noFill/>
+                    </a:lnL>
+                    <a:lnR>
+                      <a:noFill/>
+                    </a:lnR>
+                    <a:lnT>
+                      <a:noFill/>
+                    </a:lnT>
+                    <a:lnB>
+                      <a:noFill/>
+                    </a:lnB>
+                  </a:tcPr>
+                </a:tc>
+                <a:tc>
+                  <a:txBody>
+                    <a:bodyPr/>
+                    <a:lstStyle/>
+                    <a:p>
+                      <a:pPr algn="ctr" fontAlgn="b"/>
+                      <a:r>
+                        <a:rPr lang="en-US" sz="1100" b="0" i="0" u="none" strike="noStrike">
+                          <a:solidFill>
+                            <a:srgbClr val="000000"/>
+                          </a:solidFill>
+                          <a:effectLst/>
+                          <a:latin typeface="Calibri" panose="020F0502020204030204" pitchFamily="34" charset="0"/>
+                        </a:rPr>
+                        <a:t>0.3568</a:t>
+                      </a:r>
+                    </a:p>
+                  </a:txBody>
+                  <a:tcPr marL="9525" marR="9525" marT="9525" marB="0" anchor="b">
+                    <a:lnL>
+                      <a:noFill/>
+                    </a:lnL>
+                    <a:lnR>
+                      <a:noFill/>
+                    </a:lnR>
+                    <a:lnT>
+                      <a:noFill/>
+                    </a:lnT>
+                    <a:lnB>
+                      <a:noFill/>
+                    </a:lnB>
+                  </a:tcPr>
+                </a:tc>
+                <a:tc>
+                  <a:txBody>
+                    <a:bodyPr/>
+                    <a:lstStyle/>
+                    <a:p>
+                      <a:pPr algn="ctr" fontAlgn="b"/>
+                      <a:endParaRPr lang="en-US" sz="1100" b="0" i="0" u="none" strike="noStrike">
+                        <a:solidFill>
+                          <a:srgbClr val="000000"/>
+                        </a:solidFill>
+                        <a:effectLst/>
+                        <a:latin typeface="Calibri" panose="020F0502020204030204" pitchFamily="34" charset="0"/>
+                      </a:endParaRPr>
+                    </a:p>
+                  </a:txBody>
+                  <a:tcPr marL="9525" marR="9525" marT="9525" marB="0" anchor="b">
+                    <a:lnL>
+                      <a:noFill/>
+                    </a:lnL>
+                    <a:lnR>
+                      <a:noFill/>
+                    </a:lnR>
+                    <a:lnT>
+                      <a:noFill/>
+                    </a:lnT>
+                    <a:lnB>
+                      <a:noFill/>
+                    </a:lnB>
+                  </a:tcPr>
+                </a:tc>
+                <a:extLst>
+                  <a:ext uri="{0D108BD9-81ED-4DB2-BD59-A6C34878D82A}">
+                    <a16:rowId xmlns:a16="http://schemas.microsoft.com/office/drawing/2014/main" val="2650953002"/>
+                  </a:ext>
+                </a:extLst>
+              </a:tr>
+              <a:tr h="190500">
+                <a:tc>
+                  <a:txBody>
+                    <a:bodyPr/>
+                    <a:lstStyle/>
+                    <a:p>
+                      <a:pPr algn="r" fontAlgn="b"/>
+                      <a:r>
+                        <a:rPr lang="en-US" sz="1100" b="0" i="0" u="none" strike="noStrike">
+                          <a:solidFill>
+                            <a:srgbClr val="000000"/>
+                          </a:solidFill>
+                          <a:effectLst/>
+                          <a:latin typeface="Calibri" panose="020F0502020204030204" pitchFamily="34" charset="0"/>
+                        </a:rPr>
+                        <a:t>Residual</a:t>
+                      </a:r>
+                    </a:p>
+                  </a:txBody>
+                  <a:tcPr marL="9525" marR="9525" marT="9525" marB="0" anchor="b">
+                    <a:lnL>
+                      <a:noFill/>
+                    </a:lnL>
+                    <a:lnR>
+                      <a:noFill/>
+                    </a:lnR>
+                    <a:lnT>
+                      <a:noFill/>
+                    </a:lnT>
+                    <a:lnB>
+                      <a:noFill/>
+                    </a:lnB>
+                  </a:tcPr>
+                </a:tc>
+                <a:tc>
+                  <a:txBody>
+                    <a:bodyPr/>
+                    <a:lstStyle/>
+                    <a:p>
+                      <a:pPr algn="ctr" fontAlgn="b"/>
+                      <a:r>
+                        <a:rPr lang="en-US" sz="1100" b="0" i="0" u="none" strike="noStrike">
+                          <a:solidFill>
+                            <a:srgbClr val="000000"/>
+                          </a:solidFill>
+                          <a:effectLst/>
+                          <a:latin typeface="Calibri" panose="020F0502020204030204" pitchFamily="34" charset="0"/>
+                        </a:rPr>
+                        <a:t>153</a:t>
+                      </a:r>
+                    </a:p>
+                  </a:txBody>
+                  <a:tcPr marL="9525" marR="9525" marT="9525" marB="0" anchor="b">
+                    <a:lnL>
+                      <a:noFill/>
+                    </a:lnL>
+                    <a:lnR>
+                      <a:noFill/>
+                    </a:lnR>
+                    <a:lnT>
+                      <a:noFill/>
+                    </a:lnT>
+                    <a:lnB>
+                      <a:noFill/>
+                    </a:lnB>
+                  </a:tcPr>
+                </a:tc>
+                <a:tc>
+                  <a:txBody>
+                    <a:bodyPr/>
+                    <a:lstStyle/>
+                    <a:p>
+                      <a:pPr algn="ctr" fontAlgn="b"/>
+                      <a:r>
+                        <a:rPr lang="en-US" sz="1100" b="0" i="0" u="none" strike="noStrike">
+                          <a:solidFill>
+                            <a:srgbClr val="000000"/>
+                          </a:solidFill>
+                          <a:effectLst/>
+                          <a:latin typeface="Calibri" panose="020F0502020204030204" pitchFamily="34" charset="0"/>
+                        </a:rPr>
+                        <a:t>71.204</a:t>
+                      </a:r>
+                    </a:p>
+                  </a:txBody>
+                  <a:tcPr marL="9525" marR="9525" marT="9525" marB="0" anchor="b">
+                    <a:lnL>
+                      <a:noFill/>
+                    </a:lnL>
+                    <a:lnR>
+                      <a:noFill/>
+                    </a:lnR>
+                    <a:lnT>
+                      <a:noFill/>
+                    </a:lnT>
+                    <a:lnB>
+                      <a:noFill/>
+                    </a:lnB>
+                  </a:tcPr>
+                </a:tc>
+                <a:tc>
+                  <a:txBody>
+                    <a:bodyPr/>
+                    <a:lstStyle/>
+                    <a:p>
+                      <a:pPr algn="ctr" fontAlgn="b"/>
+                      <a:r>
+                        <a:rPr lang="en-US" sz="1100" b="0" i="0" u="none" strike="noStrike" dirty="0">
+                          <a:solidFill>
+                            <a:srgbClr val="000000"/>
+                          </a:solidFill>
+                          <a:effectLst/>
+                          <a:latin typeface="Calibri" panose="020F0502020204030204" pitchFamily="34" charset="0"/>
+                        </a:rPr>
+                        <a:t>0.93681</a:t>
+                      </a:r>
+                    </a:p>
+                  </a:txBody>
+                  <a:tcPr marL="9525" marR="9525" marT="9525" marB="0" anchor="b">
+                    <a:lnL>
+                      <a:noFill/>
+                    </a:lnL>
+                    <a:lnR>
+                      <a:noFill/>
+                    </a:lnR>
+                    <a:lnT>
+                      <a:noFill/>
+                    </a:lnT>
+                    <a:lnB>
+                      <a:noFill/>
+                    </a:lnB>
+                  </a:tcPr>
+                </a:tc>
+                <a:tc>
+                  <a:txBody>
+                    <a:bodyPr/>
+                    <a:lstStyle/>
+                    <a:p>
+                      <a:pPr algn="ctr" fontAlgn="b"/>
+                      <a:endParaRPr lang="en-US" sz="1100" b="0" i="0" u="none" strike="noStrike">
+                        <a:solidFill>
+                          <a:srgbClr val="000000"/>
+                        </a:solidFill>
+                        <a:effectLst/>
+                        <a:latin typeface="Calibri" panose="020F0502020204030204" pitchFamily="34" charset="0"/>
+                      </a:endParaRPr>
+                    </a:p>
+                  </a:txBody>
+                  <a:tcPr marL="9525" marR="9525" marT="9525" marB="0" anchor="b">
+                    <a:lnL>
+                      <a:noFill/>
+                    </a:lnL>
+                    <a:lnR>
+                      <a:noFill/>
+                    </a:lnR>
+                    <a:lnT>
+                      <a:noFill/>
+                    </a:lnT>
+                    <a:lnB>
+                      <a:noFill/>
+                    </a:lnB>
+                  </a:tcPr>
+                </a:tc>
+                <a:tc>
+                  <a:txBody>
+                    <a:bodyPr/>
+                    <a:lstStyle/>
+                    <a:p>
+                      <a:pPr algn="ctr" fontAlgn="b"/>
+                      <a:endParaRPr lang="en-US" sz="1100" b="0" i="0" u="none" strike="noStrike" dirty="0">
+                        <a:solidFill>
+                          <a:srgbClr val="000000"/>
+                        </a:solidFill>
+                        <a:effectLst/>
+                        <a:latin typeface="Calibri" panose="020F0502020204030204" pitchFamily="34" charset="0"/>
+                      </a:endParaRPr>
+                    </a:p>
+                  </a:txBody>
+                  <a:tcPr marL="9525" marR="9525" marT="9525" marB="0" anchor="b">
+                    <a:lnL>
+                      <a:noFill/>
+                    </a:lnL>
+                    <a:lnR>
+                      <a:noFill/>
+                    </a:lnR>
+                    <a:lnT>
+                      <a:noFill/>
+                    </a:lnT>
+                    <a:lnB>
+                      <a:noFill/>
+                    </a:lnB>
+                  </a:tcPr>
+                </a:tc>
+                <a:tc>
+                  <a:txBody>
+                    <a:bodyPr/>
+                    <a:lstStyle/>
+                    <a:p>
+                      <a:pPr algn="ctr" fontAlgn="b"/>
+                      <a:endParaRPr lang="en-US" sz="1100" b="0" i="0" u="none" strike="noStrike" dirty="0">
+                        <a:solidFill>
+                          <a:srgbClr val="000000"/>
+                        </a:solidFill>
+                        <a:effectLst/>
+                        <a:latin typeface="Calibri" panose="020F0502020204030204" pitchFamily="34" charset="0"/>
+                      </a:endParaRPr>
+                    </a:p>
+                  </a:txBody>
+                  <a:tcPr marL="9525" marR="9525" marT="9525" marB="0" anchor="b">
+                    <a:lnL>
+                      <a:noFill/>
+                    </a:lnL>
+                    <a:lnR>
+                      <a:noFill/>
+                    </a:lnR>
+                    <a:lnT>
+                      <a:noFill/>
+                    </a:lnT>
+                    <a:lnB>
+                      <a:noFill/>
+                    </a:lnB>
+                  </a:tcPr>
+                </a:tc>
+                <a:extLst>
+                  <a:ext uri="{0D108BD9-81ED-4DB2-BD59-A6C34878D82A}">
+                    <a16:rowId xmlns:a16="http://schemas.microsoft.com/office/drawing/2014/main" val="1955274488"/>
+                  </a:ext>
+                </a:extLst>
+              </a:tr>
+              <a:tr h="190500">
+                <a:tc>
+                  <a:txBody>
+                    <a:bodyPr/>
+                    <a:lstStyle/>
+                    <a:p>
+                      <a:pPr algn="r" fontAlgn="b"/>
+                      <a:r>
+                        <a:rPr lang="en-US" sz="1100" b="0" i="0" u="none" strike="noStrike" dirty="0">
+                          <a:solidFill>
+                            <a:srgbClr val="000000"/>
+                          </a:solidFill>
+                          <a:effectLst/>
+                          <a:latin typeface="Calibri" panose="020F0502020204030204" pitchFamily="34" charset="0"/>
+                        </a:rPr>
+                        <a:t>Total</a:t>
+                      </a:r>
+                    </a:p>
+                  </a:txBody>
+                  <a:tcPr marL="9525" marR="9525" marT="9525" marB="0" anchor="b">
+                    <a:lnL>
+                      <a:noFill/>
+                    </a:lnL>
+                    <a:lnR>
+                      <a:noFill/>
+                    </a:lnR>
+                    <a:lnT>
+                      <a:noFill/>
+                    </a:lnT>
+                    <a:lnB>
+                      <a:noFill/>
+                    </a:lnB>
+                  </a:tcPr>
+                </a:tc>
+                <a:tc>
+                  <a:txBody>
+                    <a:bodyPr/>
+                    <a:lstStyle/>
+                    <a:p>
+                      <a:pPr algn="ctr" fontAlgn="b"/>
+                      <a:r>
+                        <a:rPr lang="en-US" sz="1100" b="0" i="0" u="none" strike="noStrike">
+                          <a:solidFill>
+                            <a:srgbClr val="000000"/>
+                          </a:solidFill>
+                          <a:effectLst/>
+                          <a:latin typeface="Calibri" panose="020F0502020204030204" pitchFamily="34" charset="0"/>
+                        </a:rPr>
+                        <a:t>158</a:t>
+                      </a:r>
+                    </a:p>
+                  </a:txBody>
+                  <a:tcPr marL="9525" marR="9525" marT="9525" marB="0" anchor="b">
+                    <a:lnL>
+                      <a:noFill/>
+                    </a:lnL>
+                    <a:lnR>
+                      <a:noFill/>
+                    </a:lnR>
+                    <a:lnT>
+                      <a:noFill/>
+                    </a:lnT>
+                    <a:lnB>
+                      <a:noFill/>
+                    </a:lnB>
+                  </a:tcPr>
+                </a:tc>
+                <a:tc>
+                  <a:txBody>
+                    <a:bodyPr/>
+                    <a:lstStyle/>
+                    <a:p>
+                      <a:pPr algn="ctr" fontAlgn="b"/>
+                      <a:r>
+                        <a:rPr lang="en-US" sz="1100" b="0" i="0" u="none" strike="noStrike">
+                          <a:solidFill>
+                            <a:srgbClr val="000000"/>
+                          </a:solidFill>
+                          <a:effectLst/>
+                          <a:latin typeface="Calibri" panose="020F0502020204030204" pitchFamily="34" charset="0"/>
+                        </a:rPr>
+                        <a:t>76.007</a:t>
+                      </a:r>
+                    </a:p>
+                  </a:txBody>
+                  <a:tcPr marL="9525" marR="9525" marT="9525" marB="0" anchor="b">
+                    <a:lnL>
+                      <a:noFill/>
+                    </a:lnL>
+                    <a:lnR>
+                      <a:noFill/>
+                    </a:lnR>
+                    <a:lnT>
+                      <a:noFill/>
+                    </a:lnT>
+                    <a:lnB>
+                      <a:noFill/>
+                    </a:lnB>
+                  </a:tcPr>
+                </a:tc>
+                <a:tc>
+                  <a:txBody>
+                    <a:bodyPr/>
+                    <a:lstStyle/>
+                    <a:p>
+                      <a:pPr algn="ctr" fontAlgn="b"/>
+                      <a:r>
+                        <a:rPr lang="en-US" sz="1100" b="0" i="0" u="none" strike="noStrike">
+                          <a:solidFill>
+                            <a:srgbClr val="000000"/>
+                          </a:solidFill>
+                          <a:effectLst/>
+                          <a:latin typeface="Calibri" panose="020F0502020204030204" pitchFamily="34" charset="0"/>
+                        </a:rPr>
+                        <a:t>1</a:t>
+                      </a:r>
+                    </a:p>
+                  </a:txBody>
+                  <a:tcPr marL="9525" marR="9525" marT="9525" marB="0" anchor="b">
+                    <a:lnL>
+                      <a:noFill/>
+                    </a:lnL>
+                    <a:lnR>
+                      <a:noFill/>
+                    </a:lnR>
+                    <a:lnT>
+                      <a:noFill/>
+                    </a:lnT>
+                    <a:lnB>
+                      <a:noFill/>
+                    </a:lnB>
+                  </a:tcPr>
+                </a:tc>
+                <a:tc>
+                  <a:txBody>
+                    <a:bodyPr/>
+                    <a:lstStyle/>
+                    <a:p>
+                      <a:pPr algn="ctr" fontAlgn="b"/>
+                      <a:endParaRPr lang="en-US" sz="1100" b="0" i="0" u="none" strike="noStrike" dirty="0">
+                        <a:solidFill>
+                          <a:srgbClr val="000000"/>
+                        </a:solidFill>
+                        <a:effectLst/>
+                        <a:latin typeface="Calibri" panose="020F0502020204030204" pitchFamily="34" charset="0"/>
+                      </a:endParaRPr>
+                    </a:p>
+                  </a:txBody>
+                  <a:tcPr marL="9525" marR="9525" marT="9525" marB="0" anchor="b">
+                    <a:lnL>
+                      <a:noFill/>
+                    </a:lnL>
+                    <a:lnR>
+                      <a:noFill/>
+                    </a:lnR>
+                    <a:lnT>
+                      <a:noFill/>
+                    </a:lnT>
+                    <a:lnB>
+                      <a:noFill/>
+                    </a:lnB>
+                  </a:tcPr>
+                </a:tc>
+                <a:tc>
+                  <a:txBody>
+                    <a:bodyPr/>
+                    <a:lstStyle/>
+                    <a:p>
+                      <a:pPr algn="ctr" fontAlgn="b"/>
+                      <a:endParaRPr lang="en-US" sz="1100" b="0" i="0" u="none" strike="noStrike">
+                        <a:solidFill>
+                          <a:srgbClr val="000000"/>
+                        </a:solidFill>
+                        <a:effectLst/>
+                        <a:latin typeface="Calibri" panose="020F0502020204030204" pitchFamily="34" charset="0"/>
+                      </a:endParaRPr>
+                    </a:p>
+                  </a:txBody>
+                  <a:tcPr marL="9525" marR="9525" marT="9525" marB="0" anchor="b">
+                    <a:lnL>
+                      <a:noFill/>
+                    </a:lnL>
+                    <a:lnR>
+                      <a:noFill/>
+                    </a:lnR>
+                    <a:lnT>
+                      <a:noFill/>
+                    </a:lnT>
+                    <a:lnB>
+                      <a:noFill/>
+                    </a:lnB>
+                  </a:tcPr>
+                </a:tc>
+                <a:tc>
+                  <a:txBody>
+                    <a:bodyPr/>
+                    <a:lstStyle/>
+                    <a:p>
+                      <a:pPr algn="ctr" fontAlgn="b"/>
+                      <a:endParaRPr lang="en-US" sz="1100" b="0" i="0" u="none" strike="noStrike" dirty="0">
+                        <a:solidFill>
+                          <a:srgbClr val="000000"/>
+                        </a:solidFill>
+                        <a:effectLst/>
+                        <a:latin typeface="Calibri" panose="020F0502020204030204" pitchFamily="34" charset="0"/>
+                      </a:endParaRPr>
+                    </a:p>
+                  </a:txBody>
+                  <a:tcPr marL="9525" marR="9525" marT="9525" marB="0" anchor="b">
+                    <a:lnL>
+                      <a:noFill/>
+                    </a:lnL>
+                    <a:lnR>
+                      <a:noFill/>
+                    </a:lnR>
+                    <a:lnT>
+                      <a:noFill/>
+                    </a:lnT>
+                    <a:lnB>
+                      <a:noFill/>
+                    </a:lnB>
+                  </a:tcPr>
+                </a:tc>
+                <a:extLst>
+                  <a:ext uri="{0D108BD9-81ED-4DB2-BD59-A6C34878D82A}">
+                    <a16:rowId xmlns:a16="http://schemas.microsoft.com/office/drawing/2014/main" val="3340314385"/>
+                  </a:ext>
+                </a:extLst>
+              </a:tr>
+            </a:tbl>
+          </a:graphicData>
+        </a:graphic>
+      </p:graphicFrame>
+      <p:sp>
+        <p:nvSpPr>
+          <p:cNvPr id="8" name="TextBox 7">
+            <a:extLst>
+              <a:ext uri="{FF2B5EF4-FFF2-40B4-BE49-F238E27FC236}">
+                <a16:creationId xmlns:a16="http://schemas.microsoft.com/office/drawing/2014/main" id="{5C85B1B6-1A9E-849D-0131-6144CF18CCBB}"/>
+              </a:ext>
+            </a:extLst>
+          </p:cNvPr>
+          <p:cNvSpPr txBox="1"/>
+          <p:nvPr/>
+        </p:nvSpPr>
+        <p:spPr>
+          <a:xfrm>
+            <a:off x="733147" y="3908644"/>
+            <a:ext cx="4930806" cy="523220"/>
+          </a:xfrm>
+          <a:prstGeom prst="rect">
+            <a:avLst/>
+          </a:prstGeom>
+          <a:noFill/>
+        </p:spPr>
+        <p:txBody>
+          <a:bodyPr wrap="square">
+            <a:spAutoFit/>
+          </a:bodyPr>
+          <a:lstStyle/>
+          <a:p>
+            <a:pPr lvl="1"/>
+            <a:r>
+              <a:rPr lang="en-US" sz="2800" dirty="0"/>
+              <a:t>Maternal Weighted UNIFRAC</a:t>
             </a:r>
           </a:p>
         </p:txBody>
@@ -4032,6 +8269,2326 @@
     <p:extLst>
       <p:ext uri="{BB962C8B-B14F-4D97-AF65-F5344CB8AC3E}">
         <p14:creationId xmlns:p14="http://schemas.microsoft.com/office/powerpoint/2010/main" val="2502736490"/>
+      </p:ext>
+    </p:extLst>
+  </p:cSld>
+  <p:clrMapOvr>
+    <a:masterClrMapping/>
+  </p:clrMapOvr>
+</p:sld>
+</file>
+
+<file path=ppt/slides/slide6.xml><?xml version="1.0" encoding="utf-8"?>
+<p:sld xmlns:a="http://schemas.openxmlformats.org/drawingml/2006/main" xmlns:r="http://schemas.openxmlformats.org/officeDocument/2006/relationships" xmlns:p="http://schemas.openxmlformats.org/presentationml/2006/main">
+  <p:cSld>
+    <p:spTree>
+      <p:nvGrpSpPr>
+        <p:cNvPr id="1" name=""/>
+        <p:cNvGrpSpPr/>
+        <p:nvPr/>
+      </p:nvGrpSpPr>
+      <p:grpSpPr>
+        <a:xfrm>
+          <a:off x="0" y="0"/>
+          <a:ext cx="0" cy="0"/>
+          <a:chOff x="0" y="0"/>
+          <a:chExt cx="0" cy="0"/>
+        </a:xfrm>
+      </p:grpSpPr>
+    </p:spTree>
+    <p:extLst>
+      <p:ext uri="{BB962C8B-B14F-4D97-AF65-F5344CB8AC3E}">
+        <p14:creationId xmlns:p14="http://schemas.microsoft.com/office/powerpoint/2010/main" val="2499785712"/>
+      </p:ext>
+    </p:extLst>
+  </p:cSld>
+  <p:clrMapOvr>
+    <a:masterClrMapping/>
+  </p:clrMapOvr>
+</p:sld>
+</file>
+
+<file path=ppt/slides/slide7.xml><?xml version="1.0" encoding="utf-8"?>
+<p:sld xmlns:a="http://schemas.openxmlformats.org/drawingml/2006/main" xmlns:r="http://schemas.openxmlformats.org/officeDocument/2006/relationships" xmlns:p="http://schemas.openxmlformats.org/presentationml/2006/main">
+  <p:cSld>
+    <p:spTree>
+      <p:nvGrpSpPr>
+        <p:cNvPr id="1" name=""/>
+        <p:cNvGrpSpPr/>
+        <p:nvPr/>
+      </p:nvGrpSpPr>
+      <p:grpSpPr>
+        <a:xfrm>
+          <a:off x="0" y="0"/>
+          <a:ext cx="0" cy="0"/>
+          <a:chOff x="0" y="0"/>
+          <a:chExt cx="0" cy="0"/>
+        </a:xfrm>
+      </p:grpSpPr>
+      <p:sp>
+        <p:nvSpPr>
+          <p:cNvPr id="54" name="TextBox 53">
+            <a:extLst>
+              <a:ext uri="{FF2B5EF4-FFF2-40B4-BE49-F238E27FC236}">
+                <a16:creationId xmlns:a16="http://schemas.microsoft.com/office/drawing/2014/main" id="{90C6583D-4533-49BC-C25E-6BFDD2791925}"/>
+              </a:ext>
+            </a:extLst>
+          </p:cNvPr>
+          <p:cNvSpPr txBox="1"/>
+          <p:nvPr/>
+        </p:nvSpPr>
+        <p:spPr>
+          <a:xfrm>
+            <a:off x="2101492" y="937728"/>
+            <a:ext cx="6096000" cy="3970318"/>
+          </a:xfrm>
+          <a:prstGeom prst="rect">
+            <a:avLst/>
+          </a:prstGeom>
+          <a:noFill/>
+        </p:spPr>
+        <p:txBody>
+          <a:bodyPr wrap="square">
+            <a:spAutoFit/>
+          </a:bodyPr>
+          <a:lstStyle/>
+          <a:p>
+            <a:r>
+              <a:rPr lang="en-US" sz="300" dirty="0"/>
+              <a:t>&gt; list</a:t>
+            </a:r>
+          </a:p>
+          <a:p>
+            <a:r>
+              <a:rPr lang="en-US" sz="300" dirty="0"/>
+              <a:t># A </a:t>
+            </a:r>
+            <a:r>
+              <a:rPr lang="en-US" sz="300" dirty="0" err="1"/>
+              <a:t>tibble</a:t>
+            </a:r>
+            <a:r>
+              <a:rPr lang="en-US" sz="300" dirty="0"/>
+              <a:t>: 6 x 1</a:t>
+            </a:r>
+          </a:p>
+          <a:p>
+            <a:r>
+              <a:rPr lang="en-US" sz="300" dirty="0"/>
+              <a:t>  </a:t>
+            </a:r>
+            <a:r>
+              <a:rPr lang="en-US" sz="300" dirty="0" err="1"/>
+              <a:t>SampleType</a:t>
+            </a:r>
+            <a:endParaRPr lang="en-US" sz="300" dirty="0"/>
+          </a:p>
+          <a:p>
+            <a:r>
+              <a:rPr lang="en-US" sz="300" dirty="0"/>
+              <a:t>  &lt;chr&gt;     </a:t>
+            </a:r>
+          </a:p>
+          <a:p>
+            <a:r>
+              <a:rPr lang="en-US" sz="300" dirty="0"/>
+              <a:t>1 Anus      </a:t>
+            </a:r>
+          </a:p>
+          <a:p>
+            <a:r>
+              <a:rPr lang="en-US" sz="300" dirty="0"/>
+              <a:t>2 Cervix    </a:t>
+            </a:r>
+          </a:p>
+          <a:p>
+            <a:r>
+              <a:rPr lang="en-US" sz="300" dirty="0"/>
+              <a:t>3 Ear       </a:t>
+            </a:r>
+          </a:p>
+          <a:p>
+            <a:r>
+              <a:rPr lang="en-US" sz="300" dirty="0"/>
+              <a:t>4 Introitus </a:t>
+            </a:r>
+          </a:p>
+          <a:p>
+            <a:r>
+              <a:rPr lang="en-US" sz="300" dirty="0"/>
+              <a:t>5 Stool     </a:t>
+            </a:r>
+          </a:p>
+          <a:p>
+            <a:r>
+              <a:rPr lang="en-US" sz="300" dirty="0"/>
+              <a:t>6 Vagina    </a:t>
+            </a:r>
+          </a:p>
+          <a:p>
+            <a:r>
+              <a:rPr lang="en-US" sz="300" dirty="0"/>
+              <a:t>&gt; </a:t>
+            </a:r>
+            <a:r>
+              <a:rPr lang="en-US" sz="300" dirty="0" err="1"/>
+              <a:t>lapply</a:t>
+            </a:r>
+            <a:r>
+              <a:rPr lang="en-US" sz="300" dirty="0"/>
+              <a:t>(</a:t>
+            </a:r>
+            <a:r>
+              <a:rPr lang="en-US" sz="300" dirty="0" err="1"/>
+              <a:t>list$SampleType</a:t>
+            </a:r>
+            <a:r>
+              <a:rPr lang="en-US" sz="300" dirty="0"/>
+              <a:t>, function(X) </a:t>
+            </a:r>
+            <a:r>
+              <a:rPr lang="en-US" sz="300" dirty="0" err="1"/>
+              <a:t>day_adonis</a:t>
+            </a:r>
+            <a:r>
+              <a:rPr lang="en-US" sz="300" dirty="0"/>
+              <a:t>(X = X))</a:t>
+            </a:r>
+          </a:p>
+          <a:p>
+            <a:r>
+              <a:rPr lang="en-US" sz="300" dirty="0"/>
+              <a:t>[[1]]</a:t>
+            </a:r>
+          </a:p>
+          <a:p>
+            <a:r>
+              <a:rPr lang="en-US" sz="300" dirty="0"/>
+              <a:t>Permutation test for </a:t>
+            </a:r>
+            <a:r>
+              <a:rPr lang="en-US" sz="300" dirty="0" err="1"/>
+              <a:t>adonis</a:t>
+            </a:r>
+            <a:r>
+              <a:rPr lang="en-US" sz="300" dirty="0"/>
+              <a:t> under reduced model</a:t>
+            </a:r>
+          </a:p>
+          <a:p>
+            <a:r>
+              <a:rPr lang="en-US" sz="300" dirty="0"/>
+              <a:t>Terms added sequentially (first to last)</a:t>
+            </a:r>
+          </a:p>
+          <a:p>
+            <a:r>
+              <a:rPr lang="en-US" sz="300" dirty="0"/>
+              <a:t>Permutation: free</a:t>
+            </a:r>
+          </a:p>
+          <a:p>
+            <a:r>
+              <a:rPr lang="en-US" sz="300" dirty="0"/>
+              <a:t>Number of permutations: 9999</a:t>
+            </a:r>
+          </a:p>
+          <a:p>
+            <a:endParaRPr lang="en-US" sz="300" dirty="0"/>
+          </a:p>
+          <a:p>
+            <a:r>
+              <a:rPr lang="en-US" sz="300" dirty="0"/>
+              <a:t>adonis2(formula = </a:t>
+            </a:r>
+            <a:r>
+              <a:rPr lang="en-US" sz="300" dirty="0" err="1"/>
+              <a:t>Day_unifrac</a:t>
+            </a:r>
+            <a:r>
+              <a:rPr lang="en-US" sz="300" dirty="0"/>
+              <a:t> ~ disease, data = </a:t>
+            </a:r>
+            <a:r>
+              <a:rPr lang="en-US" sz="300" dirty="0" err="1"/>
+              <a:t>Day_meta</a:t>
+            </a:r>
+            <a:r>
+              <a:rPr lang="en-US" sz="300" dirty="0"/>
+              <a:t>, permutations = 9999, parallel = T)</a:t>
+            </a:r>
+          </a:p>
+          <a:p>
+            <a:r>
+              <a:rPr lang="en-US" sz="300" dirty="0"/>
+              <a:t>         </a:t>
+            </a:r>
+            <a:r>
+              <a:rPr lang="en-US" sz="300" dirty="0" err="1"/>
+              <a:t>Df</a:t>
+            </a:r>
+            <a:r>
+              <a:rPr lang="en-US" sz="300" dirty="0"/>
+              <a:t> </a:t>
+            </a:r>
+            <a:r>
+              <a:rPr lang="en-US" sz="300" dirty="0" err="1"/>
+              <a:t>SumOfSqs</a:t>
+            </a:r>
+            <a:r>
+              <a:rPr lang="en-US" sz="300" dirty="0"/>
+              <a:t>      R2      F </a:t>
+            </a:r>
+            <a:r>
+              <a:rPr lang="en-US" sz="300" dirty="0" err="1"/>
+              <a:t>Pr</a:t>
+            </a:r>
+            <a:r>
+              <a:rPr lang="en-US" sz="300" dirty="0"/>
+              <a:t>(&gt;F)</a:t>
+            </a:r>
+          </a:p>
+          <a:p>
+            <a:r>
+              <a:rPr lang="en-US" sz="300" dirty="0"/>
+              <a:t>disease   1  10634.7 0.87192 619.51 0.1594</a:t>
+            </a:r>
+          </a:p>
+          <a:p>
+            <a:r>
+              <a:rPr lang="en-US" sz="300" dirty="0"/>
+              <a:t>Residual 91   1562.1 0.12808              </a:t>
+            </a:r>
+          </a:p>
+          <a:p>
+            <a:r>
+              <a:rPr lang="en-US" sz="300" dirty="0"/>
+              <a:t>Total    92  12196.8 1.00000              </a:t>
+            </a:r>
+          </a:p>
+          <a:p>
+            <a:endParaRPr lang="en-US" sz="300" dirty="0"/>
+          </a:p>
+          <a:p>
+            <a:r>
+              <a:rPr lang="en-US" sz="300" dirty="0"/>
+              <a:t>[[2]]</a:t>
+            </a:r>
+          </a:p>
+          <a:p>
+            <a:r>
+              <a:rPr lang="en-US" sz="300" dirty="0"/>
+              <a:t>Permutation test for </a:t>
+            </a:r>
+            <a:r>
+              <a:rPr lang="en-US" sz="300" dirty="0" err="1"/>
+              <a:t>adonis</a:t>
+            </a:r>
+            <a:r>
+              <a:rPr lang="en-US" sz="300" dirty="0"/>
+              <a:t> under reduced model</a:t>
+            </a:r>
+          </a:p>
+          <a:p>
+            <a:r>
+              <a:rPr lang="en-US" sz="300" dirty="0"/>
+              <a:t>Terms added sequentially (first to last)</a:t>
+            </a:r>
+          </a:p>
+          <a:p>
+            <a:r>
+              <a:rPr lang="en-US" sz="300" dirty="0"/>
+              <a:t>Permutation: free</a:t>
+            </a:r>
+          </a:p>
+          <a:p>
+            <a:r>
+              <a:rPr lang="en-US" sz="300" dirty="0"/>
+              <a:t>Number of permutations: 9999</a:t>
+            </a:r>
+          </a:p>
+          <a:p>
+            <a:endParaRPr lang="en-US" sz="300" dirty="0"/>
+          </a:p>
+          <a:p>
+            <a:r>
+              <a:rPr lang="en-US" sz="300" dirty="0"/>
+              <a:t>adonis2(formula = </a:t>
+            </a:r>
+            <a:r>
+              <a:rPr lang="en-US" sz="300" dirty="0" err="1"/>
+              <a:t>Day_unifrac</a:t>
+            </a:r>
+            <a:r>
+              <a:rPr lang="en-US" sz="300" dirty="0"/>
+              <a:t> ~ disease, data = </a:t>
+            </a:r>
+            <a:r>
+              <a:rPr lang="en-US" sz="300" dirty="0" err="1"/>
+              <a:t>Day_meta</a:t>
+            </a:r>
+            <a:r>
+              <a:rPr lang="en-US" sz="300" dirty="0"/>
+              <a:t>, permutations = 9999, parallel = T)</a:t>
+            </a:r>
+          </a:p>
+          <a:p>
+            <a:r>
+              <a:rPr lang="en-US" sz="300" dirty="0"/>
+              <a:t>         </a:t>
+            </a:r>
+            <a:r>
+              <a:rPr lang="en-US" sz="300" dirty="0" err="1"/>
+              <a:t>Df</a:t>
+            </a:r>
+            <a:r>
+              <a:rPr lang="en-US" sz="300" dirty="0"/>
+              <a:t> </a:t>
+            </a:r>
+            <a:r>
+              <a:rPr lang="en-US" sz="300" dirty="0" err="1"/>
+              <a:t>SumOfSqs</a:t>
+            </a:r>
+            <a:r>
+              <a:rPr lang="en-US" sz="300" dirty="0"/>
+              <a:t>       R2       F </a:t>
+            </a:r>
+            <a:r>
+              <a:rPr lang="en-US" sz="300" dirty="0" err="1"/>
+              <a:t>Pr</a:t>
+            </a:r>
+            <a:r>
+              <a:rPr lang="en-US" sz="300" dirty="0"/>
+              <a:t>(&gt;F)</a:t>
+            </a:r>
+          </a:p>
+          <a:p>
+            <a:r>
+              <a:rPr lang="en-US" sz="300" dirty="0"/>
+              <a:t>disease   1    -5122 -0.07318 -6.0687 0.6145</a:t>
+            </a:r>
+          </a:p>
+          <a:p>
+            <a:r>
+              <a:rPr lang="en-US" sz="300" dirty="0"/>
+              <a:t>Residual 89    75122  1.07318               </a:t>
+            </a:r>
+          </a:p>
+          <a:p>
+            <a:r>
+              <a:rPr lang="en-US" sz="300" dirty="0"/>
+              <a:t>Total    90    70000  1.00000               </a:t>
+            </a:r>
+          </a:p>
+          <a:p>
+            <a:endParaRPr lang="en-US" sz="300" dirty="0"/>
+          </a:p>
+          <a:p>
+            <a:r>
+              <a:rPr lang="en-US" sz="300" dirty="0"/>
+              <a:t>[[3]]</a:t>
+            </a:r>
+          </a:p>
+          <a:p>
+            <a:r>
+              <a:rPr lang="en-US" sz="300" dirty="0"/>
+              <a:t>Permutation test for </a:t>
+            </a:r>
+            <a:r>
+              <a:rPr lang="en-US" sz="300" dirty="0" err="1"/>
+              <a:t>adonis</a:t>
+            </a:r>
+            <a:r>
+              <a:rPr lang="en-US" sz="300" dirty="0"/>
+              <a:t> under reduced model</a:t>
+            </a:r>
+          </a:p>
+          <a:p>
+            <a:r>
+              <a:rPr lang="en-US" sz="300" dirty="0"/>
+              <a:t>Terms added sequentially (first to last)</a:t>
+            </a:r>
+          </a:p>
+          <a:p>
+            <a:r>
+              <a:rPr lang="en-US" sz="300" dirty="0"/>
+              <a:t>Permutation: free</a:t>
+            </a:r>
+          </a:p>
+          <a:p>
+            <a:r>
+              <a:rPr lang="en-US" sz="300" dirty="0"/>
+              <a:t>Number of permutations: 9999</a:t>
+            </a:r>
+          </a:p>
+          <a:p>
+            <a:endParaRPr lang="en-US" sz="300" dirty="0"/>
+          </a:p>
+          <a:p>
+            <a:r>
+              <a:rPr lang="en-US" sz="300" dirty="0"/>
+              <a:t>adonis2(formula = </a:t>
+            </a:r>
+            <a:r>
+              <a:rPr lang="en-US" sz="300" dirty="0" err="1"/>
+              <a:t>Day_unifrac</a:t>
+            </a:r>
+            <a:r>
+              <a:rPr lang="en-US" sz="300" dirty="0"/>
+              <a:t> ~ disease, data = </a:t>
+            </a:r>
+            <a:r>
+              <a:rPr lang="en-US" sz="300" dirty="0" err="1"/>
+              <a:t>Day_meta</a:t>
+            </a:r>
+            <a:r>
+              <a:rPr lang="en-US" sz="300" dirty="0"/>
+              <a:t>, permutations = 9999, parallel = T)</a:t>
+            </a:r>
+          </a:p>
+          <a:p>
+            <a:r>
+              <a:rPr lang="en-US" sz="300" dirty="0"/>
+              <a:t>         </a:t>
+            </a:r>
+            <a:r>
+              <a:rPr lang="en-US" sz="300" dirty="0" err="1"/>
+              <a:t>Df</a:t>
+            </a:r>
+            <a:r>
+              <a:rPr lang="en-US" sz="300" dirty="0"/>
+              <a:t> </a:t>
+            </a:r>
+            <a:r>
+              <a:rPr lang="en-US" sz="300" dirty="0" err="1"/>
+              <a:t>SumOfSqs</a:t>
+            </a:r>
+            <a:r>
+              <a:rPr lang="en-US" sz="300" dirty="0"/>
+              <a:t>       R2       F </a:t>
+            </a:r>
+            <a:r>
+              <a:rPr lang="en-US" sz="300" dirty="0" err="1"/>
+              <a:t>Pr</a:t>
+            </a:r>
+            <a:r>
+              <a:rPr lang="en-US" sz="300" dirty="0"/>
+              <a:t>(&gt;F)</a:t>
+            </a:r>
+          </a:p>
+          <a:p>
+            <a:r>
+              <a:rPr lang="en-US" sz="300" dirty="0"/>
+              <a:t>disease   1  -1034.0 -0.65223 -33.554 0.8989</a:t>
+            </a:r>
+          </a:p>
+          <a:p>
+            <a:r>
+              <a:rPr lang="en-US" sz="300" dirty="0"/>
+              <a:t>Residual 85   2619.2  1.65223               </a:t>
+            </a:r>
+          </a:p>
+          <a:p>
+            <a:r>
+              <a:rPr lang="en-US" sz="300" dirty="0"/>
+              <a:t>Total    86   1585.2  1.00000               </a:t>
+            </a:r>
+          </a:p>
+          <a:p>
+            <a:endParaRPr lang="en-US" sz="300" dirty="0"/>
+          </a:p>
+          <a:p>
+            <a:r>
+              <a:rPr lang="en-US" sz="300" dirty="0"/>
+              <a:t>[[4]]</a:t>
+            </a:r>
+          </a:p>
+          <a:p>
+            <a:r>
+              <a:rPr lang="en-US" sz="300" dirty="0"/>
+              <a:t>Permutation test for </a:t>
+            </a:r>
+            <a:r>
+              <a:rPr lang="en-US" sz="300" dirty="0" err="1"/>
+              <a:t>adonis</a:t>
+            </a:r>
+            <a:r>
+              <a:rPr lang="en-US" sz="300" dirty="0"/>
+              <a:t> under reduced model</a:t>
+            </a:r>
+          </a:p>
+          <a:p>
+            <a:r>
+              <a:rPr lang="en-US" sz="300" dirty="0"/>
+              <a:t>Terms added sequentially (first to last)</a:t>
+            </a:r>
+          </a:p>
+          <a:p>
+            <a:r>
+              <a:rPr lang="en-US" sz="300" dirty="0"/>
+              <a:t>Permutation: free</a:t>
+            </a:r>
+          </a:p>
+          <a:p>
+            <a:r>
+              <a:rPr lang="en-US" sz="300" dirty="0"/>
+              <a:t>Number of permutations: 9999</a:t>
+            </a:r>
+          </a:p>
+          <a:p>
+            <a:endParaRPr lang="en-US" sz="300" dirty="0"/>
+          </a:p>
+          <a:p>
+            <a:r>
+              <a:rPr lang="en-US" sz="300" dirty="0"/>
+              <a:t>adonis2(formula = </a:t>
+            </a:r>
+            <a:r>
+              <a:rPr lang="en-US" sz="300" dirty="0" err="1"/>
+              <a:t>Day_unifrac</a:t>
+            </a:r>
+            <a:r>
+              <a:rPr lang="en-US" sz="300" dirty="0"/>
+              <a:t> ~ disease, data = </a:t>
+            </a:r>
+            <a:r>
+              <a:rPr lang="en-US" sz="300" dirty="0" err="1"/>
+              <a:t>Day_meta</a:t>
+            </a:r>
+            <a:r>
+              <a:rPr lang="en-US" sz="300" dirty="0"/>
+              <a:t>, permutations = 9999, parallel = T)</a:t>
+            </a:r>
+          </a:p>
+          <a:p>
+            <a:r>
+              <a:rPr lang="en-US" sz="300" dirty="0"/>
+              <a:t>         </a:t>
+            </a:r>
+            <a:r>
+              <a:rPr lang="en-US" sz="300" dirty="0" err="1"/>
+              <a:t>Df</a:t>
+            </a:r>
+            <a:r>
+              <a:rPr lang="en-US" sz="300" dirty="0"/>
+              <a:t> </a:t>
+            </a:r>
+            <a:r>
+              <a:rPr lang="en-US" sz="300" dirty="0" err="1"/>
+              <a:t>SumOfSqs</a:t>
+            </a:r>
+            <a:r>
+              <a:rPr lang="en-US" sz="300" dirty="0"/>
+              <a:t>      R2       F </a:t>
+            </a:r>
+            <a:r>
+              <a:rPr lang="en-US" sz="300" dirty="0" err="1"/>
+              <a:t>Pr</a:t>
+            </a:r>
+            <a:r>
+              <a:rPr lang="en-US" sz="300" dirty="0"/>
+              <a:t>(&gt;F)</a:t>
+            </a:r>
+          </a:p>
+          <a:p>
+            <a:r>
+              <a:rPr lang="en-US" sz="300" dirty="0"/>
+              <a:t>disease   1   -475.9 -0.0757 -6.2634 0.5513</a:t>
+            </a:r>
+          </a:p>
+          <a:p>
+            <a:r>
+              <a:rPr lang="en-US" sz="300" dirty="0"/>
+              <a:t>Residual 89   6762.1  1.0757               </a:t>
+            </a:r>
+          </a:p>
+          <a:p>
+            <a:r>
+              <a:rPr lang="en-US" sz="300" dirty="0"/>
+              <a:t>Total    90   6286.3  1.0000               </a:t>
+            </a:r>
+          </a:p>
+          <a:p>
+            <a:endParaRPr lang="en-US" sz="300" dirty="0"/>
+          </a:p>
+          <a:p>
+            <a:r>
+              <a:rPr lang="en-US" sz="300" dirty="0"/>
+              <a:t>[[5]]</a:t>
+            </a:r>
+          </a:p>
+          <a:p>
+            <a:r>
+              <a:rPr lang="en-US" sz="300" dirty="0"/>
+              <a:t>Permutation test for </a:t>
+            </a:r>
+            <a:r>
+              <a:rPr lang="en-US" sz="300" dirty="0" err="1"/>
+              <a:t>adonis</a:t>
+            </a:r>
+            <a:r>
+              <a:rPr lang="en-US" sz="300" dirty="0"/>
+              <a:t> under reduced model</a:t>
+            </a:r>
+          </a:p>
+          <a:p>
+            <a:r>
+              <a:rPr lang="en-US" sz="300" dirty="0"/>
+              <a:t>Terms added sequentially (first to last)</a:t>
+            </a:r>
+          </a:p>
+          <a:p>
+            <a:r>
+              <a:rPr lang="en-US" sz="300" dirty="0"/>
+              <a:t>Permutation: free</a:t>
+            </a:r>
+          </a:p>
+          <a:p>
+            <a:r>
+              <a:rPr lang="en-US" sz="300" dirty="0"/>
+              <a:t>Number of permutations: 9999</a:t>
+            </a:r>
+          </a:p>
+          <a:p>
+            <a:endParaRPr lang="en-US" sz="300" dirty="0"/>
+          </a:p>
+          <a:p>
+            <a:r>
+              <a:rPr lang="en-US" sz="300" dirty="0"/>
+              <a:t>adonis2(formula = </a:t>
+            </a:r>
+            <a:r>
+              <a:rPr lang="en-US" sz="300" dirty="0" err="1"/>
+              <a:t>Day_unifrac</a:t>
+            </a:r>
+            <a:r>
+              <a:rPr lang="en-US" sz="300" dirty="0"/>
+              <a:t> ~ disease, data = </a:t>
+            </a:r>
+            <a:r>
+              <a:rPr lang="en-US" sz="300" dirty="0" err="1"/>
+              <a:t>Day_meta</a:t>
+            </a:r>
+            <a:r>
+              <a:rPr lang="en-US" sz="300" dirty="0"/>
+              <a:t>, permutations = 9999, parallel = T)</a:t>
+            </a:r>
+          </a:p>
+          <a:p>
+            <a:r>
+              <a:rPr lang="en-US" sz="300" dirty="0"/>
+              <a:t>         </a:t>
+            </a:r>
+            <a:r>
+              <a:rPr lang="en-US" sz="300" dirty="0" err="1"/>
+              <a:t>Df</a:t>
+            </a:r>
+            <a:r>
+              <a:rPr lang="en-US" sz="300" dirty="0"/>
+              <a:t> </a:t>
+            </a:r>
+            <a:r>
+              <a:rPr lang="en-US" sz="300" dirty="0" err="1"/>
+              <a:t>SumOfSqs</a:t>
+            </a:r>
+            <a:r>
+              <a:rPr lang="en-US" sz="300" dirty="0"/>
+              <a:t>      R2      F </a:t>
+            </a:r>
+            <a:r>
+              <a:rPr lang="en-US" sz="300" dirty="0" err="1"/>
+              <a:t>Pr</a:t>
+            </a:r>
+            <a:r>
+              <a:rPr lang="en-US" sz="300" dirty="0"/>
+              <a:t>(&gt;F)  </a:t>
+            </a:r>
+          </a:p>
+          <a:p>
+            <a:r>
+              <a:rPr lang="en-US" sz="300" dirty="0"/>
+              <a:t>disease   1   181.88 0.41143 48.932 0.0741 .</a:t>
+            </a:r>
+          </a:p>
+          <a:p>
+            <a:r>
+              <a:rPr lang="en-US" sz="300" dirty="0"/>
+              <a:t>Residual 70   260.20 0.58857                </a:t>
+            </a:r>
+          </a:p>
+          <a:p>
+            <a:r>
+              <a:rPr lang="en-US" sz="300" dirty="0"/>
+              <a:t>Total    71   442.08 1.00000                </a:t>
+            </a:r>
+          </a:p>
+          <a:p>
+            <a:r>
+              <a:rPr lang="en-US" sz="300" dirty="0"/>
+              <a:t>---</a:t>
+            </a:r>
+          </a:p>
+          <a:p>
+            <a:r>
+              <a:rPr lang="en-US" sz="300" dirty="0" err="1"/>
+              <a:t>Signif</a:t>
+            </a:r>
+            <a:r>
+              <a:rPr lang="en-US" sz="300" dirty="0"/>
+              <a:t>. codes:  0 ‘***’ 0.001 ‘**’ 0.01 ‘*’ 0.05 ‘.’ 0.1 ‘ ’ 1</a:t>
+            </a:r>
+          </a:p>
+          <a:p>
+            <a:endParaRPr lang="en-US" sz="300" dirty="0"/>
+          </a:p>
+          <a:p>
+            <a:r>
+              <a:rPr lang="en-US" sz="300" dirty="0"/>
+              <a:t>[[6]]</a:t>
+            </a:r>
+          </a:p>
+          <a:p>
+            <a:r>
+              <a:rPr lang="en-US" sz="300" dirty="0"/>
+              <a:t>Permutation test for </a:t>
+            </a:r>
+            <a:r>
+              <a:rPr lang="en-US" sz="300" dirty="0" err="1"/>
+              <a:t>adonis</a:t>
+            </a:r>
+            <a:r>
+              <a:rPr lang="en-US" sz="300" dirty="0"/>
+              <a:t> under reduced model</a:t>
+            </a:r>
+          </a:p>
+          <a:p>
+            <a:r>
+              <a:rPr lang="en-US" sz="300" dirty="0"/>
+              <a:t>Terms added sequentially (first to last)</a:t>
+            </a:r>
+          </a:p>
+          <a:p>
+            <a:r>
+              <a:rPr lang="en-US" sz="300" dirty="0"/>
+              <a:t>Permutation: free</a:t>
+            </a:r>
+          </a:p>
+          <a:p>
+            <a:r>
+              <a:rPr lang="en-US" sz="300" dirty="0"/>
+              <a:t>Number of permutations: 9999</a:t>
+            </a:r>
+          </a:p>
+          <a:p>
+            <a:endParaRPr lang="en-US" sz="300" dirty="0"/>
+          </a:p>
+          <a:p>
+            <a:r>
+              <a:rPr lang="en-US" sz="300" dirty="0"/>
+              <a:t>adonis2(formula = </a:t>
+            </a:r>
+            <a:r>
+              <a:rPr lang="en-US" sz="300" dirty="0" err="1"/>
+              <a:t>Day_unifrac</a:t>
+            </a:r>
+            <a:r>
+              <a:rPr lang="en-US" sz="300" dirty="0"/>
+              <a:t> ~ disease, data = </a:t>
+            </a:r>
+            <a:r>
+              <a:rPr lang="en-US" sz="300" dirty="0" err="1"/>
+              <a:t>Day_meta</a:t>
+            </a:r>
+            <a:r>
+              <a:rPr lang="en-US" sz="300" dirty="0"/>
+              <a:t>, permutations = 9999, parallel = T)</a:t>
+            </a:r>
+          </a:p>
+          <a:p>
+            <a:r>
+              <a:rPr lang="en-US" sz="300" dirty="0"/>
+              <a:t>         </a:t>
+            </a:r>
+            <a:r>
+              <a:rPr lang="en-US" sz="300" dirty="0" err="1"/>
+              <a:t>Df</a:t>
+            </a:r>
+            <a:r>
+              <a:rPr lang="en-US" sz="300" dirty="0"/>
+              <a:t> </a:t>
+            </a:r>
+            <a:r>
+              <a:rPr lang="en-US" sz="300" dirty="0" err="1"/>
+              <a:t>SumOfSqs</a:t>
+            </a:r>
+            <a:r>
+              <a:rPr lang="en-US" sz="300" dirty="0"/>
+              <a:t>       R2     F </a:t>
+            </a:r>
+            <a:r>
+              <a:rPr lang="en-US" sz="300" dirty="0" err="1"/>
+              <a:t>Pr</a:t>
+            </a:r>
+            <a:r>
+              <a:rPr lang="en-US" sz="300" dirty="0"/>
+              <a:t>(&gt;F)</a:t>
+            </a:r>
+          </a:p>
+          <a:p>
+            <a:r>
+              <a:rPr lang="en-US" sz="300" dirty="0"/>
+              <a:t>disease   1  -1783.5 -0.55289 -32.4 0.9332</a:t>
+            </a:r>
+          </a:p>
+          <a:p>
+            <a:r>
+              <a:rPr lang="en-US" sz="300" dirty="0"/>
+              <a:t>Residual 91   5009.2  1.55289             </a:t>
+            </a:r>
+          </a:p>
+          <a:p>
+            <a:r>
+              <a:rPr lang="en-US" sz="300" dirty="0"/>
+              <a:t>Total    92   3225.8  1.00000 </a:t>
+            </a:r>
+          </a:p>
+        </p:txBody>
+      </p:sp>
+      <p:grpSp>
+        <p:nvGrpSpPr>
+          <p:cNvPr id="2" name="Group 1">
+            <a:extLst>
+              <a:ext uri="{FF2B5EF4-FFF2-40B4-BE49-F238E27FC236}">
+                <a16:creationId xmlns:a16="http://schemas.microsoft.com/office/drawing/2014/main" id="{8BD74C88-C1F9-76A3-A3E3-9387E5BFCBE7}"/>
+              </a:ext>
+            </a:extLst>
+          </p:cNvPr>
+          <p:cNvGrpSpPr/>
+          <p:nvPr/>
+        </p:nvGrpSpPr>
+        <p:grpSpPr>
+          <a:xfrm>
+            <a:off x="1000987" y="0"/>
+            <a:ext cx="10053432" cy="6065441"/>
+            <a:chOff x="954400" y="736752"/>
+            <a:chExt cx="16085491" cy="9704705"/>
+          </a:xfrm>
+        </p:grpSpPr>
+        <p:grpSp>
+          <p:nvGrpSpPr>
+            <p:cNvPr id="22" name="Group 21">
+              <a:extLst>
+                <a:ext uri="{FF2B5EF4-FFF2-40B4-BE49-F238E27FC236}">
+                  <a16:creationId xmlns:a16="http://schemas.microsoft.com/office/drawing/2014/main" id="{AC7E9ED2-E67E-7FB7-88A1-63026A13934D}"/>
+                </a:ext>
+              </a:extLst>
+            </p:cNvPr>
+            <p:cNvGrpSpPr/>
+            <p:nvPr/>
+          </p:nvGrpSpPr>
+          <p:grpSpPr>
+            <a:xfrm>
+              <a:off x="9461240" y="736752"/>
+              <a:ext cx="7578651" cy="5311827"/>
+              <a:chOff x="9461240" y="749278"/>
+              <a:chExt cx="7578651" cy="5311827"/>
+            </a:xfrm>
+          </p:grpSpPr>
+          <p:pic>
+            <p:nvPicPr>
+              <p:cNvPr id="15" name="Picture 14">
+                <a:extLst>
+                  <a:ext uri="{FF2B5EF4-FFF2-40B4-BE49-F238E27FC236}">
+                    <a16:creationId xmlns:a16="http://schemas.microsoft.com/office/drawing/2014/main" id="{8D0E8A61-A891-0321-ED50-B2BAE787D85D}"/>
+                  </a:ext>
+                </a:extLst>
+              </p:cNvPr>
+              <p:cNvPicPr>
+                <a:picLocks noChangeAspect="1"/>
+              </p:cNvPicPr>
+              <p:nvPr/>
+            </p:nvPicPr>
+            <p:blipFill rotWithShape="1">
+              <a:blip r:embed="rId2">
+                <a:extLst>
+                  <a:ext uri="{28A0092B-C50C-407E-A947-70E740481C1C}">
+                    <a14:useLocalDpi xmlns:a14="http://schemas.microsoft.com/office/drawing/2010/main" val="0"/>
+                  </a:ext>
+                </a:extLst>
+              </a:blip>
+              <a:srcRect t="20675" r="16441" b="21829"/>
+              <a:stretch/>
+            </p:blipFill>
+            <p:spPr>
+              <a:xfrm>
+                <a:off x="9461240" y="3546778"/>
+                <a:ext cx="3747739" cy="1745471"/>
+              </a:xfrm>
+              <a:prstGeom prst="rect">
+                <a:avLst/>
+              </a:prstGeom>
+            </p:spPr>
+          </p:pic>
+          <p:pic>
+            <p:nvPicPr>
+              <p:cNvPr id="19" name="Picture 18">
+                <a:extLst>
+                  <a:ext uri="{FF2B5EF4-FFF2-40B4-BE49-F238E27FC236}">
+                    <a16:creationId xmlns:a16="http://schemas.microsoft.com/office/drawing/2014/main" id="{7F16332F-8E55-9E08-58BB-ECD3B51BDC90}"/>
+                  </a:ext>
+                </a:extLst>
+              </p:cNvPr>
+              <p:cNvPicPr>
+                <a:picLocks noChangeAspect="1"/>
+              </p:cNvPicPr>
+              <p:nvPr/>
+            </p:nvPicPr>
+            <p:blipFill rotWithShape="1">
+              <a:blip r:embed="rId3">
+                <a:extLst>
+                  <a:ext uri="{28A0092B-C50C-407E-A947-70E740481C1C}">
+                    <a14:useLocalDpi xmlns:a14="http://schemas.microsoft.com/office/drawing/2010/main" val="0"/>
+                  </a:ext>
+                </a:extLst>
+              </a:blip>
+              <a:srcRect t="4106" r="16441" b="5793"/>
+              <a:stretch/>
+            </p:blipFill>
+            <p:spPr>
+              <a:xfrm>
+                <a:off x="9461240" y="749278"/>
+                <a:ext cx="3747739" cy="2735324"/>
+              </a:xfrm>
+              <a:prstGeom prst="rect">
+                <a:avLst/>
+              </a:prstGeom>
+            </p:spPr>
+          </p:pic>
+          <p:pic>
+            <p:nvPicPr>
+              <p:cNvPr id="17" name="Picture 16">
+                <a:extLst>
+                  <a:ext uri="{FF2B5EF4-FFF2-40B4-BE49-F238E27FC236}">
+                    <a16:creationId xmlns:a16="http://schemas.microsoft.com/office/drawing/2014/main" id="{24F94334-BD12-6448-8E70-49C03F3F09FD}"/>
+                  </a:ext>
+                </a:extLst>
+              </p:cNvPr>
+              <p:cNvPicPr>
+                <a:picLocks noChangeAspect="1"/>
+              </p:cNvPicPr>
+              <p:nvPr/>
+            </p:nvPicPr>
+            <p:blipFill rotWithShape="1">
+              <a:blip r:embed="rId4">
+                <a:extLst>
+                  <a:ext uri="{28A0092B-C50C-407E-A947-70E740481C1C}">
+                    <a14:useLocalDpi xmlns:a14="http://schemas.microsoft.com/office/drawing/2010/main" val="0"/>
+                  </a:ext>
+                </a:extLst>
+              </a:blip>
+              <a:srcRect t="9899" r="16441"/>
+              <a:stretch/>
+            </p:blipFill>
+            <p:spPr>
+              <a:xfrm>
+                <a:off x="13272014" y="749278"/>
+                <a:ext cx="3747739" cy="2735324"/>
+              </a:xfrm>
+              <a:prstGeom prst="rect">
+                <a:avLst/>
+              </a:prstGeom>
+            </p:spPr>
+          </p:pic>
+          <p:pic>
+            <p:nvPicPr>
+              <p:cNvPr id="13" name="Picture 12">
+                <a:extLst>
+                  <a:ext uri="{FF2B5EF4-FFF2-40B4-BE49-F238E27FC236}">
+                    <a16:creationId xmlns:a16="http://schemas.microsoft.com/office/drawing/2014/main" id="{15EAFDC0-C0FF-A8F5-CB5A-E2F652BF0800}"/>
+                  </a:ext>
+                </a:extLst>
+              </p:cNvPr>
+              <p:cNvPicPr>
+                <a:picLocks noChangeAspect="1"/>
+              </p:cNvPicPr>
+              <p:nvPr/>
+            </p:nvPicPr>
+            <p:blipFill rotWithShape="1">
+              <a:blip r:embed="rId5">
+                <a:extLst>
+                  <a:ext uri="{28A0092B-C50C-407E-A947-70E740481C1C}">
+                    <a14:useLocalDpi xmlns:a14="http://schemas.microsoft.com/office/drawing/2010/main" val="0"/>
+                  </a:ext>
+                </a:extLst>
+              </a:blip>
+              <a:srcRect r="15992"/>
+              <a:stretch/>
+            </p:blipFill>
+            <p:spPr>
+              <a:xfrm>
+                <a:off x="13272014" y="3025291"/>
+                <a:ext cx="3767877" cy="3035814"/>
+              </a:xfrm>
+              <a:prstGeom prst="rect">
+                <a:avLst/>
+              </a:prstGeom>
+            </p:spPr>
+          </p:pic>
+        </p:grpSp>
+        <p:grpSp>
+          <p:nvGrpSpPr>
+            <p:cNvPr id="21" name="Group 20">
+              <a:extLst>
+                <a:ext uri="{FF2B5EF4-FFF2-40B4-BE49-F238E27FC236}">
+                  <a16:creationId xmlns:a16="http://schemas.microsoft.com/office/drawing/2014/main" id="{9CDC3406-629F-73F0-2E6A-2CD4581A92AC}"/>
+                </a:ext>
+              </a:extLst>
+            </p:cNvPr>
+            <p:cNvGrpSpPr>
+              <a:grpSpLocks noChangeAspect="1"/>
+            </p:cNvGrpSpPr>
+            <p:nvPr/>
+          </p:nvGrpSpPr>
+          <p:grpSpPr>
+            <a:xfrm>
+              <a:off x="1461217" y="1259679"/>
+              <a:ext cx="7962137" cy="4265972"/>
+              <a:chOff x="2282989" y="1466568"/>
+              <a:chExt cx="7140365" cy="3825681"/>
+            </a:xfrm>
+          </p:grpSpPr>
+          <p:pic>
+            <p:nvPicPr>
+              <p:cNvPr id="3" name="Picture 2">
+                <a:extLst>
+                  <a:ext uri="{FF2B5EF4-FFF2-40B4-BE49-F238E27FC236}">
+                    <a16:creationId xmlns:a16="http://schemas.microsoft.com/office/drawing/2014/main" id="{0363DE7E-DF94-4CE9-D7F9-AD23D6F2D912}"/>
+                  </a:ext>
+                </a:extLst>
+              </p:cNvPr>
+              <p:cNvPicPr>
+                <a:picLocks noChangeAspect="1"/>
+              </p:cNvPicPr>
+              <p:nvPr/>
+            </p:nvPicPr>
+            <p:blipFill rotWithShape="1">
+              <a:blip r:embed="rId6">
+                <a:extLst>
+                  <a:ext uri="{28A0092B-C50C-407E-A947-70E740481C1C}">
+                    <a14:useLocalDpi xmlns:a14="http://schemas.microsoft.com/office/drawing/2010/main" val="0"/>
+                  </a:ext>
+                </a:extLst>
+              </a:blip>
+              <a:srcRect t="21695" r="14825" b="17458"/>
+              <a:stretch/>
+            </p:blipFill>
+            <p:spPr>
+              <a:xfrm>
+                <a:off x="2282989" y="1466568"/>
+                <a:ext cx="7140365" cy="3825681"/>
+              </a:xfrm>
+              <a:prstGeom prst="rect">
+                <a:avLst/>
+              </a:prstGeom>
+            </p:spPr>
+          </p:pic>
+          <p:pic>
+            <p:nvPicPr>
+              <p:cNvPr id="51" name="Picture 50">
+                <a:extLst>
+                  <a:ext uri="{FF2B5EF4-FFF2-40B4-BE49-F238E27FC236}">
+                    <a16:creationId xmlns:a16="http://schemas.microsoft.com/office/drawing/2014/main" id="{4B1C94D5-7CB4-08A1-B588-8F3D00772B3F}"/>
+                  </a:ext>
+                </a:extLst>
+              </p:cNvPr>
+              <p:cNvPicPr>
+                <a:picLocks noChangeAspect="1"/>
+              </p:cNvPicPr>
+              <p:nvPr/>
+            </p:nvPicPr>
+            <p:blipFill rotWithShape="1">
+              <a:blip r:embed="rId6">
+                <a:extLst>
+                  <a:ext uri="{28A0092B-C50C-407E-A947-70E740481C1C}">
+                    <a14:useLocalDpi xmlns:a14="http://schemas.microsoft.com/office/drawing/2010/main" val="0"/>
+                  </a:ext>
+                </a:extLst>
+              </a:blip>
+              <a:srcRect l="86001" t="52159" r="1588" b="32859"/>
+              <a:stretch/>
+            </p:blipFill>
+            <p:spPr>
+              <a:xfrm>
+                <a:off x="2987590" y="1547345"/>
+                <a:ext cx="839929" cy="760426"/>
+              </a:xfrm>
+              <a:prstGeom prst="rect">
+                <a:avLst/>
+              </a:prstGeom>
+            </p:spPr>
+          </p:pic>
+          <p:pic>
+            <p:nvPicPr>
+              <p:cNvPr id="52" name="Picture 51">
+                <a:extLst>
+                  <a:ext uri="{FF2B5EF4-FFF2-40B4-BE49-F238E27FC236}">
+                    <a16:creationId xmlns:a16="http://schemas.microsoft.com/office/drawing/2014/main" id="{00FBE24F-E88A-5622-CB7D-FC778224186C}"/>
+                  </a:ext>
+                </a:extLst>
+              </p:cNvPr>
+              <p:cNvPicPr>
+                <a:picLocks noChangeAspect="1"/>
+              </p:cNvPicPr>
+              <p:nvPr/>
+            </p:nvPicPr>
+            <p:blipFill rotWithShape="1">
+              <a:blip r:embed="rId6">
+                <a:extLst>
+                  <a:ext uri="{28A0092B-C50C-407E-A947-70E740481C1C}">
+                    <a14:useLocalDpi xmlns:a14="http://schemas.microsoft.com/office/drawing/2010/main" val="0"/>
+                  </a:ext>
+                </a:extLst>
+              </a:blip>
+              <a:srcRect l="87021" t="35214" r="3979" b="57973"/>
+              <a:stretch/>
+            </p:blipFill>
+            <p:spPr>
+              <a:xfrm>
+                <a:off x="3865405" y="1667024"/>
+                <a:ext cx="917936" cy="521068"/>
+              </a:xfrm>
+              <a:prstGeom prst="rect">
+                <a:avLst/>
+              </a:prstGeom>
+            </p:spPr>
+          </p:pic>
+        </p:grpSp>
+        <p:grpSp>
+          <p:nvGrpSpPr>
+            <p:cNvPr id="23" name="Group 22">
+              <a:extLst>
+                <a:ext uri="{FF2B5EF4-FFF2-40B4-BE49-F238E27FC236}">
+                  <a16:creationId xmlns:a16="http://schemas.microsoft.com/office/drawing/2014/main" id="{72E5B711-CCF1-2A25-639A-37447B195FCD}"/>
+                </a:ext>
+              </a:extLst>
+            </p:cNvPr>
+            <p:cNvGrpSpPr/>
+            <p:nvPr/>
+          </p:nvGrpSpPr>
+          <p:grpSpPr>
+            <a:xfrm>
+              <a:off x="9451171" y="5696938"/>
+              <a:ext cx="3767877" cy="4744519"/>
+              <a:chOff x="9451171" y="5317578"/>
+              <a:chExt cx="3767877" cy="4744519"/>
+            </a:xfrm>
+          </p:grpSpPr>
+          <p:pic>
+            <p:nvPicPr>
+              <p:cNvPr id="9" name="Picture 8">
+                <a:extLst>
+                  <a:ext uri="{FF2B5EF4-FFF2-40B4-BE49-F238E27FC236}">
+                    <a16:creationId xmlns:a16="http://schemas.microsoft.com/office/drawing/2014/main" id="{879DAE0A-7D4E-C59A-EFAA-103B4AEC550B}"/>
+                  </a:ext>
+                </a:extLst>
+              </p:cNvPr>
+              <p:cNvPicPr>
+                <a:picLocks noChangeAspect="1"/>
+              </p:cNvPicPr>
+              <p:nvPr/>
+            </p:nvPicPr>
+            <p:blipFill rotWithShape="1">
+              <a:blip r:embed="rId7">
+                <a:extLst>
+                  <a:ext uri="{28A0092B-C50C-407E-A947-70E740481C1C}">
+                    <a14:useLocalDpi xmlns:a14="http://schemas.microsoft.com/office/drawing/2010/main" val="0"/>
+                  </a:ext>
+                </a:extLst>
+              </a:blip>
+              <a:srcRect t="5484" r="16441" b="7377"/>
+              <a:stretch/>
+            </p:blipFill>
+            <p:spPr>
+              <a:xfrm>
+                <a:off x="9461240" y="7416719"/>
+                <a:ext cx="3747739" cy="2645378"/>
+              </a:xfrm>
+              <a:prstGeom prst="rect">
+                <a:avLst/>
+              </a:prstGeom>
+            </p:spPr>
+          </p:pic>
+          <p:pic>
+            <p:nvPicPr>
+              <p:cNvPr id="11" name="Picture 10">
+                <a:extLst>
+                  <a:ext uri="{FF2B5EF4-FFF2-40B4-BE49-F238E27FC236}">
+                    <a16:creationId xmlns:a16="http://schemas.microsoft.com/office/drawing/2014/main" id="{7C872D64-B5C9-72F7-0184-EFD67383A77C}"/>
+                  </a:ext>
+                </a:extLst>
+              </p:cNvPr>
+              <p:cNvPicPr>
+                <a:picLocks noChangeAspect="1"/>
+              </p:cNvPicPr>
+              <p:nvPr/>
+            </p:nvPicPr>
+            <p:blipFill rotWithShape="1">
+              <a:blip r:embed="rId8">
+                <a:extLst>
+                  <a:ext uri="{28A0092B-C50C-407E-A947-70E740481C1C}">
+                    <a14:useLocalDpi xmlns:a14="http://schemas.microsoft.com/office/drawing/2010/main" val="0"/>
+                  </a:ext>
+                </a:extLst>
+              </a:blip>
+              <a:srcRect t="14884" r="15992" b="16189"/>
+              <a:stretch/>
+            </p:blipFill>
+            <p:spPr>
+              <a:xfrm>
+                <a:off x="9451171" y="5317578"/>
+                <a:ext cx="3767877" cy="2092496"/>
+              </a:xfrm>
+              <a:prstGeom prst="rect">
+                <a:avLst/>
+              </a:prstGeom>
+            </p:spPr>
+          </p:pic>
+        </p:grpSp>
+        <p:sp>
+          <p:nvSpPr>
+            <p:cNvPr id="7" name="TextBox 6">
+              <a:extLst>
+                <a:ext uri="{FF2B5EF4-FFF2-40B4-BE49-F238E27FC236}">
+                  <a16:creationId xmlns:a16="http://schemas.microsoft.com/office/drawing/2014/main" id="{F73646BB-FDA0-4FE5-86E6-602DFEA7BEA2}"/>
+                </a:ext>
+              </a:extLst>
+            </p:cNvPr>
+            <p:cNvSpPr txBox="1"/>
+            <p:nvPr/>
+          </p:nvSpPr>
+          <p:spPr>
+            <a:xfrm rot="16200000">
+              <a:off x="469653" y="3177222"/>
+              <a:ext cx="1400384" cy="430886"/>
+            </a:xfrm>
+            <a:prstGeom prst="rect">
+              <a:avLst/>
+            </a:prstGeom>
+            <a:noFill/>
+          </p:spPr>
+          <p:txBody>
+            <a:bodyPr wrap="none" lIns="0" tIns="0" rIns="0" bIns="0" rtlCol="0">
+              <a:spAutoFit/>
+            </a:bodyPr>
+            <a:lstStyle/>
+            <a:p>
+              <a:r>
+                <a:rPr lang="en-US" sz="1750" dirty="0">
+                  <a:latin typeface="Arial" panose="020B0604020202020204" pitchFamily="34" charset="0"/>
+                  <a:cs typeface="Arial" panose="020B0604020202020204" pitchFamily="34" charset="0"/>
+                </a:rPr>
+                <a:t>Maternal</a:t>
+              </a:r>
+            </a:p>
+          </p:txBody>
+        </p:sp>
+        <p:sp>
+          <p:nvSpPr>
+            <p:cNvPr id="28" name="TextBox 27">
+              <a:extLst>
+                <a:ext uri="{FF2B5EF4-FFF2-40B4-BE49-F238E27FC236}">
+                  <a16:creationId xmlns:a16="http://schemas.microsoft.com/office/drawing/2014/main" id="{A51C27A8-EF46-4DFC-A97B-3789C412931F}"/>
+                </a:ext>
+              </a:extLst>
+            </p:cNvPr>
+            <p:cNvSpPr txBox="1"/>
+            <p:nvPr/>
+          </p:nvSpPr>
+          <p:spPr>
+            <a:xfrm rot="16200000">
+              <a:off x="450415" y="7853755"/>
+              <a:ext cx="1438856" cy="430886"/>
+            </a:xfrm>
+            <a:prstGeom prst="rect">
+              <a:avLst/>
+            </a:prstGeom>
+            <a:noFill/>
+          </p:spPr>
+          <p:txBody>
+            <a:bodyPr wrap="none" lIns="0" tIns="0" rIns="0" bIns="0" rtlCol="0">
+              <a:spAutoFit/>
+            </a:bodyPr>
+            <a:lstStyle/>
+            <a:p>
+              <a:r>
+                <a:rPr lang="en-US" sz="1750" dirty="0">
+                  <a:latin typeface="Arial" panose="020B0604020202020204" pitchFamily="34" charset="0"/>
+                  <a:cs typeface="Arial" panose="020B0604020202020204" pitchFamily="34" charset="0"/>
+                </a:rPr>
+                <a:t>Neonatal</a:t>
+              </a:r>
+            </a:p>
+          </p:txBody>
+        </p:sp>
+        <p:sp>
+          <p:nvSpPr>
+            <p:cNvPr id="81" name="TextBox 80">
+              <a:extLst>
+                <a:ext uri="{FF2B5EF4-FFF2-40B4-BE49-F238E27FC236}">
+                  <a16:creationId xmlns:a16="http://schemas.microsoft.com/office/drawing/2014/main" id="{46ABF729-2DDE-899A-EBF0-805C7E07998E}"/>
+                </a:ext>
+              </a:extLst>
+            </p:cNvPr>
+            <p:cNvSpPr txBox="1"/>
+            <p:nvPr/>
+          </p:nvSpPr>
+          <p:spPr>
+            <a:xfrm>
+              <a:off x="9464217" y="736752"/>
+              <a:ext cx="240765" cy="369331"/>
+            </a:xfrm>
+            <a:prstGeom prst="rect">
+              <a:avLst/>
+            </a:prstGeom>
+            <a:noFill/>
+          </p:spPr>
+          <p:txBody>
+            <a:bodyPr wrap="square" lIns="0" tIns="0" rIns="0" bIns="0" rtlCol="0">
+              <a:spAutoFit/>
+            </a:bodyPr>
+            <a:lstStyle/>
+            <a:p>
+              <a:r>
+                <a:rPr lang="en-US" sz="1500" b="1" dirty="0"/>
+                <a:t>C</a:t>
+              </a:r>
+            </a:p>
+          </p:txBody>
+        </p:sp>
+        <p:sp>
+          <p:nvSpPr>
+            <p:cNvPr id="82" name="TextBox 81">
+              <a:extLst>
+                <a:ext uri="{FF2B5EF4-FFF2-40B4-BE49-F238E27FC236}">
+                  <a16:creationId xmlns:a16="http://schemas.microsoft.com/office/drawing/2014/main" id="{07CF109C-E081-1A89-E266-0124B4FC0F9D}"/>
+                </a:ext>
+              </a:extLst>
+            </p:cNvPr>
+            <p:cNvSpPr txBox="1"/>
+            <p:nvPr/>
+          </p:nvSpPr>
+          <p:spPr>
+            <a:xfrm>
+              <a:off x="13294165" y="736752"/>
+              <a:ext cx="240765" cy="369331"/>
+            </a:xfrm>
+            <a:prstGeom prst="rect">
+              <a:avLst/>
+            </a:prstGeom>
+            <a:noFill/>
+          </p:spPr>
+          <p:txBody>
+            <a:bodyPr wrap="square" lIns="0" tIns="0" rIns="0" bIns="0" rtlCol="0">
+              <a:spAutoFit/>
+            </a:bodyPr>
+            <a:lstStyle/>
+            <a:p>
+              <a:r>
+                <a:rPr lang="en-US" sz="1500" b="1" dirty="0"/>
+                <a:t>D</a:t>
+              </a:r>
+            </a:p>
+          </p:txBody>
+        </p:sp>
+        <p:sp>
+          <p:nvSpPr>
+            <p:cNvPr id="84" name="TextBox 83">
+              <a:extLst>
+                <a:ext uri="{FF2B5EF4-FFF2-40B4-BE49-F238E27FC236}">
+                  <a16:creationId xmlns:a16="http://schemas.microsoft.com/office/drawing/2014/main" id="{1AC81D21-7A99-C556-C1A6-C197F89202F2}"/>
+                </a:ext>
+              </a:extLst>
+            </p:cNvPr>
+            <p:cNvSpPr txBox="1"/>
+            <p:nvPr/>
+          </p:nvSpPr>
+          <p:spPr>
+            <a:xfrm>
+              <a:off x="9461240" y="5578712"/>
+              <a:ext cx="172461" cy="369331"/>
+            </a:xfrm>
+            <a:prstGeom prst="rect">
+              <a:avLst/>
+            </a:prstGeom>
+            <a:noFill/>
+          </p:spPr>
+          <p:txBody>
+            <a:bodyPr wrap="square" lIns="0" tIns="0" rIns="0" bIns="0" rtlCol="0">
+              <a:spAutoFit/>
+            </a:bodyPr>
+            <a:lstStyle/>
+            <a:p>
+              <a:r>
+                <a:rPr lang="en-US" sz="1500" b="1" dirty="0"/>
+                <a:t>G</a:t>
+              </a:r>
+            </a:p>
+          </p:txBody>
+        </p:sp>
+        <p:sp>
+          <p:nvSpPr>
+            <p:cNvPr id="85" name="TextBox 84">
+              <a:extLst>
+                <a:ext uri="{FF2B5EF4-FFF2-40B4-BE49-F238E27FC236}">
+                  <a16:creationId xmlns:a16="http://schemas.microsoft.com/office/drawing/2014/main" id="{F38C8E21-8CB8-9ECF-0E59-C389E2382F47}"/>
+                </a:ext>
+              </a:extLst>
+            </p:cNvPr>
+            <p:cNvSpPr txBox="1"/>
+            <p:nvPr/>
+          </p:nvSpPr>
+          <p:spPr>
+            <a:xfrm>
+              <a:off x="9464217" y="3392811"/>
+              <a:ext cx="202296" cy="369331"/>
+            </a:xfrm>
+            <a:prstGeom prst="rect">
+              <a:avLst/>
+            </a:prstGeom>
+            <a:noFill/>
+          </p:spPr>
+          <p:txBody>
+            <a:bodyPr wrap="square" lIns="0" tIns="0" rIns="0" bIns="0" rtlCol="0">
+              <a:spAutoFit/>
+            </a:bodyPr>
+            <a:lstStyle/>
+            <a:p>
+              <a:r>
+                <a:rPr lang="en-US" sz="1500" b="1" dirty="0"/>
+                <a:t>E</a:t>
+              </a:r>
+            </a:p>
+          </p:txBody>
+        </p:sp>
+        <p:sp>
+          <p:nvSpPr>
+            <p:cNvPr id="86" name="TextBox 85">
+              <a:extLst>
+                <a:ext uri="{FF2B5EF4-FFF2-40B4-BE49-F238E27FC236}">
+                  <a16:creationId xmlns:a16="http://schemas.microsoft.com/office/drawing/2014/main" id="{F347FAA9-CD4A-12C5-082E-4C9D5F75AC5D}"/>
+                </a:ext>
+              </a:extLst>
+            </p:cNvPr>
+            <p:cNvSpPr txBox="1"/>
+            <p:nvPr/>
+          </p:nvSpPr>
+          <p:spPr>
+            <a:xfrm>
+              <a:off x="9464217" y="7721324"/>
+              <a:ext cx="240765" cy="369331"/>
+            </a:xfrm>
+            <a:prstGeom prst="rect">
+              <a:avLst/>
+            </a:prstGeom>
+            <a:noFill/>
+          </p:spPr>
+          <p:txBody>
+            <a:bodyPr wrap="square" lIns="0" tIns="0" rIns="0" bIns="0" rtlCol="0">
+              <a:spAutoFit/>
+            </a:bodyPr>
+            <a:lstStyle/>
+            <a:p>
+              <a:r>
+                <a:rPr lang="en-US" sz="1500" b="1" dirty="0"/>
+                <a:t>H</a:t>
+              </a:r>
+            </a:p>
+          </p:txBody>
+        </p:sp>
+        <p:pic>
+          <p:nvPicPr>
+            <p:cNvPr id="5" name="Picture 4">
+              <a:extLst>
+                <a:ext uri="{FF2B5EF4-FFF2-40B4-BE49-F238E27FC236}">
+                  <a16:creationId xmlns:a16="http://schemas.microsoft.com/office/drawing/2014/main" id="{1A63A3A7-A2D1-AD6D-519A-320B4D33398D}"/>
+                </a:ext>
+              </a:extLst>
+            </p:cNvPr>
+            <p:cNvPicPr>
+              <a:picLocks noChangeAspect="1"/>
+            </p:cNvPicPr>
+            <p:nvPr/>
+          </p:nvPicPr>
+          <p:blipFill rotWithShape="1">
+            <a:blip r:embed="rId9">
+              <a:extLst>
+                <a:ext uri="{28A0092B-C50C-407E-A947-70E740481C1C}">
+                  <a14:useLocalDpi xmlns:a14="http://schemas.microsoft.com/office/drawing/2010/main" val="0"/>
+                </a:ext>
+              </a:extLst>
+            </a:blip>
+            <a:srcRect t="14890" r="14825" b="11006"/>
+            <a:stretch/>
+          </p:blipFill>
+          <p:spPr>
+            <a:xfrm>
+              <a:off x="1872103" y="5739598"/>
+              <a:ext cx="7140365" cy="4659199"/>
+            </a:xfrm>
+            <a:prstGeom prst="rect">
+              <a:avLst/>
+            </a:prstGeom>
+          </p:spPr>
+        </p:pic>
+        <p:sp>
+          <p:nvSpPr>
+            <p:cNvPr id="89" name="TextBox 88">
+              <a:extLst>
+                <a:ext uri="{FF2B5EF4-FFF2-40B4-BE49-F238E27FC236}">
+                  <a16:creationId xmlns:a16="http://schemas.microsoft.com/office/drawing/2014/main" id="{4797533E-3F70-1049-52B7-750C5807200D}"/>
+                </a:ext>
+              </a:extLst>
+            </p:cNvPr>
+            <p:cNvSpPr txBox="1"/>
+            <p:nvPr/>
+          </p:nvSpPr>
+          <p:spPr>
+            <a:xfrm>
+              <a:off x="1624314" y="5690292"/>
+              <a:ext cx="218234" cy="369331"/>
+            </a:xfrm>
+            <a:prstGeom prst="rect">
+              <a:avLst/>
+            </a:prstGeom>
+            <a:noFill/>
+          </p:spPr>
+          <p:txBody>
+            <a:bodyPr wrap="square" lIns="0" tIns="0" rIns="0" bIns="0" rtlCol="0">
+              <a:spAutoFit/>
+            </a:bodyPr>
+            <a:lstStyle/>
+            <a:p>
+              <a:r>
+                <a:rPr lang="en-US" sz="1500" b="1" dirty="0"/>
+                <a:t>B</a:t>
+              </a:r>
+            </a:p>
+          </p:txBody>
+        </p:sp>
+        <p:pic>
+          <p:nvPicPr>
+            <p:cNvPr id="30" name="Picture 29">
+              <a:extLst>
+                <a:ext uri="{FF2B5EF4-FFF2-40B4-BE49-F238E27FC236}">
+                  <a16:creationId xmlns:a16="http://schemas.microsoft.com/office/drawing/2014/main" id="{28552AC7-44BF-C8CC-CE73-8CF166F6BCD4}"/>
+                </a:ext>
+              </a:extLst>
+            </p:cNvPr>
+            <p:cNvPicPr>
+              <a:picLocks noChangeAspect="1"/>
+            </p:cNvPicPr>
+            <p:nvPr/>
+          </p:nvPicPr>
+          <p:blipFill rotWithShape="1">
+            <a:blip r:embed="rId9">
+              <a:extLst>
+                <a:ext uri="{28A0092B-C50C-407E-A947-70E740481C1C}">
+                  <a14:useLocalDpi xmlns:a14="http://schemas.microsoft.com/office/drawing/2010/main" val="0"/>
+                </a:ext>
+              </a:extLst>
+            </a:blip>
+            <a:srcRect l="85586" t="39122" r="4872" b="54191"/>
+            <a:stretch/>
+          </p:blipFill>
+          <p:spPr>
+            <a:xfrm>
+              <a:off x="7879771" y="9329317"/>
+              <a:ext cx="930400" cy="488997"/>
+            </a:xfrm>
+            <a:prstGeom prst="rect">
+              <a:avLst/>
+            </a:prstGeom>
+          </p:spPr>
+        </p:pic>
+        <p:sp>
+          <p:nvSpPr>
+            <p:cNvPr id="83" name="TextBox 82">
+              <a:extLst>
+                <a:ext uri="{FF2B5EF4-FFF2-40B4-BE49-F238E27FC236}">
+                  <a16:creationId xmlns:a16="http://schemas.microsoft.com/office/drawing/2014/main" id="{EF6AD2AD-111E-F212-C3C3-F39A3750DF2B}"/>
+                </a:ext>
+              </a:extLst>
+            </p:cNvPr>
+            <p:cNvSpPr txBox="1"/>
+            <p:nvPr/>
+          </p:nvSpPr>
+          <p:spPr>
+            <a:xfrm>
+              <a:off x="13294165" y="2940017"/>
+              <a:ext cx="240765" cy="369331"/>
+            </a:xfrm>
+            <a:prstGeom prst="rect">
+              <a:avLst/>
+            </a:prstGeom>
+            <a:noFill/>
+          </p:spPr>
+          <p:txBody>
+            <a:bodyPr wrap="square" lIns="0" tIns="0" rIns="0" bIns="0" rtlCol="0">
+              <a:spAutoFit/>
+            </a:bodyPr>
+            <a:lstStyle/>
+            <a:p>
+              <a:r>
+                <a:rPr lang="en-US" sz="1500" b="1" dirty="0"/>
+                <a:t>F</a:t>
+              </a:r>
+            </a:p>
+          </p:txBody>
+        </p:sp>
+        <p:pic>
+          <p:nvPicPr>
+            <p:cNvPr id="43" name="Picture 42">
+              <a:extLst>
+                <a:ext uri="{FF2B5EF4-FFF2-40B4-BE49-F238E27FC236}">
+                  <a16:creationId xmlns:a16="http://schemas.microsoft.com/office/drawing/2014/main" id="{049E1990-6686-8738-8D69-EFB26088B6DB}"/>
+                </a:ext>
+              </a:extLst>
+            </p:cNvPr>
+            <p:cNvPicPr>
+              <a:picLocks noChangeAspect="1"/>
+            </p:cNvPicPr>
+            <p:nvPr/>
+          </p:nvPicPr>
+          <p:blipFill rotWithShape="1">
+            <a:blip r:embed="rId3">
+              <a:extLst>
+                <a:ext uri="{28A0092B-C50C-407E-A947-70E740481C1C}">
+                  <a14:useLocalDpi xmlns:a14="http://schemas.microsoft.com/office/drawing/2010/main" val="0"/>
+                </a:ext>
+              </a:extLst>
+            </a:blip>
+            <a:srcRect l="85298" t="46658" r="1381" b="44218"/>
+            <a:stretch/>
+          </p:blipFill>
+          <p:spPr>
+            <a:xfrm>
+              <a:off x="9951394" y="1042935"/>
+              <a:ext cx="597483" cy="276999"/>
+            </a:xfrm>
+            <a:prstGeom prst="rect">
+              <a:avLst/>
+            </a:prstGeom>
+          </p:spPr>
+        </p:pic>
+        <p:pic>
+          <p:nvPicPr>
+            <p:cNvPr id="44" name="Picture 43">
+              <a:extLst>
+                <a:ext uri="{FF2B5EF4-FFF2-40B4-BE49-F238E27FC236}">
+                  <a16:creationId xmlns:a16="http://schemas.microsoft.com/office/drawing/2014/main" id="{F5530CB4-9701-A5E4-C6ED-96B5AC7171CD}"/>
+                </a:ext>
+              </a:extLst>
+            </p:cNvPr>
+            <p:cNvPicPr>
+              <a:picLocks noChangeAspect="1"/>
+            </p:cNvPicPr>
+            <p:nvPr/>
+          </p:nvPicPr>
+          <p:blipFill rotWithShape="1">
+            <a:blip r:embed="rId3">
+              <a:extLst>
+                <a:ext uri="{28A0092B-C50C-407E-A947-70E740481C1C}">
+                  <a14:useLocalDpi xmlns:a14="http://schemas.microsoft.com/office/drawing/2010/main" val="0"/>
+                </a:ext>
+              </a:extLst>
+            </a:blip>
+            <a:srcRect l="85298" t="46658" r="1381" b="44218"/>
+            <a:stretch/>
+          </p:blipFill>
+          <p:spPr>
+            <a:xfrm>
+              <a:off x="13711930" y="1092884"/>
+              <a:ext cx="597483" cy="276999"/>
+            </a:xfrm>
+            <a:prstGeom prst="rect">
+              <a:avLst/>
+            </a:prstGeom>
+          </p:spPr>
+        </p:pic>
+        <p:pic>
+          <p:nvPicPr>
+            <p:cNvPr id="45" name="Picture 44">
+              <a:extLst>
+                <a:ext uri="{FF2B5EF4-FFF2-40B4-BE49-F238E27FC236}">
+                  <a16:creationId xmlns:a16="http://schemas.microsoft.com/office/drawing/2014/main" id="{075FCBE8-5447-1B08-4AD9-017780B003CC}"/>
+                </a:ext>
+              </a:extLst>
+            </p:cNvPr>
+            <p:cNvPicPr>
+              <a:picLocks noChangeAspect="1"/>
+            </p:cNvPicPr>
+            <p:nvPr/>
+          </p:nvPicPr>
+          <p:blipFill rotWithShape="1">
+            <a:blip r:embed="rId3">
+              <a:extLst>
+                <a:ext uri="{28A0092B-C50C-407E-A947-70E740481C1C}">
+                  <a14:useLocalDpi xmlns:a14="http://schemas.microsoft.com/office/drawing/2010/main" val="0"/>
+                </a:ext>
+              </a:extLst>
+            </a:blip>
+            <a:srcRect l="85298" t="46658" r="1381" b="44218"/>
+            <a:stretch/>
+          </p:blipFill>
+          <p:spPr>
+            <a:xfrm>
+              <a:off x="13814866" y="3289587"/>
+              <a:ext cx="597483" cy="276999"/>
+            </a:xfrm>
+            <a:prstGeom prst="rect">
+              <a:avLst/>
+            </a:prstGeom>
+          </p:spPr>
+        </p:pic>
+        <p:pic>
+          <p:nvPicPr>
+            <p:cNvPr id="46" name="Picture 45">
+              <a:extLst>
+                <a:ext uri="{FF2B5EF4-FFF2-40B4-BE49-F238E27FC236}">
+                  <a16:creationId xmlns:a16="http://schemas.microsoft.com/office/drawing/2014/main" id="{DD40C59F-58AC-EF7E-C9C3-C9DCE08624B4}"/>
+                </a:ext>
+              </a:extLst>
+            </p:cNvPr>
+            <p:cNvPicPr>
+              <a:picLocks noChangeAspect="1"/>
+            </p:cNvPicPr>
+            <p:nvPr/>
+          </p:nvPicPr>
+          <p:blipFill rotWithShape="1">
+            <a:blip r:embed="rId3">
+              <a:extLst>
+                <a:ext uri="{28A0092B-C50C-407E-A947-70E740481C1C}">
+                  <a14:useLocalDpi xmlns:a14="http://schemas.microsoft.com/office/drawing/2010/main" val="0"/>
+                </a:ext>
+              </a:extLst>
+            </a:blip>
+            <a:srcRect l="85298" t="46658" r="1381" b="44218"/>
+            <a:stretch/>
+          </p:blipFill>
+          <p:spPr>
+            <a:xfrm>
+              <a:off x="9908441" y="3792273"/>
+              <a:ext cx="441790" cy="204818"/>
+            </a:xfrm>
+            <a:prstGeom prst="rect">
+              <a:avLst/>
+            </a:prstGeom>
+          </p:spPr>
+        </p:pic>
+        <p:pic>
+          <p:nvPicPr>
+            <p:cNvPr id="49" name="Picture 48">
+              <a:extLst>
+                <a:ext uri="{FF2B5EF4-FFF2-40B4-BE49-F238E27FC236}">
+                  <a16:creationId xmlns:a16="http://schemas.microsoft.com/office/drawing/2014/main" id="{7773730A-3C83-F3EE-61C4-949263D04DB9}"/>
+                </a:ext>
+              </a:extLst>
+            </p:cNvPr>
+            <p:cNvPicPr>
+              <a:picLocks noChangeAspect="1"/>
+            </p:cNvPicPr>
+            <p:nvPr/>
+          </p:nvPicPr>
+          <p:blipFill rotWithShape="1">
+            <a:blip r:embed="rId3">
+              <a:extLst>
+                <a:ext uri="{28A0092B-C50C-407E-A947-70E740481C1C}">
+                  <a14:useLocalDpi xmlns:a14="http://schemas.microsoft.com/office/drawing/2010/main" val="0"/>
+                </a:ext>
+              </a:extLst>
+            </a:blip>
+            <a:srcRect l="85298" t="46658" r="1381" b="44218"/>
+            <a:stretch/>
+          </p:blipFill>
+          <p:spPr>
+            <a:xfrm>
+              <a:off x="9901784" y="5944954"/>
+              <a:ext cx="448448" cy="207905"/>
+            </a:xfrm>
+            <a:prstGeom prst="rect">
+              <a:avLst/>
+            </a:prstGeom>
+          </p:spPr>
+        </p:pic>
+        <p:pic>
+          <p:nvPicPr>
+            <p:cNvPr id="50" name="Picture 49">
+              <a:extLst>
+                <a:ext uri="{FF2B5EF4-FFF2-40B4-BE49-F238E27FC236}">
+                  <a16:creationId xmlns:a16="http://schemas.microsoft.com/office/drawing/2014/main" id="{601ACEA1-230A-098F-FFDC-0E896C1897B5}"/>
+                </a:ext>
+              </a:extLst>
+            </p:cNvPr>
+            <p:cNvPicPr>
+              <a:picLocks noChangeAspect="1"/>
+            </p:cNvPicPr>
+            <p:nvPr/>
+          </p:nvPicPr>
+          <p:blipFill rotWithShape="1">
+            <a:blip r:embed="rId3">
+              <a:extLst>
+                <a:ext uri="{28A0092B-C50C-407E-A947-70E740481C1C}">
+                  <a14:useLocalDpi xmlns:a14="http://schemas.microsoft.com/office/drawing/2010/main" val="0"/>
+                </a:ext>
+              </a:extLst>
+            </a:blip>
+            <a:srcRect l="85298" t="46658" r="1381" b="44218"/>
+            <a:stretch/>
+          </p:blipFill>
+          <p:spPr>
+            <a:xfrm>
+              <a:off x="9901783" y="8104867"/>
+              <a:ext cx="448448" cy="207905"/>
+            </a:xfrm>
+            <a:prstGeom prst="rect">
+              <a:avLst/>
+            </a:prstGeom>
+          </p:spPr>
+        </p:pic>
+        <p:pic>
+          <p:nvPicPr>
+            <p:cNvPr id="53" name="Picture 52">
+              <a:extLst>
+                <a:ext uri="{FF2B5EF4-FFF2-40B4-BE49-F238E27FC236}">
+                  <a16:creationId xmlns:a16="http://schemas.microsoft.com/office/drawing/2014/main" id="{2A786232-D70A-4D68-F429-22D3A56007EC}"/>
+                </a:ext>
+              </a:extLst>
+            </p:cNvPr>
+            <p:cNvPicPr>
+              <a:picLocks noChangeAspect="1"/>
+            </p:cNvPicPr>
+            <p:nvPr/>
+          </p:nvPicPr>
+          <p:blipFill rotWithShape="1">
+            <a:blip r:embed="rId6">
+              <a:extLst>
+                <a:ext uri="{28A0092B-C50C-407E-A947-70E740481C1C}">
+                  <a14:useLocalDpi xmlns:a14="http://schemas.microsoft.com/office/drawing/2010/main" val="0"/>
+                </a:ext>
+              </a:extLst>
+            </a:blip>
+            <a:srcRect l="87021" t="35214" r="3979" b="57973"/>
+            <a:stretch/>
+          </p:blipFill>
+          <p:spPr>
+            <a:xfrm>
+              <a:off x="6961835" y="9271261"/>
+              <a:ext cx="917936" cy="521068"/>
+            </a:xfrm>
+            <a:prstGeom prst="rect">
+              <a:avLst/>
+            </a:prstGeom>
+          </p:spPr>
+        </p:pic>
+        <p:sp>
+          <p:nvSpPr>
+            <p:cNvPr id="80" name="TextBox 79">
+              <a:extLst>
+                <a:ext uri="{FF2B5EF4-FFF2-40B4-BE49-F238E27FC236}">
+                  <a16:creationId xmlns:a16="http://schemas.microsoft.com/office/drawing/2014/main" id="{CB62A882-3E04-6DA1-8EEF-7D32C083BD5F}"/>
+                </a:ext>
+              </a:extLst>
+            </p:cNvPr>
+            <p:cNvSpPr txBox="1"/>
+            <p:nvPr/>
+          </p:nvSpPr>
+          <p:spPr>
+            <a:xfrm flipH="1">
+              <a:off x="1624314" y="810403"/>
+              <a:ext cx="295462" cy="517064"/>
+            </a:xfrm>
+            <a:prstGeom prst="rect">
+              <a:avLst/>
+            </a:prstGeom>
+            <a:noFill/>
+          </p:spPr>
+          <p:txBody>
+            <a:bodyPr wrap="square" rtlCol="0">
+              <a:spAutoFit/>
+            </a:bodyPr>
+            <a:lstStyle/>
+            <a:p>
+              <a:r>
+                <a:rPr lang="en-US" sz="1500" b="1" dirty="0"/>
+                <a:t>A</a:t>
+              </a:r>
+            </a:p>
+          </p:txBody>
+        </p:sp>
+      </p:grpSp>
+      <p:sp>
+        <p:nvSpPr>
+          <p:cNvPr id="39" name="TextBox 38">
+            <a:extLst>
+              <a:ext uri="{FF2B5EF4-FFF2-40B4-BE49-F238E27FC236}">
+                <a16:creationId xmlns:a16="http://schemas.microsoft.com/office/drawing/2014/main" id="{BC200506-A70A-5F4C-5ADE-5EC7AB739EAC}"/>
+              </a:ext>
+            </a:extLst>
+          </p:cNvPr>
+          <p:cNvSpPr txBox="1"/>
+          <p:nvPr/>
+        </p:nvSpPr>
+        <p:spPr>
+          <a:xfrm>
+            <a:off x="413817" y="6049119"/>
+            <a:ext cx="11397184" cy="784830"/>
+          </a:xfrm>
+          <a:prstGeom prst="rect">
+            <a:avLst/>
+          </a:prstGeom>
+          <a:noFill/>
+        </p:spPr>
+        <p:txBody>
+          <a:bodyPr wrap="square">
+            <a:spAutoFit/>
+          </a:bodyPr>
+          <a:lstStyle/>
+          <a:p>
+            <a:r>
+              <a:rPr lang="en-US" sz="1125" b="1" dirty="0"/>
+              <a:t>Supplemental Figure 8</a:t>
+            </a:r>
+            <a:r>
+              <a:rPr lang="en-US" sz="1125" dirty="0"/>
+              <a:t>. Beta Diversity PCoA plots comparing microbiome composition based on variance stabilizing transformed (VST) Euclidean distances in </a:t>
+            </a:r>
+            <a:r>
+              <a:rPr lang="en-US" sz="1125" b="1" dirty="0"/>
+              <a:t>A)</a:t>
+            </a:r>
+            <a:r>
+              <a:rPr lang="en-US" sz="1125" dirty="0"/>
+              <a:t> Maternal </a:t>
+            </a:r>
+            <a:r>
+              <a:rPr lang="en-US" sz="1125" b="1" dirty="0"/>
+              <a:t>(top) </a:t>
+            </a:r>
+            <a:r>
+              <a:rPr lang="en-US" sz="1125" dirty="0"/>
+              <a:t>and </a:t>
+            </a:r>
+            <a:r>
+              <a:rPr lang="en-US" sz="1125" b="1" dirty="0"/>
+              <a:t>B)</a:t>
+            </a:r>
+            <a:r>
+              <a:rPr lang="en-US" sz="1125" dirty="0"/>
+              <a:t> Neonatal </a:t>
+            </a:r>
+            <a:r>
+              <a:rPr lang="en-US" sz="1125" b="1" dirty="0"/>
+              <a:t>(bottom) </a:t>
+            </a:r>
+            <a:r>
+              <a:rPr lang="en-US" sz="1125" dirty="0"/>
+              <a:t>microbiomes faceted by maternal sample types </a:t>
+            </a:r>
+            <a:r>
+              <a:rPr lang="en-US" sz="1125" b="1" dirty="0"/>
+              <a:t>C) </a:t>
+            </a:r>
+            <a:r>
+              <a:rPr lang="en-US" sz="1125" dirty="0"/>
+              <a:t>Vaginal Introitus; </a:t>
+            </a:r>
+            <a:r>
+              <a:rPr lang="en-US" sz="1125" b="1" dirty="0"/>
+              <a:t>D) </a:t>
+            </a:r>
+            <a:r>
+              <a:rPr lang="en-US" sz="1125" dirty="0" err="1"/>
+              <a:t>Midvaginal</a:t>
+            </a:r>
+            <a:r>
+              <a:rPr lang="en-US" sz="1125" dirty="0"/>
+              <a:t>;</a:t>
+            </a:r>
+            <a:r>
+              <a:rPr lang="en-US" sz="1125" b="1" dirty="0"/>
+              <a:t> E) </a:t>
+            </a:r>
+            <a:r>
+              <a:rPr lang="en-US" sz="1125" dirty="0"/>
+              <a:t>Cervix; </a:t>
+            </a:r>
+            <a:r>
+              <a:rPr lang="en-US" sz="1125" b="1" dirty="0"/>
+              <a:t>F) </a:t>
+            </a:r>
+            <a:r>
+              <a:rPr lang="en-US" sz="1125" dirty="0"/>
+              <a:t>Rectum; and neonatal sample types </a:t>
+            </a:r>
+            <a:r>
+              <a:rPr lang="en-US" sz="1125" b="1" dirty="0"/>
+              <a:t>G) </a:t>
+            </a:r>
+            <a:r>
+              <a:rPr lang="en-US" sz="1125" dirty="0"/>
+              <a:t>Ear; and </a:t>
+            </a:r>
+            <a:r>
+              <a:rPr lang="en-US" sz="1125" b="1" dirty="0"/>
+              <a:t>H) </a:t>
+            </a:r>
+            <a:r>
+              <a:rPr lang="en-US" sz="1125" dirty="0"/>
+              <a:t>Stool. Samples are shaped by disease state and colored by sample type in panels A and B, or disease state in panels C-H where Type 1 diabetic microbiomes are depicted in red and control samples are depicted in black. P values significance scores located in the bottom left of each plot were conducted using an </a:t>
+            </a:r>
+            <a:r>
+              <a:rPr lang="en-US" sz="1125" dirty="0" err="1"/>
+              <a:t>adonis</a:t>
+            </a:r>
+            <a:r>
+              <a:rPr lang="en-US" sz="1125" dirty="0"/>
+              <a:t> permutational ANOVA test comparing ASV counts against disease state (perm= 9999).</a:t>
+            </a:r>
+          </a:p>
+        </p:txBody>
+      </p:sp>
+      <p:sp>
+        <p:nvSpPr>
+          <p:cNvPr id="38" name="TextBox 37">
+            <a:extLst>
+              <a:ext uri="{FF2B5EF4-FFF2-40B4-BE49-F238E27FC236}">
+                <a16:creationId xmlns:a16="http://schemas.microsoft.com/office/drawing/2014/main" id="{FD37140B-A2FC-9221-4983-C430DD4E9055}"/>
+              </a:ext>
+            </a:extLst>
+          </p:cNvPr>
+          <p:cNvSpPr txBox="1"/>
+          <p:nvPr/>
+        </p:nvSpPr>
+        <p:spPr>
+          <a:xfrm>
+            <a:off x="6596324" y="2519574"/>
+            <a:ext cx="439223" cy="123111"/>
+          </a:xfrm>
+          <a:prstGeom prst="rect">
+            <a:avLst/>
+          </a:prstGeom>
+          <a:noFill/>
+        </p:spPr>
+        <p:txBody>
+          <a:bodyPr wrap="none" lIns="0" tIns="0" rIns="0" bIns="0" rtlCol="0">
+            <a:spAutoFit/>
+          </a:bodyPr>
+          <a:lstStyle/>
+          <a:p>
+            <a:r>
+              <a:rPr lang="en-US" sz="800" b="1" dirty="0">
+                <a:latin typeface="Arial" panose="020B0604020202020204" pitchFamily="34" charset="0"/>
+                <a:cs typeface="Arial" panose="020B0604020202020204" pitchFamily="34" charset="0"/>
+              </a:rPr>
+              <a:t>p = 0.615</a:t>
+            </a:r>
+          </a:p>
+        </p:txBody>
+      </p:sp>
+      <p:sp>
+        <p:nvSpPr>
+          <p:cNvPr id="40" name="TextBox 39">
+            <a:extLst>
+              <a:ext uri="{FF2B5EF4-FFF2-40B4-BE49-F238E27FC236}">
+                <a16:creationId xmlns:a16="http://schemas.microsoft.com/office/drawing/2014/main" id="{30CE015D-EF2A-5E02-84CE-EB73D895E044}"/>
+              </a:ext>
+            </a:extLst>
+          </p:cNvPr>
+          <p:cNvSpPr txBox="1"/>
+          <p:nvPr/>
+        </p:nvSpPr>
+        <p:spPr>
+          <a:xfrm>
+            <a:off x="6593101" y="1369256"/>
+            <a:ext cx="439223" cy="123111"/>
+          </a:xfrm>
+          <a:prstGeom prst="rect">
+            <a:avLst/>
+          </a:prstGeom>
+          <a:noFill/>
+        </p:spPr>
+        <p:txBody>
+          <a:bodyPr wrap="none" lIns="0" tIns="0" rIns="0" bIns="0" rtlCol="0">
+            <a:spAutoFit/>
+          </a:bodyPr>
+          <a:lstStyle/>
+          <a:p>
+            <a:r>
+              <a:rPr lang="en-US" sz="800" b="1" dirty="0">
+                <a:latin typeface="Arial" panose="020B0604020202020204" pitchFamily="34" charset="0"/>
+                <a:cs typeface="Arial" panose="020B0604020202020204" pitchFamily="34" charset="0"/>
+              </a:rPr>
+              <a:t>p = 0.551</a:t>
+            </a:r>
+          </a:p>
+        </p:txBody>
+      </p:sp>
+      <p:sp>
+        <p:nvSpPr>
+          <p:cNvPr id="41" name="TextBox 40">
+            <a:extLst>
+              <a:ext uri="{FF2B5EF4-FFF2-40B4-BE49-F238E27FC236}">
+                <a16:creationId xmlns:a16="http://schemas.microsoft.com/office/drawing/2014/main" id="{A2A0932A-3532-8940-6796-ABB15F68E393}"/>
+              </a:ext>
+            </a:extLst>
+          </p:cNvPr>
+          <p:cNvSpPr txBox="1"/>
+          <p:nvPr/>
+        </p:nvSpPr>
+        <p:spPr>
+          <a:xfrm>
+            <a:off x="9038778" y="2931506"/>
+            <a:ext cx="439223" cy="123111"/>
+          </a:xfrm>
+          <a:prstGeom prst="rect">
+            <a:avLst/>
+          </a:prstGeom>
+          <a:noFill/>
+        </p:spPr>
+        <p:txBody>
+          <a:bodyPr wrap="none" lIns="0" tIns="0" rIns="0" bIns="0" rtlCol="0">
+            <a:spAutoFit/>
+          </a:bodyPr>
+          <a:lstStyle/>
+          <a:p>
+            <a:r>
+              <a:rPr lang="en-US" sz="800" b="1" dirty="0">
+                <a:latin typeface="Arial" panose="020B0604020202020204" pitchFamily="34" charset="0"/>
+                <a:cs typeface="Arial" panose="020B0604020202020204" pitchFamily="34" charset="0"/>
+              </a:rPr>
+              <a:t>p = 0.159</a:t>
+            </a:r>
+          </a:p>
+        </p:txBody>
+      </p:sp>
+      <p:sp>
+        <p:nvSpPr>
+          <p:cNvPr id="42" name="TextBox 41">
+            <a:extLst>
+              <a:ext uri="{FF2B5EF4-FFF2-40B4-BE49-F238E27FC236}">
+                <a16:creationId xmlns:a16="http://schemas.microsoft.com/office/drawing/2014/main" id="{C6A5403B-3717-E7BA-A158-60CD7F673FC7}"/>
+              </a:ext>
+            </a:extLst>
+          </p:cNvPr>
+          <p:cNvSpPr txBox="1"/>
+          <p:nvPr/>
+        </p:nvSpPr>
+        <p:spPr>
+          <a:xfrm>
+            <a:off x="8985411" y="1092992"/>
+            <a:ext cx="439223" cy="123111"/>
+          </a:xfrm>
+          <a:prstGeom prst="rect">
+            <a:avLst/>
+          </a:prstGeom>
+          <a:noFill/>
+        </p:spPr>
+        <p:txBody>
+          <a:bodyPr wrap="none" lIns="0" tIns="0" rIns="0" bIns="0" rtlCol="0">
+            <a:spAutoFit/>
+          </a:bodyPr>
+          <a:lstStyle/>
+          <a:p>
+            <a:r>
+              <a:rPr lang="en-US" sz="800" b="1" dirty="0">
+                <a:latin typeface="Arial" panose="020B0604020202020204" pitchFamily="34" charset="0"/>
+                <a:cs typeface="Arial" panose="020B0604020202020204" pitchFamily="34" charset="0"/>
+              </a:rPr>
+              <a:t>p = 0.933</a:t>
+            </a:r>
+          </a:p>
+        </p:txBody>
+      </p:sp>
+      <p:sp>
+        <p:nvSpPr>
+          <p:cNvPr id="47" name="TextBox 46">
+            <a:extLst>
+              <a:ext uri="{FF2B5EF4-FFF2-40B4-BE49-F238E27FC236}">
+                <a16:creationId xmlns:a16="http://schemas.microsoft.com/office/drawing/2014/main" id="{14ADAAF3-218F-0B1F-A077-B83BD689D62A}"/>
+              </a:ext>
+            </a:extLst>
+          </p:cNvPr>
+          <p:cNvSpPr txBox="1"/>
+          <p:nvPr/>
+        </p:nvSpPr>
+        <p:spPr>
+          <a:xfrm>
+            <a:off x="6578388" y="4094440"/>
+            <a:ext cx="439223" cy="123111"/>
+          </a:xfrm>
+          <a:prstGeom prst="rect">
+            <a:avLst/>
+          </a:prstGeom>
+          <a:noFill/>
+        </p:spPr>
+        <p:txBody>
+          <a:bodyPr wrap="none" lIns="0" tIns="0" rIns="0" bIns="0" rtlCol="0">
+            <a:spAutoFit/>
+          </a:bodyPr>
+          <a:lstStyle/>
+          <a:p>
+            <a:r>
+              <a:rPr lang="en-US" sz="800" b="1" dirty="0">
+                <a:latin typeface="Arial" panose="020B0604020202020204" pitchFamily="34" charset="0"/>
+                <a:cs typeface="Arial" panose="020B0604020202020204" pitchFamily="34" charset="0"/>
+              </a:rPr>
+              <a:t>p = 0.899</a:t>
+            </a:r>
+          </a:p>
+        </p:txBody>
+      </p:sp>
+      <p:sp>
+        <p:nvSpPr>
+          <p:cNvPr id="48" name="TextBox 47">
+            <a:extLst>
+              <a:ext uri="{FF2B5EF4-FFF2-40B4-BE49-F238E27FC236}">
+                <a16:creationId xmlns:a16="http://schemas.microsoft.com/office/drawing/2014/main" id="{8B26BAFB-E3DC-ED7D-F97C-8E479E7DA234}"/>
+              </a:ext>
+            </a:extLst>
+          </p:cNvPr>
+          <p:cNvSpPr txBox="1"/>
+          <p:nvPr/>
+        </p:nvSpPr>
+        <p:spPr>
+          <a:xfrm>
+            <a:off x="6593101" y="5735736"/>
+            <a:ext cx="439223" cy="123111"/>
+          </a:xfrm>
+          <a:prstGeom prst="rect">
+            <a:avLst/>
+          </a:prstGeom>
+          <a:noFill/>
+        </p:spPr>
+        <p:txBody>
+          <a:bodyPr wrap="none" lIns="0" tIns="0" rIns="0" bIns="0" rtlCol="0">
+            <a:spAutoFit/>
+          </a:bodyPr>
+          <a:lstStyle/>
+          <a:p>
+            <a:r>
+              <a:rPr lang="en-US" sz="800" b="1" dirty="0">
+                <a:latin typeface="Arial" panose="020B0604020202020204" pitchFamily="34" charset="0"/>
+                <a:cs typeface="Arial" panose="020B0604020202020204" pitchFamily="34" charset="0"/>
+              </a:rPr>
+              <a:t>p = 0.074</a:t>
+            </a:r>
+          </a:p>
+        </p:txBody>
+      </p:sp>
+    </p:spTree>
+    <p:extLst>
+      <p:ext uri="{BB962C8B-B14F-4D97-AF65-F5344CB8AC3E}">
+        <p14:creationId xmlns:p14="http://schemas.microsoft.com/office/powerpoint/2010/main" val="1626209638"/>
       </p:ext>
     </p:extLst>
   </p:cSld>
